--- a/img/images.pptx
+++ b/img/images.pptx
@@ -15,6 +15,11 @@
     <p:sldId id="264" r:id="rId9"/>
     <p:sldId id="265" r:id="rId10"/>
     <p:sldId id="266" r:id="rId11"/>
+    <p:sldId id="268" r:id="rId12"/>
+    <p:sldId id="269" r:id="rId13"/>
+    <p:sldId id="270" r:id="rId14"/>
+    <p:sldId id="271" r:id="rId15"/>
+    <p:sldId id="272" r:id="rId16"/>
   </p:sldIdLst>
   <p:sldSz cx="12192000" cy="6858000"/>
   <p:notesSz cx="6858000" cy="9144000"/>
@@ -272,7 +277,7 @@
           <a:p>
             <a:fld id="{493EDA12-7240-45BA-A998-BB8F39C4C82F}" type="datetimeFigureOut">
               <a:rPr lang="ko-KR" altLang="en-US" smtClean="0"/>
-              <a:t>2017-09-14</a:t>
+              <a:t>2017-09-19</a:t>
             </a:fld>
             <a:endParaRPr lang="ko-KR" altLang="en-US"/>
           </a:p>
@@ -470,7 +475,7 @@
           <a:p>
             <a:fld id="{493EDA12-7240-45BA-A998-BB8F39C4C82F}" type="datetimeFigureOut">
               <a:rPr lang="ko-KR" altLang="en-US" smtClean="0"/>
-              <a:t>2017-09-14</a:t>
+              <a:t>2017-09-19</a:t>
             </a:fld>
             <a:endParaRPr lang="ko-KR" altLang="en-US"/>
           </a:p>
@@ -678,7 +683,7 @@
           <a:p>
             <a:fld id="{493EDA12-7240-45BA-A998-BB8F39C4C82F}" type="datetimeFigureOut">
               <a:rPr lang="ko-KR" altLang="en-US" smtClean="0"/>
-              <a:t>2017-09-14</a:t>
+              <a:t>2017-09-19</a:t>
             </a:fld>
             <a:endParaRPr lang="ko-KR" altLang="en-US"/>
           </a:p>
@@ -876,7 +881,7 @@
           <a:p>
             <a:fld id="{493EDA12-7240-45BA-A998-BB8F39C4C82F}" type="datetimeFigureOut">
               <a:rPr lang="ko-KR" altLang="en-US" smtClean="0"/>
-              <a:t>2017-09-14</a:t>
+              <a:t>2017-09-19</a:t>
             </a:fld>
             <a:endParaRPr lang="ko-KR" altLang="en-US"/>
           </a:p>
@@ -1151,7 +1156,7 @@
           <a:p>
             <a:fld id="{493EDA12-7240-45BA-A998-BB8F39C4C82F}" type="datetimeFigureOut">
               <a:rPr lang="ko-KR" altLang="en-US" smtClean="0"/>
-              <a:t>2017-09-14</a:t>
+              <a:t>2017-09-19</a:t>
             </a:fld>
             <a:endParaRPr lang="ko-KR" altLang="en-US"/>
           </a:p>
@@ -1416,7 +1421,7 @@
           <a:p>
             <a:fld id="{493EDA12-7240-45BA-A998-BB8F39C4C82F}" type="datetimeFigureOut">
               <a:rPr lang="ko-KR" altLang="en-US" smtClean="0"/>
-              <a:t>2017-09-14</a:t>
+              <a:t>2017-09-19</a:t>
             </a:fld>
             <a:endParaRPr lang="ko-KR" altLang="en-US"/>
           </a:p>
@@ -1828,7 +1833,7 @@
           <a:p>
             <a:fld id="{493EDA12-7240-45BA-A998-BB8F39C4C82F}" type="datetimeFigureOut">
               <a:rPr lang="ko-KR" altLang="en-US" smtClean="0"/>
-              <a:t>2017-09-14</a:t>
+              <a:t>2017-09-19</a:t>
             </a:fld>
             <a:endParaRPr lang="ko-KR" altLang="en-US"/>
           </a:p>
@@ -1969,7 +1974,7 @@
           <a:p>
             <a:fld id="{493EDA12-7240-45BA-A998-BB8F39C4C82F}" type="datetimeFigureOut">
               <a:rPr lang="ko-KR" altLang="en-US" smtClean="0"/>
-              <a:t>2017-09-14</a:t>
+              <a:t>2017-09-19</a:t>
             </a:fld>
             <a:endParaRPr lang="ko-KR" altLang="en-US"/>
           </a:p>
@@ -2082,7 +2087,7 @@
           <a:p>
             <a:fld id="{493EDA12-7240-45BA-A998-BB8F39C4C82F}" type="datetimeFigureOut">
               <a:rPr lang="ko-KR" altLang="en-US" smtClean="0"/>
-              <a:t>2017-09-14</a:t>
+              <a:t>2017-09-19</a:t>
             </a:fld>
             <a:endParaRPr lang="ko-KR" altLang="en-US"/>
           </a:p>
@@ -2393,7 +2398,7 @@
           <a:p>
             <a:fld id="{493EDA12-7240-45BA-A998-BB8F39C4C82F}" type="datetimeFigureOut">
               <a:rPr lang="ko-KR" altLang="en-US" smtClean="0"/>
-              <a:t>2017-09-14</a:t>
+              <a:t>2017-09-19</a:t>
             </a:fld>
             <a:endParaRPr lang="ko-KR" altLang="en-US"/>
           </a:p>
@@ -2681,7 +2686,7 @@
           <a:p>
             <a:fld id="{493EDA12-7240-45BA-A998-BB8F39C4C82F}" type="datetimeFigureOut">
               <a:rPr lang="ko-KR" altLang="en-US" smtClean="0"/>
-              <a:t>2017-09-14</a:t>
+              <a:t>2017-09-19</a:t>
             </a:fld>
             <a:endParaRPr lang="ko-KR" altLang="en-US"/>
           </a:p>
@@ -2922,7 +2927,7 @@
           <a:p>
             <a:fld id="{493EDA12-7240-45BA-A998-BB8F39C4C82F}" type="datetimeFigureOut">
               <a:rPr lang="ko-KR" altLang="en-US" smtClean="0"/>
-              <a:t>2017-09-14</a:t>
+              <a:t>2017-09-19</a:t>
             </a:fld>
             <a:endParaRPr lang="ko-KR" altLang="en-US"/>
           </a:p>
@@ -3723,6 +3728,3479 @@
 </p:sld>
 </file>
 
+<file path=ppt/slides/slide11.xml><?xml version="1.0" encoding="utf-8"?>
+<p:sld xmlns:a="http://schemas.openxmlformats.org/drawingml/2006/main" xmlns:r="http://schemas.openxmlformats.org/officeDocument/2006/relationships" xmlns:p="http://schemas.openxmlformats.org/presentationml/2006/main">
+  <p:cSld>
+    <p:spTree>
+      <p:nvGrpSpPr>
+        <p:cNvPr id="1" name=""/>
+        <p:cNvGrpSpPr/>
+        <p:nvPr/>
+      </p:nvGrpSpPr>
+      <p:grpSpPr>
+        <a:xfrm>
+          <a:off x="0" y="0"/>
+          <a:ext cx="0" cy="0"/>
+          <a:chOff x="0" y="0"/>
+          <a:chExt cx="0" cy="0"/>
+        </a:xfrm>
+      </p:grpSpPr>
+      <p:sp>
+        <p:nvSpPr>
+          <p:cNvPr id="4" name="사각형: 둥근 모서리 3">
+            <a:extLst>
+              <a:ext uri="{FF2B5EF4-FFF2-40B4-BE49-F238E27FC236}">
+                <a16:creationId xmlns:a16="http://schemas.microsoft.com/office/drawing/2014/main" id="{53726BC7-96DA-4708-9216-E4A2DD99CC49}"/>
+              </a:ext>
+            </a:extLst>
+          </p:cNvPr>
+          <p:cNvSpPr/>
+          <p:nvPr/>
+        </p:nvSpPr>
+        <p:spPr>
+          <a:xfrm>
+            <a:off x="1635369" y="1550377"/>
+            <a:ext cx="4457700" cy="2189284"/>
+          </a:xfrm>
+          <a:prstGeom prst="roundRect">
+            <a:avLst/>
+          </a:prstGeom>
+          <a:noFill/>
+          <a:ln w="57150"/>
+        </p:spPr>
+        <p:style>
+          <a:lnRef idx="2">
+            <a:schemeClr val="accent1">
+              <a:shade val="50000"/>
+            </a:schemeClr>
+          </a:lnRef>
+          <a:fillRef idx="1">
+            <a:schemeClr val="accent1"/>
+          </a:fillRef>
+          <a:effectRef idx="0">
+            <a:schemeClr val="accent1"/>
+          </a:effectRef>
+          <a:fontRef idx="minor">
+            <a:schemeClr val="lt1"/>
+          </a:fontRef>
+        </p:style>
+        <p:txBody>
+          <a:bodyPr rtlCol="0" anchor="ctr"/>
+          <a:lstStyle/>
+          <a:p>
+            <a:pPr algn="ctr"/>
+            <a:endParaRPr lang="ko-KR" altLang="en-US"/>
+          </a:p>
+        </p:txBody>
+      </p:sp>
+      <p:cxnSp>
+        <p:nvCxnSpPr>
+          <p:cNvPr id="8" name="직선 화살표 연결선 7">
+            <a:extLst>
+              <a:ext uri="{FF2B5EF4-FFF2-40B4-BE49-F238E27FC236}">
+                <a16:creationId xmlns:a16="http://schemas.microsoft.com/office/drawing/2014/main" id="{03D2B898-0381-4E7A-8416-A3DBF8AD8661}"/>
+              </a:ext>
+            </a:extLst>
+          </p:cNvPr>
+          <p:cNvCxnSpPr>
+            <a:cxnSpLocks/>
+          </p:cNvCxnSpPr>
+          <p:nvPr/>
+        </p:nvCxnSpPr>
+        <p:spPr>
+          <a:xfrm>
+            <a:off x="6391274" y="2893666"/>
+            <a:ext cx="1422890" cy="0"/>
+          </a:xfrm>
+          <a:prstGeom prst="straightConnector1">
+            <a:avLst/>
+          </a:prstGeom>
+          <a:ln w="57150">
+            <a:solidFill>
+              <a:srgbClr val="2F528F"/>
+            </a:solidFill>
+            <a:headEnd type="triangle"/>
+            <a:tailEnd type="triangle"/>
+          </a:ln>
+        </p:spPr>
+        <p:style>
+          <a:lnRef idx="1">
+            <a:schemeClr val="accent1"/>
+          </a:lnRef>
+          <a:fillRef idx="0">
+            <a:schemeClr val="accent1"/>
+          </a:fillRef>
+          <a:effectRef idx="0">
+            <a:schemeClr val="accent1"/>
+          </a:effectRef>
+          <a:fontRef idx="minor">
+            <a:schemeClr val="tx1"/>
+          </a:fontRef>
+        </p:style>
+      </p:cxnSp>
+      <p:sp>
+        <p:nvSpPr>
+          <p:cNvPr id="13" name="사각형: 둥근 모서리 12">
+            <a:extLst>
+              <a:ext uri="{FF2B5EF4-FFF2-40B4-BE49-F238E27FC236}">
+                <a16:creationId xmlns:a16="http://schemas.microsoft.com/office/drawing/2014/main" id="{C241251C-3244-4078-9BEA-5F459A69BC39}"/>
+              </a:ext>
+            </a:extLst>
+          </p:cNvPr>
+          <p:cNvSpPr/>
+          <p:nvPr/>
+        </p:nvSpPr>
+        <p:spPr>
+          <a:xfrm>
+            <a:off x="8064744" y="1549409"/>
+            <a:ext cx="1898406" cy="2190252"/>
+          </a:xfrm>
+          <a:prstGeom prst="roundRect">
+            <a:avLst/>
+          </a:prstGeom>
+          <a:noFill/>
+          <a:ln w="57150"/>
+        </p:spPr>
+        <p:style>
+          <a:lnRef idx="2">
+            <a:schemeClr val="accent1">
+              <a:shade val="50000"/>
+            </a:schemeClr>
+          </a:lnRef>
+          <a:fillRef idx="1">
+            <a:schemeClr val="accent1"/>
+          </a:fillRef>
+          <a:effectRef idx="0">
+            <a:schemeClr val="accent1"/>
+          </a:effectRef>
+          <a:fontRef idx="minor">
+            <a:schemeClr val="lt1"/>
+          </a:fontRef>
+        </p:style>
+        <p:txBody>
+          <a:bodyPr rtlCol="0" anchor="ctr"/>
+          <a:lstStyle/>
+          <a:p>
+            <a:pPr algn="ctr"/>
+            <a:endParaRPr lang="ko-KR" altLang="en-US"/>
+          </a:p>
+        </p:txBody>
+      </p:sp>
+      <p:sp>
+        <p:nvSpPr>
+          <p:cNvPr id="15" name="TextBox 14">
+            <a:extLst>
+              <a:ext uri="{FF2B5EF4-FFF2-40B4-BE49-F238E27FC236}">
+                <a16:creationId xmlns:a16="http://schemas.microsoft.com/office/drawing/2014/main" id="{B33909CD-3BBE-4264-BC80-AAA0C065DA53}"/>
+              </a:ext>
+            </a:extLst>
+          </p:cNvPr>
+          <p:cNvSpPr txBox="1"/>
+          <p:nvPr/>
+        </p:nvSpPr>
+        <p:spPr>
+          <a:xfrm>
+            <a:off x="1787769" y="1681284"/>
+            <a:ext cx="1310054" cy="710964"/>
+          </a:xfrm>
+          <a:prstGeom prst="rect">
+            <a:avLst/>
+          </a:prstGeom>
+          <a:noFill/>
+        </p:spPr>
+        <p:txBody>
+          <a:bodyPr wrap="square" rtlCol="0">
+            <a:spAutoFit/>
+          </a:bodyPr>
+          <a:lstStyle/>
+          <a:p>
+            <a:r>
+              <a:rPr lang="en-US" altLang="ko-KR" dirty="0"/>
+              <a:t>R </a:t>
+            </a:r>
+            <a:r>
+              <a:rPr lang="ko-KR" altLang="en-US" dirty="0"/>
+              <a:t>환경</a:t>
+            </a:r>
+            <a:endParaRPr lang="en-US" altLang="ko-KR" dirty="0"/>
+          </a:p>
+          <a:p>
+            <a:r>
+              <a:rPr lang="en-US" altLang="ko-KR" dirty="0"/>
+              <a:t>(Memory)</a:t>
+            </a:r>
+            <a:endParaRPr lang="ko-KR" altLang="en-US" dirty="0"/>
+          </a:p>
+        </p:txBody>
+      </p:sp>
+      <p:sp>
+        <p:nvSpPr>
+          <p:cNvPr id="16" name="TextBox 15">
+            <a:extLst>
+              <a:ext uri="{FF2B5EF4-FFF2-40B4-BE49-F238E27FC236}">
+                <a16:creationId xmlns:a16="http://schemas.microsoft.com/office/drawing/2014/main" id="{3A9FE08F-8627-4B17-B3AE-670D6D86AC50}"/>
+              </a:ext>
+            </a:extLst>
+          </p:cNvPr>
+          <p:cNvSpPr txBox="1"/>
+          <p:nvPr/>
+        </p:nvSpPr>
+        <p:spPr>
+          <a:xfrm>
+            <a:off x="8159994" y="1667434"/>
+            <a:ext cx="1310054" cy="369332"/>
+          </a:xfrm>
+          <a:prstGeom prst="rect">
+            <a:avLst/>
+          </a:prstGeom>
+          <a:noFill/>
+        </p:spPr>
+        <p:txBody>
+          <a:bodyPr wrap="square" rtlCol="0">
+            <a:spAutoFit/>
+          </a:bodyPr>
+          <a:lstStyle/>
+          <a:p>
+            <a:r>
+              <a:rPr lang="en-US" altLang="ko-KR" dirty="0"/>
+              <a:t>Files</a:t>
+            </a:r>
+            <a:endParaRPr lang="ko-KR" altLang="en-US" dirty="0"/>
+          </a:p>
+        </p:txBody>
+      </p:sp>
+      <p:sp>
+        <p:nvSpPr>
+          <p:cNvPr id="18" name="타원 17">
+            <a:extLst>
+              <a:ext uri="{FF2B5EF4-FFF2-40B4-BE49-F238E27FC236}">
+                <a16:creationId xmlns:a16="http://schemas.microsoft.com/office/drawing/2014/main" id="{D4FA43CA-AB09-4C4E-A158-88CE20D3D44B}"/>
+              </a:ext>
+            </a:extLst>
+          </p:cNvPr>
+          <p:cNvSpPr/>
+          <p:nvPr/>
+        </p:nvSpPr>
+        <p:spPr>
+          <a:xfrm>
+            <a:off x="3368494" y="2127395"/>
+            <a:ext cx="961042" cy="961042"/>
+          </a:xfrm>
+          <a:prstGeom prst="ellipse">
+            <a:avLst/>
+          </a:prstGeom>
+          <a:noFill/>
+          <a:ln w="28575"/>
+        </p:spPr>
+        <p:style>
+          <a:lnRef idx="2">
+            <a:schemeClr val="accent1">
+              <a:shade val="50000"/>
+            </a:schemeClr>
+          </a:lnRef>
+          <a:fillRef idx="1">
+            <a:schemeClr val="accent1"/>
+          </a:fillRef>
+          <a:effectRef idx="0">
+            <a:schemeClr val="accent1"/>
+          </a:effectRef>
+          <a:fontRef idx="minor">
+            <a:schemeClr val="lt1"/>
+          </a:fontRef>
+        </p:style>
+        <p:txBody>
+          <a:bodyPr rtlCol="0" anchor="ctr"/>
+          <a:lstStyle/>
+          <a:p>
+            <a:pPr algn="ctr"/>
+            <a:endParaRPr lang="ko-KR" altLang="en-US"/>
+          </a:p>
+        </p:txBody>
+      </p:sp>
+      <p:cxnSp>
+        <p:nvCxnSpPr>
+          <p:cNvPr id="19" name="직선 연결선 18">
+            <a:extLst>
+              <a:ext uri="{FF2B5EF4-FFF2-40B4-BE49-F238E27FC236}">
+                <a16:creationId xmlns:a16="http://schemas.microsoft.com/office/drawing/2014/main" id="{A38D575A-FC55-4BC0-82C8-A8DEAA310C9E}"/>
+              </a:ext>
+            </a:extLst>
+          </p:cNvPr>
+          <p:cNvCxnSpPr>
+            <a:cxnSpLocks/>
+          </p:cNvCxnSpPr>
+          <p:nvPr/>
+        </p:nvCxnSpPr>
+        <p:spPr>
+          <a:xfrm flipV="1">
+            <a:off x="4299053" y="2673723"/>
+            <a:ext cx="30483" cy="95079"/>
+          </a:xfrm>
+          <a:prstGeom prst="line">
+            <a:avLst/>
+          </a:prstGeom>
+          <a:ln w="19050">
+            <a:solidFill>
+              <a:srgbClr val="2F528F"/>
+            </a:solidFill>
+            <a:prstDash val="solid"/>
+            <a:miter lim="800000"/>
+            <a:tailEnd type="triangle" w="lg" len="lg"/>
+          </a:ln>
+        </p:spPr>
+        <p:style>
+          <a:lnRef idx="1">
+            <a:schemeClr val="accent1"/>
+          </a:lnRef>
+          <a:fillRef idx="0">
+            <a:schemeClr val="accent1"/>
+          </a:fillRef>
+          <a:effectRef idx="0">
+            <a:schemeClr val="accent1"/>
+          </a:effectRef>
+          <a:fontRef idx="minor">
+            <a:schemeClr val="tx1"/>
+          </a:fontRef>
+        </p:style>
+      </p:cxnSp>
+      <p:sp>
+        <p:nvSpPr>
+          <p:cNvPr id="20" name="TextBox 19">
+            <a:extLst>
+              <a:ext uri="{FF2B5EF4-FFF2-40B4-BE49-F238E27FC236}">
+                <a16:creationId xmlns:a16="http://schemas.microsoft.com/office/drawing/2014/main" id="{91A6FA9A-A559-4F0D-8751-92385081FED9}"/>
+              </a:ext>
+            </a:extLst>
+          </p:cNvPr>
+          <p:cNvSpPr txBox="1"/>
+          <p:nvPr/>
+        </p:nvSpPr>
+        <p:spPr>
+          <a:xfrm>
+            <a:off x="4409225" y="2284750"/>
+            <a:ext cx="1413172" cy="646331"/>
+          </a:xfrm>
+          <a:prstGeom prst="rect">
+            <a:avLst/>
+          </a:prstGeom>
+          <a:noFill/>
+        </p:spPr>
+        <p:txBody>
+          <a:bodyPr wrap="square" rtlCol="0">
+            <a:spAutoFit/>
+          </a:bodyPr>
+          <a:lstStyle/>
+          <a:p>
+            <a:r>
+              <a:rPr lang="en-US" altLang="ko-KR" dirty="0"/>
+              <a:t>Data</a:t>
+            </a:r>
+          </a:p>
+          <a:p>
+            <a:r>
+              <a:rPr lang="en-US" altLang="ko-KR" dirty="0"/>
+              <a:t>Handling</a:t>
+            </a:r>
+            <a:endParaRPr lang="ko-KR" altLang="en-US" dirty="0"/>
+          </a:p>
+        </p:txBody>
+      </p:sp>
+      <p:sp>
+        <p:nvSpPr>
+          <p:cNvPr id="21" name="TextBox 20">
+            <a:extLst>
+              <a:ext uri="{FF2B5EF4-FFF2-40B4-BE49-F238E27FC236}">
+                <a16:creationId xmlns:a16="http://schemas.microsoft.com/office/drawing/2014/main" id="{93087281-0837-47D9-818D-F32941FC88A2}"/>
+              </a:ext>
+            </a:extLst>
+          </p:cNvPr>
+          <p:cNvSpPr txBox="1"/>
+          <p:nvPr/>
+        </p:nvSpPr>
+        <p:spPr>
+          <a:xfrm>
+            <a:off x="6484018" y="2385834"/>
+            <a:ext cx="1310054" cy="369332"/>
+          </a:xfrm>
+          <a:prstGeom prst="rect">
+            <a:avLst/>
+          </a:prstGeom>
+          <a:noFill/>
+        </p:spPr>
+        <p:txBody>
+          <a:bodyPr wrap="square" rtlCol="0">
+            <a:spAutoFit/>
+          </a:bodyPr>
+          <a:lstStyle/>
+          <a:p>
+            <a:r>
+              <a:rPr lang="en-US" altLang="ko-KR" dirty="0"/>
+              <a:t>File In/Out</a:t>
+            </a:r>
+            <a:endParaRPr lang="ko-KR" altLang="en-US" dirty="0"/>
+          </a:p>
+        </p:txBody>
+      </p:sp>
+      <p:sp>
+        <p:nvSpPr>
+          <p:cNvPr id="29" name="사각형: 잘린 한쪽 모서리 28">
+            <a:extLst>
+              <a:ext uri="{FF2B5EF4-FFF2-40B4-BE49-F238E27FC236}">
+                <a16:creationId xmlns:a16="http://schemas.microsoft.com/office/drawing/2014/main" id="{D58D0A4E-26D8-46E1-819D-69453E90C223}"/>
+              </a:ext>
+            </a:extLst>
+          </p:cNvPr>
+          <p:cNvSpPr/>
+          <p:nvPr/>
+        </p:nvSpPr>
+        <p:spPr>
+          <a:xfrm>
+            <a:off x="8231037" y="2175450"/>
+            <a:ext cx="1064660" cy="498273"/>
+          </a:xfrm>
+          <a:prstGeom prst="snip1Rect">
+            <a:avLst>
+              <a:gd name="adj" fmla="val 31929"/>
+            </a:avLst>
+          </a:prstGeom>
+          <a:noFill/>
+          <a:ln w="57150"/>
+        </p:spPr>
+        <p:style>
+          <a:lnRef idx="2">
+            <a:schemeClr val="accent1">
+              <a:shade val="50000"/>
+            </a:schemeClr>
+          </a:lnRef>
+          <a:fillRef idx="1">
+            <a:schemeClr val="accent1"/>
+          </a:fillRef>
+          <a:effectRef idx="0">
+            <a:schemeClr val="accent1"/>
+          </a:effectRef>
+          <a:fontRef idx="minor">
+            <a:schemeClr val="lt1"/>
+          </a:fontRef>
+        </p:style>
+        <p:txBody>
+          <a:bodyPr rtlCol="0" anchor="ctr"/>
+          <a:lstStyle/>
+          <a:p>
+            <a:pPr algn="ctr"/>
+            <a:endParaRPr lang="ko-KR" altLang="en-US" sz="1400"/>
+          </a:p>
+        </p:txBody>
+      </p:sp>
+      <p:sp>
+        <p:nvSpPr>
+          <p:cNvPr id="31" name="TextBox 30">
+            <a:extLst>
+              <a:ext uri="{FF2B5EF4-FFF2-40B4-BE49-F238E27FC236}">
+                <a16:creationId xmlns:a16="http://schemas.microsoft.com/office/drawing/2014/main" id="{711A09FB-6D1E-4930-B14D-41B8C50B2C17}"/>
+              </a:ext>
+            </a:extLst>
+          </p:cNvPr>
+          <p:cNvSpPr txBox="1"/>
+          <p:nvPr/>
+        </p:nvSpPr>
+        <p:spPr>
+          <a:xfrm>
+            <a:off x="8262922" y="2207582"/>
+            <a:ext cx="1310054" cy="369332"/>
+          </a:xfrm>
+          <a:prstGeom prst="rect">
+            <a:avLst/>
+          </a:prstGeom>
+          <a:noFill/>
+        </p:spPr>
+        <p:txBody>
+          <a:bodyPr wrap="square" rtlCol="0">
+            <a:spAutoFit/>
+          </a:bodyPr>
+          <a:lstStyle/>
+          <a:p>
+            <a:r>
+              <a:rPr lang="en-US" altLang="ko-KR" dirty="0"/>
+              <a:t>csv</a:t>
+            </a:r>
+            <a:endParaRPr lang="ko-KR" altLang="en-US" dirty="0"/>
+          </a:p>
+        </p:txBody>
+      </p:sp>
+      <p:sp>
+        <p:nvSpPr>
+          <p:cNvPr id="32" name="사각형: 잘린 한쪽 모서리 31">
+            <a:extLst>
+              <a:ext uri="{FF2B5EF4-FFF2-40B4-BE49-F238E27FC236}">
+                <a16:creationId xmlns:a16="http://schemas.microsoft.com/office/drawing/2014/main" id="{9215F82E-FEC4-467C-903F-F6A63CE18998}"/>
+              </a:ext>
+            </a:extLst>
+          </p:cNvPr>
+          <p:cNvSpPr/>
+          <p:nvPr/>
+        </p:nvSpPr>
+        <p:spPr>
+          <a:xfrm>
+            <a:off x="8231037" y="2812407"/>
+            <a:ext cx="1064660" cy="498273"/>
+          </a:xfrm>
+          <a:prstGeom prst="snip1Rect">
+            <a:avLst>
+              <a:gd name="adj" fmla="val 31929"/>
+            </a:avLst>
+          </a:prstGeom>
+          <a:noFill/>
+          <a:ln w="57150"/>
+        </p:spPr>
+        <p:style>
+          <a:lnRef idx="2">
+            <a:schemeClr val="accent1">
+              <a:shade val="50000"/>
+            </a:schemeClr>
+          </a:lnRef>
+          <a:fillRef idx="1">
+            <a:schemeClr val="accent1"/>
+          </a:fillRef>
+          <a:effectRef idx="0">
+            <a:schemeClr val="accent1"/>
+          </a:effectRef>
+          <a:fontRef idx="minor">
+            <a:schemeClr val="lt1"/>
+          </a:fontRef>
+        </p:style>
+        <p:txBody>
+          <a:bodyPr rtlCol="0" anchor="ctr"/>
+          <a:lstStyle/>
+          <a:p>
+            <a:pPr algn="ctr"/>
+            <a:endParaRPr lang="ko-KR" altLang="en-US" sz="1400"/>
+          </a:p>
+        </p:txBody>
+      </p:sp>
+      <p:sp>
+        <p:nvSpPr>
+          <p:cNvPr id="33" name="TextBox 32">
+            <a:extLst>
+              <a:ext uri="{FF2B5EF4-FFF2-40B4-BE49-F238E27FC236}">
+                <a16:creationId xmlns:a16="http://schemas.microsoft.com/office/drawing/2014/main" id="{91A2517B-6DEA-495B-8351-2F23CCD96324}"/>
+              </a:ext>
+            </a:extLst>
+          </p:cNvPr>
+          <p:cNvSpPr txBox="1"/>
+          <p:nvPr/>
+        </p:nvSpPr>
+        <p:spPr>
+          <a:xfrm>
+            <a:off x="8265472" y="2844539"/>
+            <a:ext cx="1310054" cy="369332"/>
+          </a:xfrm>
+          <a:prstGeom prst="rect">
+            <a:avLst/>
+          </a:prstGeom>
+          <a:noFill/>
+        </p:spPr>
+        <p:txBody>
+          <a:bodyPr wrap="square" rtlCol="0">
+            <a:spAutoFit/>
+          </a:bodyPr>
+          <a:lstStyle/>
+          <a:p>
+            <a:r>
+              <a:rPr lang="en-US" altLang="ko-KR" dirty="0" err="1"/>
+              <a:t>xlsx</a:t>
+            </a:r>
+            <a:endParaRPr lang="ko-KR" altLang="en-US" dirty="0"/>
+          </a:p>
+        </p:txBody>
+      </p:sp>
+      <p:sp>
+        <p:nvSpPr>
+          <p:cNvPr id="34" name="TextBox 33">
+            <a:extLst>
+              <a:ext uri="{FF2B5EF4-FFF2-40B4-BE49-F238E27FC236}">
+                <a16:creationId xmlns:a16="http://schemas.microsoft.com/office/drawing/2014/main" id="{1899DF4D-3FC4-478D-90DF-6C2F23CD793E}"/>
+              </a:ext>
+            </a:extLst>
+          </p:cNvPr>
+          <p:cNvSpPr txBox="1"/>
+          <p:nvPr/>
+        </p:nvSpPr>
+        <p:spPr>
+          <a:xfrm rot="5400000">
+            <a:off x="8307832" y="3363918"/>
+            <a:ext cx="403810" cy="369332"/>
+          </a:xfrm>
+          <a:prstGeom prst="rect">
+            <a:avLst/>
+          </a:prstGeom>
+          <a:noFill/>
+        </p:spPr>
+        <p:txBody>
+          <a:bodyPr wrap="square" rtlCol="0">
+            <a:spAutoFit/>
+          </a:bodyPr>
+          <a:lstStyle/>
+          <a:p>
+            <a:r>
+              <a:rPr lang="en-US" altLang="ko-KR" dirty="0"/>
+              <a:t>…</a:t>
+            </a:r>
+          </a:p>
+        </p:txBody>
+      </p:sp>
+    </p:spTree>
+    <p:extLst>
+      <p:ext uri="{BB962C8B-B14F-4D97-AF65-F5344CB8AC3E}">
+        <p14:creationId xmlns:p14="http://schemas.microsoft.com/office/powerpoint/2010/main" val="1789521446"/>
+      </p:ext>
+    </p:extLst>
+  </p:cSld>
+  <p:clrMapOvr>
+    <a:masterClrMapping/>
+  </p:clrMapOvr>
+</p:sld>
+</file>
+
+<file path=ppt/slides/slide12.xml><?xml version="1.0" encoding="utf-8"?>
+<p:sld xmlns:a="http://schemas.openxmlformats.org/drawingml/2006/main" xmlns:r="http://schemas.openxmlformats.org/officeDocument/2006/relationships" xmlns:p="http://schemas.openxmlformats.org/presentationml/2006/main">
+  <p:cSld>
+    <p:spTree>
+      <p:nvGrpSpPr>
+        <p:cNvPr id="1" name=""/>
+        <p:cNvGrpSpPr/>
+        <p:nvPr/>
+      </p:nvGrpSpPr>
+      <p:grpSpPr>
+        <a:xfrm>
+          <a:off x="0" y="0"/>
+          <a:ext cx="0" cy="0"/>
+          <a:chOff x="0" y="0"/>
+          <a:chExt cx="0" cy="0"/>
+        </a:xfrm>
+      </p:grpSpPr>
+      <p:pic>
+        <p:nvPicPr>
+          <p:cNvPr id="2" name="그림 1">
+            <a:extLst>
+              <a:ext uri="{FF2B5EF4-FFF2-40B4-BE49-F238E27FC236}">
+                <a16:creationId xmlns:a16="http://schemas.microsoft.com/office/drawing/2014/main" id="{8B83CB2D-1CF8-49F4-A09F-CBE25B82A458}"/>
+              </a:ext>
+            </a:extLst>
+          </p:cNvPr>
+          <p:cNvPicPr>
+            <a:picLocks noChangeAspect="1"/>
+          </p:cNvPicPr>
+          <p:nvPr/>
+        </p:nvPicPr>
+        <p:blipFill>
+          <a:blip r:embed="rId2"/>
+          <a:stretch>
+            <a:fillRect/>
+          </a:stretch>
+        </p:blipFill>
+        <p:spPr>
+          <a:xfrm>
+            <a:off x="1903366" y="1486819"/>
+            <a:ext cx="8382727" cy="2243522"/>
+          </a:xfrm>
+          <a:prstGeom prst="rect">
+            <a:avLst/>
+          </a:prstGeom>
+        </p:spPr>
+      </p:pic>
+    </p:spTree>
+    <p:extLst>
+      <p:ext uri="{BB962C8B-B14F-4D97-AF65-F5344CB8AC3E}">
+        <p14:creationId xmlns:p14="http://schemas.microsoft.com/office/powerpoint/2010/main" val="253251198"/>
+      </p:ext>
+    </p:extLst>
+  </p:cSld>
+  <p:clrMapOvr>
+    <a:masterClrMapping/>
+  </p:clrMapOvr>
+</p:sld>
+</file>
+
+<file path=ppt/slides/slide13.xml><?xml version="1.0" encoding="utf-8"?>
+<p:sld xmlns:a="http://schemas.openxmlformats.org/drawingml/2006/main" xmlns:r="http://schemas.openxmlformats.org/officeDocument/2006/relationships" xmlns:p="http://schemas.openxmlformats.org/presentationml/2006/main">
+  <p:cSld>
+    <p:spTree>
+      <p:nvGrpSpPr>
+        <p:cNvPr id="1" name=""/>
+        <p:cNvGrpSpPr/>
+        <p:nvPr/>
+      </p:nvGrpSpPr>
+      <p:grpSpPr>
+        <a:xfrm>
+          <a:off x="0" y="0"/>
+          <a:ext cx="0" cy="0"/>
+          <a:chOff x="0" y="0"/>
+          <a:chExt cx="0" cy="0"/>
+        </a:xfrm>
+      </p:grpSpPr>
+      <p:sp>
+        <p:nvSpPr>
+          <p:cNvPr id="4" name="사각형: 둥근 모서리 3">
+            <a:extLst>
+              <a:ext uri="{FF2B5EF4-FFF2-40B4-BE49-F238E27FC236}">
+                <a16:creationId xmlns:a16="http://schemas.microsoft.com/office/drawing/2014/main" id="{53726BC7-96DA-4708-9216-E4A2DD99CC49}"/>
+              </a:ext>
+            </a:extLst>
+          </p:cNvPr>
+          <p:cNvSpPr/>
+          <p:nvPr/>
+        </p:nvSpPr>
+        <p:spPr>
+          <a:xfrm>
+            <a:off x="1401611" y="1438534"/>
+            <a:ext cx="4457700" cy="1712515"/>
+          </a:xfrm>
+          <a:prstGeom prst="roundRect">
+            <a:avLst/>
+          </a:prstGeom>
+          <a:noFill/>
+          <a:ln w="57150"/>
+        </p:spPr>
+        <p:style>
+          <a:lnRef idx="2">
+            <a:schemeClr val="accent1">
+              <a:shade val="50000"/>
+            </a:schemeClr>
+          </a:lnRef>
+          <a:fillRef idx="1">
+            <a:schemeClr val="accent1"/>
+          </a:fillRef>
+          <a:effectRef idx="0">
+            <a:schemeClr val="accent1"/>
+          </a:effectRef>
+          <a:fontRef idx="minor">
+            <a:schemeClr val="lt1"/>
+          </a:fontRef>
+        </p:style>
+        <p:txBody>
+          <a:bodyPr rtlCol="0" anchor="ctr"/>
+          <a:lstStyle/>
+          <a:p>
+            <a:pPr algn="ctr"/>
+            <a:endParaRPr lang="ko-KR" altLang="en-US"/>
+          </a:p>
+        </p:txBody>
+      </p:sp>
+      <p:sp>
+        <p:nvSpPr>
+          <p:cNvPr id="15" name="TextBox 14">
+            <a:extLst>
+              <a:ext uri="{FF2B5EF4-FFF2-40B4-BE49-F238E27FC236}">
+                <a16:creationId xmlns:a16="http://schemas.microsoft.com/office/drawing/2014/main" id="{B33909CD-3BBE-4264-BC80-AAA0C065DA53}"/>
+              </a:ext>
+            </a:extLst>
+          </p:cNvPr>
+          <p:cNvSpPr txBox="1"/>
+          <p:nvPr/>
+        </p:nvSpPr>
+        <p:spPr>
+          <a:xfrm>
+            <a:off x="1554011" y="1569441"/>
+            <a:ext cx="1310054" cy="710964"/>
+          </a:xfrm>
+          <a:prstGeom prst="rect">
+            <a:avLst/>
+          </a:prstGeom>
+          <a:noFill/>
+        </p:spPr>
+        <p:txBody>
+          <a:bodyPr wrap="square" rtlCol="0">
+            <a:spAutoFit/>
+          </a:bodyPr>
+          <a:lstStyle/>
+          <a:p>
+            <a:r>
+              <a:rPr lang="en-US" altLang="ko-KR" dirty="0"/>
+              <a:t>R </a:t>
+            </a:r>
+            <a:r>
+              <a:rPr lang="ko-KR" altLang="en-US" dirty="0"/>
+              <a:t>환경</a:t>
+            </a:r>
+            <a:endParaRPr lang="en-US" altLang="ko-KR" dirty="0"/>
+          </a:p>
+          <a:p>
+            <a:r>
+              <a:rPr lang="en-US" altLang="ko-KR" dirty="0"/>
+              <a:t>(Memory)</a:t>
+            </a:r>
+            <a:endParaRPr lang="ko-KR" altLang="en-US" dirty="0"/>
+          </a:p>
+        </p:txBody>
+      </p:sp>
+      <p:sp>
+        <p:nvSpPr>
+          <p:cNvPr id="16" name="TextBox 15">
+            <a:extLst>
+              <a:ext uri="{FF2B5EF4-FFF2-40B4-BE49-F238E27FC236}">
+                <a16:creationId xmlns:a16="http://schemas.microsoft.com/office/drawing/2014/main" id="{3A9FE08F-8627-4B17-B3AE-670D6D86AC50}"/>
+              </a:ext>
+            </a:extLst>
+          </p:cNvPr>
+          <p:cNvSpPr txBox="1"/>
+          <p:nvPr/>
+        </p:nvSpPr>
+        <p:spPr>
+          <a:xfrm>
+            <a:off x="7827214" y="1314674"/>
+            <a:ext cx="1310054" cy="369332"/>
+          </a:xfrm>
+          <a:prstGeom prst="rect">
+            <a:avLst/>
+          </a:prstGeom>
+          <a:noFill/>
+        </p:spPr>
+        <p:txBody>
+          <a:bodyPr wrap="square" rtlCol="0">
+            <a:spAutoFit/>
+          </a:bodyPr>
+          <a:lstStyle/>
+          <a:p>
+            <a:r>
+              <a:rPr lang="en-US" altLang="ko-KR" dirty="0"/>
+              <a:t>Database</a:t>
+            </a:r>
+            <a:endParaRPr lang="ko-KR" altLang="en-US" dirty="0"/>
+          </a:p>
+        </p:txBody>
+      </p:sp>
+      <p:sp>
+        <p:nvSpPr>
+          <p:cNvPr id="34" name="TextBox 33">
+            <a:extLst>
+              <a:ext uri="{FF2B5EF4-FFF2-40B4-BE49-F238E27FC236}">
+                <a16:creationId xmlns:a16="http://schemas.microsoft.com/office/drawing/2014/main" id="{1899DF4D-3FC4-478D-90DF-6C2F23CD793E}"/>
+              </a:ext>
+            </a:extLst>
+          </p:cNvPr>
+          <p:cNvSpPr txBox="1"/>
+          <p:nvPr/>
+        </p:nvSpPr>
+        <p:spPr>
+          <a:xfrm rot="5400000">
+            <a:off x="8868715" y="2802310"/>
+            <a:ext cx="403810" cy="369332"/>
+          </a:xfrm>
+          <a:prstGeom prst="rect">
+            <a:avLst/>
+          </a:prstGeom>
+          <a:noFill/>
+        </p:spPr>
+        <p:txBody>
+          <a:bodyPr wrap="square" rtlCol="0">
+            <a:spAutoFit/>
+          </a:bodyPr>
+          <a:lstStyle/>
+          <a:p>
+            <a:r>
+              <a:rPr lang="en-US" altLang="ko-KR" dirty="0"/>
+              <a:t>…</a:t>
+            </a:r>
+          </a:p>
+        </p:txBody>
+      </p:sp>
+      <p:sp>
+        <p:nvSpPr>
+          <p:cNvPr id="17" name="원통형 16">
+            <a:extLst>
+              <a:ext uri="{FF2B5EF4-FFF2-40B4-BE49-F238E27FC236}">
+                <a16:creationId xmlns:a16="http://schemas.microsoft.com/office/drawing/2014/main" id="{594017F7-3119-44C4-9BB4-FD50F88445C2}"/>
+              </a:ext>
+            </a:extLst>
+          </p:cNvPr>
+          <p:cNvSpPr/>
+          <p:nvPr/>
+        </p:nvSpPr>
+        <p:spPr>
+          <a:xfrm>
+            <a:off x="7772644" y="950937"/>
+            <a:ext cx="2146789" cy="2200112"/>
+          </a:xfrm>
+          <a:prstGeom prst="can">
+            <a:avLst>
+              <a:gd name="adj" fmla="val 14761"/>
+            </a:avLst>
+          </a:prstGeom>
+          <a:noFill/>
+          <a:ln w="57150"/>
+        </p:spPr>
+        <p:style>
+          <a:lnRef idx="2">
+            <a:schemeClr val="accent1">
+              <a:shade val="50000"/>
+            </a:schemeClr>
+          </a:lnRef>
+          <a:fillRef idx="1">
+            <a:schemeClr val="accent1"/>
+          </a:fillRef>
+          <a:effectRef idx="0">
+            <a:schemeClr val="accent1"/>
+          </a:effectRef>
+          <a:fontRef idx="minor">
+            <a:schemeClr val="lt1"/>
+          </a:fontRef>
+        </p:style>
+        <p:txBody>
+          <a:bodyPr rtlCol="0" anchor="ctr"/>
+          <a:lstStyle/>
+          <a:p>
+            <a:endParaRPr lang="ko-KR" altLang="en-US" sz="1400" dirty="0">
+              <a:solidFill>
+                <a:schemeClr val="tx1"/>
+              </a:solidFill>
+            </a:endParaRPr>
+          </a:p>
+        </p:txBody>
+      </p:sp>
+      <p:grpSp>
+        <p:nvGrpSpPr>
+          <p:cNvPr id="3" name="그룹 2">
+            <a:extLst>
+              <a:ext uri="{FF2B5EF4-FFF2-40B4-BE49-F238E27FC236}">
+                <a16:creationId xmlns:a16="http://schemas.microsoft.com/office/drawing/2014/main" id="{3DDD8D6F-8598-4DF2-91C9-BED01510B376}"/>
+              </a:ext>
+            </a:extLst>
+          </p:cNvPr>
+          <p:cNvGrpSpPr/>
+          <p:nvPr/>
+        </p:nvGrpSpPr>
+        <p:grpSpPr>
+          <a:xfrm>
+            <a:off x="8618434" y="1792808"/>
+            <a:ext cx="751406" cy="967800"/>
+            <a:chOff x="5858944" y="4956751"/>
+            <a:chExt cx="751406" cy="967800"/>
+          </a:xfrm>
+        </p:grpSpPr>
+        <p:sp>
+          <p:nvSpPr>
+            <p:cNvPr id="22" name="사각형: 잘린 한쪽 모서리 21">
+              <a:extLst>
+                <a:ext uri="{FF2B5EF4-FFF2-40B4-BE49-F238E27FC236}">
+                  <a16:creationId xmlns:a16="http://schemas.microsoft.com/office/drawing/2014/main" id="{0BAE8A04-916D-4F20-8460-8D8E9F7BCA54}"/>
+                </a:ext>
+              </a:extLst>
+            </p:cNvPr>
+            <p:cNvSpPr/>
+            <p:nvPr/>
+          </p:nvSpPr>
+          <p:spPr>
+            <a:xfrm>
+              <a:off x="5858944" y="4956751"/>
+              <a:ext cx="751406" cy="967800"/>
+            </a:xfrm>
+            <a:prstGeom prst="snip1Rect">
+              <a:avLst>
+                <a:gd name="adj" fmla="val 31929"/>
+              </a:avLst>
+            </a:prstGeom>
+            <a:noFill/>
+            <a:ln w="57150"/>
+          </p:spPr>
+          <p:style>
+            <a:lnRef idx="2">
+              <a:schemeClr val="accent1">
+                <a:shade val="50000"/>
+              </a:schemeClr>
+            </a:lnRef>
+            <a:fillRef idx="1">
+              <a:schemeClr val="accent1"/>
+            </a:fillRef>
+            <a:effectRef idx="0">
+              <a:schemeClr val="accent1"/>
+            </a:effectRef>
+            <a:fontRef idx="minor">
+              <a:schemeClr val="lt1"/>
+            </a:fontRef>
+          </p:style>
+          <p:txBody>
+            <a:bodyPr rtlCol="0" anchor="ctr"/>
+            <a:lstStyle/>
+            <a:p>
+              <a:pPr algn="ctr"/>
+              <a:endParaRPr lang="ko-KR" altLang="en-US" sz="1400"/>
+            </a:p>
+          </p:txBody>
+        </p:sp>
+        <p:sp>
+          <p:nvSpPr>
+            <p:cNvPr id="2" name="직사각형 1">
+              <a:extLst>
+                <a:ext uri="{FF2B5EF4-FFF2-40B4-BE49-F238E27FC236}">
+                  <a16:creationId xmlns:a16="http://schemas.microsoft.com/office/drawing/2014/main" id="{1EA3E2AC-6564-4039-98AF-695F81C4FBD5}"/>
+                </a:ext>
+              </a:extLst>
+            </p:cNvPr>
+            <p:cNvSpPr/>
+            <p:nvPr/>
+          </p:nvSpPr>
+          <p:spPr>
+            <a:xfrm>
+              <a:off x="5958422" y="5255895"/>
+              <a:ext cx="276225" cy="142875"/>
+            </a:xfrm>
+            <a:prstGeom prst="rect">
+              <a:avLst/>
+            </a:prstGeom>
+            <a:noFill/>
+            <a:ln w="57150">
+              <a:solidFill>
+                <a:srgbClr val="2F528F"/>
+              </a:solidFill>
+            </a:ln>
+          </p:spPr>
+          <p:style>
+            <a:lnRef idx="2">
+              <a:schemeClr val="accent1">
+                <a:shade val="50000"/>
+              </a:schemeClr>
+            </a:lnRef>
+            <a:fillRef idx="1">
+              <a:schemeClr val="accent1"/>
+            </a:fillRef>
+            <a:effectRef idx="0">
+              <a:schemeClr val="accent1"/>
+            </a:effectRef>
+            <a:fontRef idx="minor">
+              <a:schemeClr val="lt1"/>
+            </a:fontRef>
+          </p:style>
+          <p:txBody>
+            <a:bodyPr rtlCol="0" anchor="ctr"/>
+            <a:lstStyle/>
+            <a:p>
+              <a:pPr algn="ctr"/>
+              <a:endParaRPr lang="ko-KR" altLang="en-US"/>
+            </a:p>
+          </p:txBody>
+        </p:sp>
+        <p:sp>
+          <p:nvSpPr>
+            <p:cNvPr id="23" name="직사각형 22">
+              <a:extLst>
+                <a:ext uri="{FF2B5EF4-FFF2-40B4-BE49-F238E27FC236}">
+                  <a16:creationId xmlns:a16="http://schemas.microsoft.com/office/drawing/2014/main" id="{CAC8D952-DBE3-4486-8F2D-38E7A3AB5DFB}"/>
+                </a:ext>
+              </a:extLst>
+            </p:cNvPr>
+            <p:cNvSpPr/>
+            <p:nvPr/>
+          </p:nvSpPr>
+          <p:spPr>
+            <a:xfrm>
+              <a:off x="6234647" y="5255895"/>
+              <a:ext cx="276225" cy="142875"/>
+            </a:xfrm>
+            <a:prstGeom prst="rect">
+              <a:avLst/>
+            </a:prstGeom>
+            <a:noFill/>
+            <a:ln w="57150">
+              <a:solidFill>
+                <a:srgbClr val="2F528F"/>
+              </a:solidFill>
+            </a:ln>
+          </p:spPr>
+          <p:style>
+            <a:lnRef idx="2">
+              <a:schemeClr val="accent1">
+                <a:shade val="50000"/>
+              </a:schemeClr>
+            </a:lnRef>
+            <a:fillRef idx="1">
+              <a:schemeClr val="accent1"/>
+            </a:fillRef>
+            <a:effectRef idx="0">
+              <a:schemeClr val="accent1"/>
+            </a:effectRef>
+            <a:fontRef idx="minor">
+              <a:schemeClr val="lt1"/>
+            </a:fontRef>
+          </p:style>
+          <p:txBody>
+            <a:bodyPr rtlCol="0" anchor="ctr"/>
+            <a:lstStyle/>
+            <a:p>
+              <a:pPr algn="ctr"/>
+              <a:endParaRPr lang="ko-KR" altLang="en-US"/>
+            </a:p>
+          </p:txBody>
+        </p:sp>
+        <p:sp>
+          <p:nvSpPr>
+            <p:cNvPr id="24" name="직사각형 23">
+              <a:extLst>
+                <a:ext uri="{FF2B5EF4-FFF2-40B4-BE49-F238E27FC236}">
+                  <a16:creationId xmlns:a16="http://schemas.microsoft.com/office/drawing/2014/main" id="{D187CC51-A6E6-407B-BE7A-BA17B2B6E478}"/>
+                </a:ext>
+              </a:extLst>
+            </p:cNvPr>
+            <p:cNvSpPr/>
+            <p:nvPr/>
+          </p:nvSpPr>
+          <p:spPr>
+            <a:xfrm>
+              <a:off x="5958422" y="5398770"/>
+              <a:ext cx="276225" cy="142875"/>
+            </a:xfrm>
+            <a:prstGeom prst="rect">
+              <a:avLst/>
+            </a:prstGeom>
+            <a:noFill/>
+            <a:ln w="57150">
+              <a:solidFill>
+                <a:srgbClr val="2F528F"/>
+              </a:solidFill>
+            </a:ln>
+          </p:spPr>
+          <p:style>
+            <a:lnRef idx="2">
+              <a:schemeClr val="accent1">
+                <a:shade val="50000"/>
+              </a:schemeClr>
+            </a:lnRef>
+            <a:fillRef idx="1">
+              <a:schemeClr val="accent1"/>
+            </a:fillRef>
+            <a:effectRef idx="0">
+              <a:schemeClr val="accent1"/>
+            </a:effectRef>
+            <a:fontRef idx="minor">
+              <a:schemeClr val="lt1"/>
+            </a:fontRef>
+          </p:style>
+          <p:txBody>
+            <a:bodyPr rtlCol="0" anchor="ctr"/>
+            <a:lstStyle/>
+            <a:p>
+              <a:pPr algn="ctr"/>
+              <a:endParaRPr lang="ko-KR" altLang="en-US"/>
+            </a:p>
+          </p:txBody>
+        </p:sp>
+        <p:sp>
+          <p:nvSpPr>
+            <p:cNvPr id="25" name="직사각형 24">
+              <a:extLst>
+                <a:ext uri="{FF2B5EF4-FFF2-40B4-BE49-F238E27FC236}">
+                  <a16:creationId xmlns:a16="http://schemas.microsoft.com/office/drawing/2014/main" id="{4C0EB852-E871-4010-9F08-9BAEB3062DB7}"/>
+                </a:ext>
+              </a:extLst>
+            </p:cNvPr>
+            <p:cNvSpPr/>
+            <p:nvPr/>
+          </p:nvSpPr>
+          <p:spPr>
+            <a:xfrm>
+              <a:off x="6234647" y="5398770"/>
+              <a:ext cx="276225" cy="142875"/>
+            </a:xfrm>
+            <a:prstGeom prst="rect">
+              <a:avLst/>
+            </a:prstGeom>
+            <a:noFill/>
+            <a:ln w="57150">
+              <a:solidFill>
+                <a:srgbClr val="2F528F"/>
+              </a:solidFill>
+            </a:ln>
+          </p:spPr>
+          <p:style>
+            <a:lnRef idx="2">
+              <a:schemeClr val="accent1">
+                <a:shade val="50000"/>
+              </a:schemeClr>
+            </a:lnRef>
+            <a:fillRef idx="1">
+              <a:schemeClr val="accent1"/>
+            </a:fillRef>
+            <a:effectRef idx="0">
+              <a:schemeClr val="accent1"/>
+            </a:effectRef>
+            <a:fontRef idx="minor">
+              <a:schemeClr val="lt1"/>
+            </a:fontRef>
+          </p:style>
+          <p:txBody>
+            <a:bodyPr rtlCol="0" anchor="ctr"/>
+            <a:lstStyle/>
+            <a:p>
+              <a:pPr algn="ctr"/>
+              <a:endParaRPr lang="ko-KR" altLang="en-US"/>
+            </a:p>
+          </p:txBody>
+        </p:sp>
+        <p:sp>
+          <p:nvSpPr>
+            <p:cNvPr id="26" name="직사각형 25">
+              <a:extLst>
+                <a:ext uri="{FF2B5EF4-FFF2-40B4-BE49-F238E27FC236}">
+                  <a16:creationId xmlns:a16="http://schemas.microsoft.com/office/drawing/2014/main" id="{0308AB30-10BD-47F2-8699-66EAB1555184}"/>
+                </a:ext>
+              </a:extLst>
+            </p:cNvPr>
+            <p:cNvSpPr/>
+            <p:nvPr/>
+          </p:nvSpPr>
+          <p:spPr>
+            <a:xfrm>
+              <a:off x="5958422" y="5541645"/>
+              <a:ext cx="276225" cy="142875"/>
+            </a:xfrm>
+            <a:prstGeom prst="rect">
+              <a:avLst/>
+            </a:prstGeom>
+            <a:noFill/>
+            <a:ln w="57150">
+              <a:solidFill>
+                <a:srgbClr val="2F528F"/>
+              </a:solidFill>
+            </a:ln>
+          </p:spPr>
+          <p:style>
+            <a:lnRef idx="2">
+              <a:schemeClr val="accent1">
+                <a:shade val="50000"/>
+              </a:schemeClr>
+            </a:lnRef>
+            <a:fillRef idx="1">
+              <a:schemeClr val="accent1"/>
+            </a:fillRef>
+            <a:effectRef idx="0">
+              <a:schemeClr val="accent1"/>
+            </a:effectRef>
+            <a:fontRef idx="minor">
+              <a:schemeClr val="lt1"/>
+            </a:fontRef>
+          </p:style>
+          <p:txBody>
+            <a:bodyPr rtlCol="0" anchor="ctr"/>
+            <a:lstStyle/>
+            <a:p>
+              <a:pPr algn="ctr"/>
+              <a:endParaRPr lang="ko-KR" altLang="en-US"/>
+            </a:p>
+          </p:txBody>
+        </p:sp>
+        <p:sp>
+          <p:nvSpPr>
+            <p:cNvPr id="27" name="직사각형 26">
+              <a:extLst>
+                <a:ext uri="{FF2B5EF4-FFF2-40B4-BE49-F238E27FC236}">
+                  <a16:creationId xmlns:a16="http://schemas.microsoft.com/office/drawing/2014/main" id="{A1A85672-81F4-405B-9C46-970DD0506736}"/>
+                </a:ext>
+              </a:extLst>
+            </p:cNvPr>
+            <p:cNvSpPr/>
+            <p:nvPr/>
+          </p:nvSpPr>
+          <p:spPr>
+            <a:xfrm>
+              <a:off x="6234647" y="5541645"/>
+              <a:ext cx="276225" cy="142875"/>
+            </a:xfrm>
+            <a:prstGeom prst="rect">
+              <a:avLst/>
+            </a:prstGeom>
+            <a:noFill/>
+            <a:ln w="57150">
+              <a:solidFill>
+                <a:srgbClr val="2F528F"/>
+              </a:solidFill>
+            </a:ln>
+          </p:spPr>
+          <p:style>
+            <a:lnRef idx="2">
+              <a:schemeClr val="accent1">
+                <a:shade val="50000"/>
+              </a:schemeClr>
+            </a:lnRef>
+            <a:fillRef idx="1">
+              <a:schemeClr val="accent1"/>
+            </a:fillRef>
+            <a:effectRef idx="0">
+              <a:schemeClr val="accent1"/>
+            </a:effectRef>
+            <a:fontRef idx="minor">
+              <a:schemeClr val="lt1"/>
+            </a:fontRef>
+          </p:style>
+          <p:txBody>
+            <a:bodyPr rtlCol="0" anchor="ctr"/>
+            <a:lstStyle/>
+            <a:p>
+              <a:pPr algn="ctr"/>
+              <a:endParaRPr lang="ko-KR" altLang="en-US"/>
+            </a:p>
+          </p:txBody>
+        </p:sp>
+        <p:sp>
+          <p:nvSpPr>
+            <p:cNvPr id="28" name="직사각형 27">
+              <a:extLst>
+                <a:ext uri="{FF2B5EF4-FFF2-40B4-BE49-F238E27FC236}">
+                  <a16:creationId xmlns:a16="http://schemas.microsoft.com/office/drawing/2014/main" id="{765D028B-7ECB-4570-8D03-DA77858E1234}"/>
+                </a:ext>
+              </a:extLst>
+            </p:cNvPr>
+            <p:cNvSpPr/>
+            <p:nvPr/>
+          </p:nvSpPr>
+          <p:spPr>
+            <a:xfrm>
+              <a:off x="5958422" y="5684520"/>
+              <a:ext cx="276225" cy="142875"/>
+            </a:xfrm>
+            <a:prstGeom prst="rect">
+              <a:avLst/>
+            </a:prstGeom>
+            <a:noFill/>
+            <a:ln w="57150">
+              <a:solidFill>
+                <a:srgbClr val="2F528F"/>
+              </a:solidFill>
+            </a:ln>
+          </p:spPr>
+          <p:style>
+            <a:lnRef idx="2">
+              <a:schemeClr val="accent1">
+                <a:shade val="50000"/>
+              </a:schemeClr>
+            </a:lnRef>
+            <a:fillRef idx="1">
+              <a:schemeClr val="accent1"/>
+            </a:fillRef>
+            <a:effectRef idx="0">
+              <a:schemeClr val="accent1"/>
+            </a:effectRef>
+            <a:fontRef idx="minor">
+              <a:schemeClr val="lt1"/>
+            </a:fontRef>
+          </p:style>
+          <p:txBody>
+            <a:bodyPr rtlCol="0" anchor="ctr"/>
+            <a:lstStyle/>
+            <a:p>
+              <a:pPr algn="ctr"/>
+              <a:endParaRPr lang="ko-KR" altLang="en-US"/>
+            </a:p>
+          </p:txBody>
+        </p:sp>
+        <p:sp>
+          <p:nvSpPr>
+            <p:cNvPr id="30" name="직사각형 29">
+              <a:extLst>
+                <a:ext uri="{FF2B5EF4-FFF2-40B4-BE49-F238E27FC236}">
+                  <a16:creationId xmlns:a16="http://schemas.microsoft.com/office/drawing/2014/main" id="{07AAA9B9-EF14-410B-BF75-4D33FB9F5BCC}"/>
+                </a:ext>
+              </a:extLst>
+            </p:cNvPr>
+            <p:cNvSpPr/>
+            <p:nvPr/>
+          </p:nvSpPr>
+          <p:spPr>
+            <a:xfrm>
+              <a:off x="6234647" y="5684520"/>
+              <a:ext cx="276225" cy="142875"/>
+            </a:xfrm>
+            <a:prstGeom prst="rect">
+              <a:avLst/>
+            </a:prstGeom>
+            <a:noFill/>
+            <a:ln w="57150">
+              <a:solidFill>
+                <a:srgbClr val="2F528F"/>
+              </a:solidFill>
+            </a:ln>
+          </p:spPr>
+          <p:style>
+            <a:lnRef idx="2">
+              <a:schemeClr val="accent1">
+                <a:shade val="50000"/>
+              </a:schemeClr>
+            </a:lnRef>
+            <a:fillRef idx="1">
+              <a:schemeClr val="accent1"/>
+            </a:fillRef>
+            <a:effectRef idx="0">
+              <a:schemeClr val="accent1"/>
+            </a:effectRef>
+            <a:fontRef idx="minor">
+              <a:schemeClr val="lt1"/>
+            </a:fontRef>
+          </p:style>
+          <p:txBody>
+            <a:bodyPr rtlCol="0" anchor="ctr"/>
+            <a:lstStyle/>
+            <a:p>
+              <a:pPr algn="ctr"/>
+              <a:endParaRPr lang="ko-KR" altLang="en-US"/>
+            </a:p>
+          </p:txBody>
+        </p:sp>
+      </p:grpSp>
+      <p:sp>
+        <p:nvSpPr>
+          <p:cNvPr id="35" name="TextBox 34">
+            <a:extLst>
+              <a:ext uri="{FF2B5EF4-FFF2-40B4-BE49-F238E27FC236}">
+                <a16:creationId xmlns:a16="http://schemas.microsoft.com/office/drawing/2014/main" id="{33B4F665-31D7-49AF-AB4E-2106334708EC}"/>
+              </a:ext>
+            </a:extLst>
+          </p:cNvPr>
+          <p:cNvSpPr txBox="1"/>
+          <p:nvPr/>
+        </p:nvSpPr>
+        <p:spPr>
+          <a:xfrm>
+            <a:off x="7827214" y="1703313"/>
+            <a:ext cx="1310054" cy="369332"/>
+          </a:xfrm>
+          <a:prstGeom prst="rect">
+            <a:avLst/>
+          </a:prstGeom>
+          <a:noFill/>
+        </p:spPr>
+        <p:txBody>
+          <a:bodyPr wrap="square" rtlCol="0">
+            <a:spAutoFit/>
+          </a:bodyPr>
+          <a:lstStyle/>
+          <a:p>
+            <a:r>
+              <a:rPr lang="en-US" altLang="ko-KR" dirty="0"/>
+              <a:t>Table</a:t>
+            </a:r>
+            <a:endParaRPr lang="ko-KR" altLang="en-US" dirty="0"/>
+          </a:p>
+        </p:txBody>
+      </p:sp>
+      <p:sp>
+        <p:nvSpPr>
+          <p:cNvPr id="36" name="TextBox 35">
+            <a:extLst>
+              <a:ext uri="{FF2B5EF4-FFF2-40B4-BE49-F238E27FC236}">
+                <a16:creationId xmlns:a16="http://schemas.microsoft.com/office/drawing/2014/main" id="{B7A118EA-39FC-4130-A01C-90F4B7BF31CA}"/>
+              </a:ext>
+            </a:extLst>
+          </p:cNvPr>
+          <p:cNvSpPr txBox="1"/>
+          <p:nvPr/>
+        </p:nvSpPr>
+        <p:spPr>
+          <a:xfrm>
+            <a:off x="1427240" y="953489"/>
+            <a:ext cx="3292705" cy="369332"/>
+          </a:xfrm>
+          <a:prstGeom prst="rect">
+            <a:avLst/>
+          </a:prstGeom>
+          <a:noFill/>
+        </p:spPr>
+        <p:txBody>
+          <a:bodyPr wrap="square" rtlCol="0">
+            <a:spAutoFit/>
+          </a:bodyPr>
+          <a:lstStyle/>
+          <a:p>
+            <a:r>
+              <a:rPr lang="en-US" altLang="ko-KR" dirty="0"/>
+              <a:t>conn &lt;- </a:t>
+            </a:r>
+            <a:r>
+              <a:rPr lang="en-US" altLang="ko-KR" dirty="0" err="1"/>
+              <a:t>dbConnect</a:t>
+            </a:r>
+            <a:r>
+              <a:rPr lang="en-US" altLang="ko-KR" dirty="0"/>
+              <a:t>( </a:t>
+            </a:r>
+            <a:r>
+              <a:rPr lang="en-US" altLang="ko-KR" dirty="0" err="1"/>
+              <a:t>drv</a:t>
+            </a:r>
+            <a:r>
+              <a:rPr lang="en-US" altLang="ko-KR" dirty="0"/>
+              <a:t>, … )</a:t>
+            </a:r>
+          </a:p>
+        </p:txBody>
+      </p:sp>
+      <p:sp>
+        <p:nvSpPr>
+          <p:cNvPr id="37" name="TextBox 36">
+            <a:extLst>
+              <a:ext uri="{FF2B5EF4-FFF2-40B4-BE49-F238E27FC236}">
+                <a16:creationId xmlns:a16="http://schemas.microsoft.com/office/drawing/2014/main" id="{B759DA38-640C-4F4F-BAE5-BB6F7FF416ED}"/>
+              </a:ext>
+            </a:extLst>
+          </p:cNvPr>
+          <p:cNvSpPr txBox="1"/>
+          <p:nvPr/>
+        </p:nvSpPr>
+        <p:spPr>
+          <a:xfrm>
+            <a:off x="3772359" y="2155449"/>
+            <a:ext cx="900479" cy="369332"/>
+          </a:xfrm>
+          <a:prstGeom prst="rect">
+            <a:avLst/>
+          </a:prstGeom>
+          <a:noFill/>
+        </p:spPr>
+        <p:txBody>
+          <a:bodyPr wrap="square" rtlCol="0">
+            <a:spAutoFit/>
+          </a:bodyPr>
+          <a:lstStyle/>
+          <a:p>
+            <a:r>
+              <a:rPr lang="en-US" altLang="ko-KR" dirty="0"/>
+              <a:t>conn</a:t>
+            </a:r>
+          </a:p>
+        </p:txBody>
+      </p:sp>
+      <p:sp>
+        <p:nvSpPr>
+          <p:cNvPr id="38" name="사각형: 잘린 한쪽 모서리 37">
+            <a:extLst>
+              <a:ext uri="{FF2B5EF4-FFF2-40B4-BE49-F238E27FC236}">
+                <a16:creationId xmlns:a16="http://schemas.microsoft.com/office/drawing/2014/main" id="{2823E477-2392-4950-8A76-C50B7935C858}"/>
+              </a:ext>
+            </a:extLst>
+          </p:cNvPr>
+          <p:cNvSpPr/>
+          <p:nvPr/>
+        </p:nvSpPr>
+        <p:spPr>
+          <a:xfrm>
+            <a:off x="3728459" y="2135046"/>
+            <a:ext cx="1064660" cy="498273"/>
+          </a:xfrm>
+          <a:prstGeom prst="snip1Rect">
+            <a:avLst>
+              <a:gd name="adj" fmla="val 31929"/>
+            </a:avLst>
+          </a:prstGeom>
+          <a:noFill/>
+          <a:ln w="57150"/>
+        </p:spPr>
+        <p:style>
+          <a:lnRef idx="2">
+            <a:schemeClr val="accent1">
+              <a:shade val="50000"/>
+            </a:schemeClr>
+          </a:lnRef>
+          <a:fillRef idx="1">
+            <a:schemeClr val="accent1"/>
+          </a:fillRef>
+          <a:effectRef idx="0">
+            <a:schemeClr val="accent1"/>
+          </a:effectRef>
+          <a:fontRef idx="minor">
+            <a:schemeClr val="lt1"/>
+          </a:fontRef>
+        </p:style>
+        <p:txBody>
+          <a:bodyPr rtlCol="0" anchor="ctr"/>
+          <a:lstStyle/>
+          <a:p>
+            <a:pPr algn="ctr"/>
+            <a:endParaRPr lang="ko-KR" altLang="en-US" sz="1400"/>
+          </a:p>
+        </p:txBody>
+      </p:sp>
+      <p:cxnSp>
+        <p:nvCxnSpPr>
+          <p:cNvPr id="39" name="직선 화살표 연결선 38">
+            <a:extLst>
+              <a:ext uri="{FF2B5EF4-FFF2-40B4-BE49-F238E27FC236}">
+                <a16:creationId xmlns:a16="http://schemas.microsoft.com/office/drawing/2014/main" id="{9F90A00D-90E9-4B3A-B526-50679E538473}"/>
+              </a:ext>
+            </a:extLst>
+          </p:cNvPr>
+          <p:cNvCxnSpPr>
+            <a:cxnSpLocks/>
+          </p:cNvCxnSpPr>
+          <p:nvPr/>
+        </p:nvCxnSpPr>
+        <p:spPr>
+          <a:xfrm>
+            <a:off x="6065520" y="2539627"/>
+            <a:ext cx="1453515" cy="0"/>
+          </a:xfrm>
+          <a:prstGeom prst="straightConnector1">
+            <a:avLst/>
+          </a:prstGeom>
+          <a:ln w="57150">
+            <a:solidFill>
+              <a:srgbClr val="2F528F"/>
+            </a:solidFill>
+            <a:headEnd type="triangle"/>
+            <a:tailEnd type="triangle"/>
+          </a:ln>
+        </p:spPr>
+        <p:style>
+          <a:lnRef idx="1">
+            <a:schemeClr val="accent1"/>
+          </a:lnRef>
+          <a:fillRef idx="0">
+            <a:schemeClr val="accent1"/>
+          </a:fillRef>
+          <a:effectRef idx="0">
+            <a:schemeClr val="accent1"/>
+          </a:effectRef>
+          <a:fontRef idx="minor">
+            <a:schemeClr val="tx1"/>
+          </a:fontRef>
+        </p:style>
+      </p:cxnSp>
+      <p:sp>
+        <p:nvSpPr>
+          <p:cNvPr id="40" name="TextBox 39">
+            <a:extLst>
+              <a:ext uri="{FF2B5EF4-FFF2-40B4-BE49-F238E27FC236}">
+                <a16:creationId xmlns:a16="http://schemas.microsoft.com/office/drawing/2014/main" id="{57C54E52-AC58-4289-A1DB-57193F9D9655}"/>
+              </a:ext>
+            </a:extLst>
+          </p:cNvPr>
+          <p:cNvSpPr txBox="1"/>
+          <p:nvPr/>
+        </p:nvSpPr>
+        <p:spPr>
+          <a:xfrm>
+            <a:off x="3648458" y="1704905"/>
+            <a:ext cx="1397230" cy="369332"/>
+          </a:xfrm>
+          <a:prstGeom prst="rect">
+            <a:avLst/>
+          </a:prstGeom>
+          <a:noFill/>
+        </p:spPr>
+        <p:txBody>
+          <a:bodyPr wrap="square" rtlCol="0">
+            <a:spAutoFit/>
+          </a:bodyPr>
+          <a:lstStyle/>
+          <a:p>
+            <a:r>
+              <a:rPr lang="ko-KR" altLang="en-US" dirty="0"/>
+              <a:t>연결 정보</a:t>
+            </a:r>
+            <a:endParaRPr lang="en-US" altLang="ko-KR" dirty="0"/>
+          </a:p>
+        </p:txBody>
+      </p:sp>
+      <p:sp>
+        <p:nvSpPr>
+          <p:cNvPr id="42" name="TextBox 41">
+            <a:extLst>
+              <a:ext uri="{FF2B5EF4-FFF2-40B4-BE49-F238E27FC236}">
+                <a16:creationId xmlns:a16="http://schemas.microsoft.com/office/drawing/2014/main" id="{85879EA7-D830-4524-A8CC-F9AC13504E12}"/>
+              </a:ext>
+            </a:extLst>
+          </p:cNvPr>
+          <p:cNvSpPr txBox="1"/>
+          <p:nvPr/>
+        </p:nvSpPr>
+        <p:spPr>
+          <a:xfrm>
+            <a:off x="6131689" y="1821858"/>
+            <a:ext cx="1578689" cy="646331"/>
+          </a:xfrm>
+          <a:prstGeom prst="rect">
+            <a:avLst/>
+          </a:prstGeom>
+          <a:noFill/>
+        </p:spPr>
+        <p:txBody>
+          <a:bodyPr wrap="square" rtlCol="0">
+            <a:spAutoFit/>
+          </a:bodyPr>
+          <a:lstStyle/>
+          <a:p>
+            <a:r>
+              <a:rPr lang="ko-KR" altLang="en-US" dirty="0"/>
+              <a:t>연결 정보와</a:t>
+            </a:r>
+            <a:endParaRPr lang="en-US" altLang="ko-KR" dirty="0"/>
+          </a:p>
+          <a:p>
+            <a:r>
+              <a:rPr lang="ko-KR" altLang="en-US" dirty="0"/>
+              <a:t>함께 요청</a:t>
+            </a:r>
+            <a:endParaRPr lang="en-US" altLang="ko-KR" dirty="0"/>
+          </a:p>
+        </p:txBody>
+      </p:sp>
+      <p:sp>
+        <p:nvSpPr>
+          <p:cNvPr id="43" name="TextBox 42">
+            <a:extLst>
+              <a:ext uri="{FF2B5EF4-FFF2-40B4-BE49-F238E27FC236}">
+                <a16:creationId xmlns:a16="http://schemas.microsoft.com/office/drawing/2014/main" id="{01F61E68-2CAF-4AAE-B01E-2FB0968781A5}"/>
+              </a:ext>
+            </a:extLst>
+          </p:cNvPr>
+          <p:cNvSpPr txBox="1"/>
+          <p:nvPr/>
+        </p:nvSpPr>
+        <p:spPr>
+          <a:xfrm>
+            <a:off x="7827214" y="4007134"/>
+            <a:ext cx="1310054" cy="369332"/>
+          </a:xfrm>
+          <a:prstGeom prst="rect">
+            <a:avLst/>
+          </a:prstGeom>
+          <a:noFill/>
+        </p:spPr>
+        <p:txBody>
+          <a:bodyPr wrap="square" rtlCol="0">
+            <a:spAutoFit/>
+          </a:bodyPr>
+          <a:lstStyle/>
+          <a:p>
+            <a:r>
+              <a:rPr lang="en-US" altLang="ko-KR" dirty="0"/>
+              <a:t>Server</a:t>
+            </a:r>
+            <a:endParaRPr lang="ko-KR" altLang="en-US" dirty="0"/>
+          </a:p>
+        </p:txBody>
+      </p:sp>
+      <p:sp>
+        <p:nvSpPr>
+          <p:cNvPr id="44" name="원통형 43">
+            <a:extLst>
+              <a:ext uri="{FF2B5EF4-FFF2-40B4-BE49-F238E27FC236}">
+                <a16:creationId xmlns:a16="http://schemas.microsoft.com/office/drawing/2014/main" id="{AABE8909-7678-4FB1-84B6-B3ACF709BF96}"/>
+              </a:ext>
+            </a:extLst>
+          </p:cNvPr>
+          <p:cNvSpPr/>
+          <p:nvPr/>
+        </p:nvSpPr>
+        <p:spPr>
+          <a:xfrm>
+            <a:off x="7772644" y="3602479"/>
+            <a:ext cx="2146789" cy="2200112"/>
+          </a:xfrm>
+          <a:prstGeom prst="can">
+            <a:avLst>
+              <a:gd name="adj" fmla="val 14761"/>
+            </a:avLst>
+          </a:prstGeom>
+          <a:noFill/>
+          <a:ln w="57150"/>
+        </p:spPr>
+        <p:style>
+          <a:lnRef idx="2">
+            <a:schemeClr val="accent1">
+              <a:shade val="50000"/>
+            </a:schemeClr>
+          </a:lnRef>
+          <a:fillRef idx="1">
+            <a:schemeClr val="accent1"/>
+          </a:fillRef>
+          <a:effectRef idx="0">
+            <a:schemeClr val="accent1"/>
+          </a:effectRef>
+          <a:fontRef idx="minor">
+            <a:schemeClr val="lt1"/>
+          </a:fontRef>
+        </p:style>
+        <p:txBody>
+          <a:bodyPr rtlCol="0" anchor="ctr"/>
+          <a:lstStyle/>
+          <a:p>
+            <a:endParaRPr lang="ko-KR" altLang="en-US" sz="1400" dirty="0">
+              <a:solidFill>
+                <a:schemeClr val="tx1"/>
+              </a:solidFill>
+            </a:endParaRPr>
+          </a:p>
+        </p:txBody>
+      </p:sp>
+      <p:sp>
+        <p:nvSpPr>
+          <p:cNvPr id="45" name="사각형: 둥근 대각선 방향 모서리 44">
+            <a:extLst>
+              <a:ext uri="{FF2B5EF4-FFF2-40B4-BE49-F238E27FC236}">
+                <a16:creationId xmlns:a16="http://schemas.microsoft.com/office/drawing/2014/main" id="{14F6BAD7-A5F2-431D-A57D-287AD3A6922D}"/>
+              </a:ext>
+            </a:extLst>
+          </p:cNvPr>
+          <p:cNvSpPr/>
+          <p:nvPr/>
+        </p:nvSpPr>
+        <p:spPr>
+          <a:xfrm>
+            <a:off x="1427240" y="3602479"/>
+            <a:ext cx="4432071" cy="2200112"/>
+          </a:xfrm>
+          <a:prstGeom prst="round2DiagRect">
+            <a:avLst>
+              <a:gd name="adj1" fmla="val 10750"/>
+              <a:gd name="adj2" fmla="val 0"/>
+            </a:avLst>
+          </a:prstGeom>
+          <a:noFill/>
+          <a:ln w="57150"/>
+        </p:spPr>
+        <p:style>
+          <a:lnRef idx="2">
+            <a:schemeClr val="accent1">
+              <a:shade val="50000"/>
+            </a:schemeClr>
+          </a:lnRef>
+          <a:fillRef idx="1">
+            <a:schemeClr val="accent1"/>
+          </a:fillRef>
+          <a:effectRef idx="0">
+            <a:schemeClr val="accent1"/>
+          </a:effectRef>
+          <a:fontRef idx="minor">
+            <a:schemeClr val="lt1"/>
+          </a:fontRef>
+        </p:style>
+        <p:txBody>
+          <a:bodyPr rtlCol="0" anchor="ctr"/>
+          <a:lstStyle/>
+          <a:p>
+            <a:pPr algn="ctr"/>
+            <a:endParaRPr lang="ko-KR" altLang="en-US"/>
+          </a:p>
+        </p:txBody>
+      </p:sp>
+      <p:cxnSp>
+        <p:nvCxnSpPr>
+          <p:cNvPr id="46" name="직선 연결선 45">
+            <a:extLst>
+              <a:ext uri="{FF2B5EF4-FFF2-40B4-BE49-F238E27FC236}">
+                <a16:creationId xmlns:a16="http://schemas.microsoft.com/office/drawing/2014/main" id="{4FDF5219-6E58-4B4C-8A7B-0B2D99620685}"/>
+              </a:ext>
+            </a:extLst>
+          </p:cNvPr>
+          <p:cNvCxnSpPr>
+            <a:cxnSpLocks/>
+          </p:cNvCxnSpPr>
+          <p:nvPr/>
+        </p:nvCxnSpPr>
+        <p:spPr>
+          <a:xfrm>
+            <a:off x="1427240" y="3970372"/>
+            <a:ext cx="4432071" cy="0"/>
+          </a:xfrm>
+          <a:prstGeom prst="line">
+            <a:avLst/>
+          </a:prstGeom>
+          <a:ln w="57150">
+            <a:solidFill>
+              <a:srgbClr val="2F528F"/>
+            </a:solidFill>
+          </a:ln>
+        </p:spPr>
+        <p:style>
+          <a:lnRef idx="1">
+            <a:schemeClr val="accent1"/>
+          </a:lnRef>
+          <a:fillRef idx="0">
+            <a:schemeClr val="accent1"/>
+          </a:fillRef>
+          <a:effectRef idx="0">
+            <a:schemeClr val="accent1"/>
+          </a:effectRef>
+          <a:fontRef idx="minor">
+            <a:schemeClr val="tx1"/>
+          </a:fontRef>
+        </p:style>
+      </p:cxnSp>
+      <p:cxnSp>
+        <p:nvCxnSpPr>
+          <p:cNvPr id="47" name="직선 연결선 46">
+            <a:extLst>
+              <a:ext uri="{FF2B5EF4-FFF2-40B4-BE49-F238E27FC236}">
+                <a16:creationId xmlns:a16="http://schemas.microsoft.com/office/drawing/2014/main" id="{BD9B8B5D-6CCE-4927-9CC2-BA4BF740835F}"/>
+              </a:ext>
+            </a:extLst>
+          </p:cNvPr>
+          <p:cNvCxnSpPr>
+            <a:cxnSpLocks/>
+          </p:cNvCxnSpPr>
+          <p:nvPr/>
+        </p:nvCxnSpPr>
+        <p:spPr>
+          <a:xfrm>
+            <a:off x="2198223" y="3791595"/>
+            <a:ext cx="3521857" cy="0"/>
+          </a:xfrm>
+          <a:prstGeom prst="line">
+            <a:avLst/>
+          </a:prstGeom>
+          <a:ln w="76200" cap="rnd">
+            <a:solidFill>
+              <a:srgbClr val="2F528F"/>
+            </a:solidFill>
+          </a:ln>
+        </p:spPr>
+        <p:style>
+          <a:lnRef idx="1">
+            <a:schemeClr val="accent1"/>
+          </a:lnRef>
+          <a:fillRef idx="0">
+            <a:schemeClr val="accent1"/>
+          </a:fillRef>
+          <a:effectRef idx="0">
+            <a:schemeClr val="accent1"/>
+          </a:effectRef>
+          <a:fontRef idx="minor">
+            <a:schemeClr val="tx1"/>
+          </a:fontRef>
+        </p:style>
+      </p:cxnSp>
+      <p:sp>
+        <p:nvSpPr>
+          <p:cNvPr id="48" name="타원 47">
+            <a:extLst>
+              <a:ext uri="{FF2B5EF4-FFF2-40B4-BE49-F238E27FC236}">
+                <a16:creationId xmlns:a16="http://schemas.microsoft.com/office/drawing/2014/main" id="{B05489CE-84EA-464B-B1B3-AE808375361C}"/>
+              </a:ext>
+            </a:extLst>
+          </p:cNvPr>
+          <p:cNvSpPr/>
+          <p:nvPr/>
+        </p:nvSpPr>
+        <p:spPr>
+          <a:xfrm>
+            <a:off x="1962384" y="3743970"/>
+            <a:ext cx="97726" cy="97726"/>
+          </a:xfrm>
+          <a:prstGeom prst="ellipse">
+            <a:avLst/>
+          </a:prstGeom>
+          <a:solidFill>
+            <a:srgbClr val="2F528F"/>
+          </a:solidFill>
+        </p:spPr>
+        <p:style>
+          <a:lnRef idx="2">
+            <a:schemeClr val="accent1">
+              <a:shade val="50000"/>
+            </a:schemeClr>
+          </a:lnRef>
+          <a:fillRef idx="1">
+            <a:schemeClr val="accent1"/>
+          </a:fillRef>
+          <a:effectRef idx="0">
+            <a:schemeClr val="accent1"/>
+          </a:effectRef>
+          <a:fontRef idx="minor">
+            <a:schemeClr val="lt1"/>
+          </a:fontRef>
+        </p:style>
+        <p:txBody>
+          <a:bodyPr rtlCol="0" anchor="ctr"/>
+          <a:lstStyle/>
+          <a:p>
+            <a:pPr algn="ctr"/>
+            <a:endParaRPr lang="ko-KR" altLang="en-US"/>
+          </a:p>
+        </p:txBody>
+      </p:sp>
+      <p:sp>
+        <p:nvSpPr>
+          <p:cNvPr id="49" name="타원 48">
+            <a:extLst>
+              <a:ext uri="{FF2B5EF4-FFF2-40B4-BE49-F238E27FC236}">
+                <a16:creationId xmlns:a16="http://schemas.microsoft.com/office/drawing/2014/main" id="{28C91D8C-E710-4076-BC52-570DE6FE5697}"/>
+              </a:ext>
+            </a:extLst>
+          </p:cNvPr>
+          <p:cNvSpPr/>
+          <p:nvPr/>
+        </p:nvSpPr>
+        <p:spPr>
+          <a:xfrm>
+            <a:off x="1824271" y="3737563"/>
+            <a:ext cx="97726" cy="97726"/>
+          </a:xfrm>
+          <a:prstGeom prst="ellipse">
+            <a:avLst/>
+          </a:prstGeom>
+          <a:solidFill>
+            <a:srgbClr val="2F528F"/>
+          </a:solidFill>
+        </p:spPr>
+        <p:style>
+          <a:lnRef idx="2">
+            <a:schemeClr val="accent1">
+              <a:shade val="50000"/>
+            </a:schemeClr>
+          </a:lnRef>
+          <a:fillRef idx="1">
+            <a:schemeClr val="accent1"/>
+          </a:fillRef>
+          <a:effectRef idx="0">
+            <a:schemeClr val="accent1"/>
+          </a:effectRef>
+          <a:fontRef idx="minor">
+            <a:schemeClr val="lt1"/>
+          </a:fontRef>
+        </p:style>
+        <p:txBody>
+          <a:bodyPr rtlCol="0" anchor="ctr"/>
+          <a:lstStyle/>
+          <a:p>
+            <a:pPr algn="ctr"/>
+            <a:endParaRPr lang="ko-KR" altLang="en-US"/>
+          </a:p>
+        </p:txBody>
+      </p:sp>
+      <p:sp>
+        <p:nvSpPr>
+          <p:cNvPr id="50" name="타원 49">
+            <a:extLst>
+              <a:ext uri="{FF2B5EF4-FFF2-40B4-BE49-F238E27FC236}">
+                <a16:creationId xmlns:a16="http://schemas.microsoft.com/office/drawing/2014/main" id="{6B9256AD-AA80-48FD-86F6-ECC1EA678C8B}"/>
+              </a:ext>
+            </a:extLst>
+          </p:cNvPr>
+          <p:cNvSpPr/>
+          <p:nvPr/>
+        </p:nvSpPr>
+        <p:spPr>
+          <a:xfrm>
+            <a:off x="1677953" y="3734395"/>
+            <a:ext cx="97726" cy="97726"/>
+          </a:xfrm>
+          <a:prstGeom prst="ellipse">
+            <a:avLst/>
+          </a:prstGeom>
+          <a:solidFill>
+            <a:srgbClr val="2F528F"/>
+          </a:solidFill>
+        </p:spPr>
+        <p:style>
+          <a:lnRef idx="2">
+            <a:schemeClr val="accent1">
+              <a:shade val="50000"/>
+            </a:schemeClr>
+          </a:lnRef>
+          <a:fillRef idx="1">
+            <a:schemeClr val="accent1"/>
+          </a:fillRef>
+          <a:effectRef idx="0">
+            <a:schemeClr val="accent1"/>
+          </a:effectRef>
+          <a:fontRef idx="minor">
+            <a:schemeClr val="lt1"/>
+          </a:fontRef>
+        </p:style>
+        <p:txBody>
+          <a:bodyPr rtlCol="0" anchor="ctr"/>
+          <a:lstStyle/>
+          <a:p>
+            <a:pPr algn="ctr"/>
+            <a:endParaRPr lang="ko-KR" altLang="en-US"/>
+          </a:p>
+        </p:txBody>
+      </p:sp>
+      <p:sp>
+        <p:nvSpPr>
+          <p:cNvPr id="51" name="TextBox 50">
+            <a:extLst>
+              <a:ext uri="{FF2B5EF4-FFF2-40B4-BE49-F238E27FC236}">
+                <a16:creationId xmlns:a16="http://schemas.microsoft.com/office/drawing/2014/main" id="{615D146F-89F3-422C-9AD1-4C6E66A98941}"/>
+              </a:ext>
+            </a:extLst>
+          </p:cNvPr>
+          <p:cNvSpPr txBox="1"/>
+          <p:nvPr/>
+        </p:nvSpPr>
+        <p:spPr>
+          <a:xfrm>
+            <a:off x="1543196" y="4010897"/>
+            <a:ext cx="1310054" cy="369332"/>
+          </a:xfrm>
+          <a:prstGeom prst="rect">
+            <a:avLst/>
+          </a:prstGeom>
+          <a:noFill/>
+        </p:spPr>
+        <p:txBody>
+          <a:bodyPr wrap="square" rtlCol="0">
+            <a:spAutoFit/>
+          </a:bodyPr>
+          <a:lstStyle/>
+          <a:p>
+            <a:r>
+              <a:rPr lang="en-US" altLang="ko-KR" dirty="0"/>
+              <a:t>browser</a:t>
+            </a:r>
+            <a:endParaRPr lang="ko-KR" altLang="en-US" dirty="0"/>
+          </a:p>
+        </p:txBody>
+      </p:sp>
+      <p:sp>
+        <p:nvSpPr>
+          <p:cNvPr id="52" name="TextBox 51">
+            <a:extLst>
+              <a:ext uri="{FF2B5EF4-FFF2-40B4-BE49-F238E27FC236}">
+                <a16:creationId xmlns:a16="http://schemas.microsoft.com/office/drawing/2014/main" id="{814F69D6-4832-42A3-A495-6EC9AD141802}"/>
+              </a:ext>
+            </a:extLst>
+          </p:cNvPr>
+          <p:cNvSpPr txBox="1"/>
+          <p:nvPr/>
+        </p:nvSpPr>
+        <p:spPr>
+          <a:xfrm>
+            <a:off x="3772360" y="4266736"/>
+            <a:ext cx="900479" cy="646331"/>
+          </a:xfrm>
+          <a:prstGeom prst="rect">
+            <a:avLst/>
+          </a:prstGeom>
+          <a:noFill/>
+        </p:spPr>
+        <p:txBody>
+          <a:bodyPr wrap="square" rtlCol="0">
+            <a:spAutoFit/>
+          </a:bodyPr>
+          <a:lstStyle/>
+          <a:p>
+            <a:r>
+              <a:rPr lang="ko-KR" altLang="en-US" dirty="0"/>
+              <a:t>로그인</a:t>
+            </a:r>
+            <a:endParaRPr lang="en-US" altLang="ko-KR" dirty="0"/>
+          </a:p>
+          <a:p>
+            <a:r>
+              <a:rPr lang="ko-KR" altLang="en-US" dirty="0"/>
+              <a:t>정보</a:t>
+            </a:r>
+            <a:endParaRPr lang="en-US" altLang="ko-KR" dirty="0"/>
+          </a:p>
+        </p:txBody>
+      </p:sp>
+      <p:sp>
+        <p:nvSpPr>
+          <p:cNvPr id="53" name="사각형: 잘린 한쪽 모서리 52">
+            <a:extLst>
+              <a:ext uri="{FF2B5EF4-FFF2-40B4-BE49-F238E27FC236}">
+                <a16:creationId xmlns:a16="http://schemas.microsoft.com/office/drawing/2014/main" id="{F1FCFB90-B7BF-47E7-974E-9F4B5701C791}"/>
+              </a:ext>
+            </a:extLst>
+          </p:cNvPr>
+          <p:cNvSpPr/>
+          <p:nvPr/>
+        </p:nvSpPr>
+        <p:spPr>
+          <a:xfrm>
+            <a:off x="3728459" y="4246333"/>
+            <a:ext cx="1768831" cy="1275893"/>
+          </a:xfrm>
+          <a:prstGeom prst="snip1Rect">
+            <a:avLst>
+              <a:gd name="adj" fmla="val 31929"/>
+            </a:avLst>
+          </a:prstGeom>
+          <a:noFill/>
+          <a:ln w="57150"/>
+        </p:spPr>
+        <p:style>
+          <a:lnRef idx="2">
+            <a:schemeClr val="accent1">
+              <a:shade val="50000"/>
+            </a:schemeClr>
+          </a:lnRef>
+          <a:fillRef idx="1">
+            <a:schemeClr val="accent1"/>
+          </a:fillRef>
+          <a:effectRef idx="0">
+            <a:schemeClr val="accent1"/>
+          </a:effectRef>
+          <a:fontRef idx="minor">
+            <a:schemeClr val="lt1"/>
+          </a:fontRef>
+        </p:style>
+        <p:txBody>
+          <a:bodyPr rtlCol="0" anchor="ctr"/>
+          <a:lstStyle/>
+          <a:p>
+            <a:pPr algn="ctr"/>
+            <a:endParaRPr lang="ko-KR" altLang="en-US" sz="1400"/>
+          </a:p>
+        </p:txBody>
+      </p:sp>
+      <p:sp>
+        <p:nvSpPr>
+          <p:cNvPr id="54" name="TextBox 53">
+            <a:extLst>
+              <a:ext uri="{FF2B5EF4-FFF2-40B4-BE49-F238E27FC236}">
+                <a16:creationId xmlns:a16="http://schemas.microsoft.com/office/drawing/2014/main" id="{B09F9400-FBB0-43EA-95F6-73A9616EEC6D}"/>
+              </a:ext>
+            </a:extLst>
+          </p:cNvPr>
+          <p:cNvSpPr txBox="1"/>
+          <p:nvPr/>
+        </p:nvSpPr>
+        <p:spPr>
+          <a:xfrm rot="5400000">
+            <a:off x="4020694" y="4917517"/>
+            <a:ext cx="403810" cy="369332"/>
+          </a:xfrm>
+          <a:prstGeom prst="rect">
+            <a:avLst/>
+          </a:prstGeom>
+          <a:noFill/>
+        </p:spPr>
+        <p:txBody>
+          <a:bodyPr wrap="square" rtlCol="0">
+            <a:spAutoFit/>
+          </a:bodyPr>
+          <a:lstStyle/>
+          <a:p>
+            <a:r>
+              <a:rPr lang="en-US" altLang="ko-KR" dirty="0"/>
+              <a:t>…</a:t>
+            </a:r>
+          </a:p>
+        </p:txBody>
+      </p:sp>
+      <p:cxnSp>
+        <p:nvCxnSpPr>
+          <p:cNvPr id="55" name="직선 화살표 연결선 54">
+            <a:extLst>
+              <a:ext uri="{FF2B5EF4-FFF2-40B4-BE49-F238E27FC236}">
+                <a16:creationId xmlns:a16="http://schemas.microsoft.com/office/drawing/2014/main" id="{6E0406C7-932C-42C3-80C4-52430C4776F2}"/>
+              </a:ext>
+            </a:extLst>
+          </p:cNvPr>
+          <p:cNvCxnSpPr>
+            <a:cxnSpLocks/>
+          </p:cNvCxnSpPr>
+          <p:nvPr/>
+        </p:nvCxnSpPr>
+        <p:spPr>
+          <a:xfrm>
+            <a:off x="6049454" y="5102712"/>
+            <a:ext cx="1585595" cy="0"/>
+          </a:xfrm>
+          <a:prstGeom prst="straightConnector1">
+            <a:avLst/>
+          </a:prstGeom>
+          <a:ln w="57150">
+            <a:solidFill>
+              <a:srgbClr val="2F528F"/>
+            </a:solidFill>
+            <a:headEnd type="triangle"/>
+            <a:tailEnd type="triangle"/>
+          </a:ln>
+        </p:spPr>
+        <p:style>
+          <a:lnRef idx="1">
+            <a:schemeClr val="accent1"/>
+          </a:lnRef>
+          <a:fillRef idx="0">
+            <a:schemeClr val="accent1"/>
+          </a:fillRef>
+          <a:effectRef idx="0">
+            <a:schemeClr val="accent1"/>
+          </a:effectRef>
+          <a:fontRef idx="minor">
+            <a:schemeClr val="tx1"/>
+          </a:fontRef>
+        </p:style>
+      </p:cxnSp>
+      <p:sp>
+        <p:nvSpPr>
+          <p:cNvPr id="56" name="TextBox 55">
+            <a:extLst>
+              <a:ext uri="{FF2B5EF4-FFF2-40B4-BE49-F238E27FC236}">
+                <a16:creationId xmlns:a16="http://schemas.microsoft.com/office/drawing/2014/main" id="{87C2A6AE-F1F1-4AC3-B85F-B4C1F9C0A270}"/>
+              </a:ext>
+            </a:extLst>
+          </p:cNvPr>
+          <p:cNvSpPr txBox="1"/>
+          <p:nvPr/>
+        </p:nvSpPr>
+        <p:spPr>
+          <a:xfrm>
+            <a:off x="6135679" y="4380229"/>
+            <a:ext cx="1530135" cy="646331"/>
+          </a:xfrm>
+          <a:prstGeom prst="rect">
+            <a:avLst/>
+          </a:prstGeom>
+          <a:noFill/>
+        </p:spPr>
+        <p:txBody>
+          <a:bodyPr wrap="square" rtlCol="0">
+            <a:spAutoFit/>
+          </a:bodyPr>
+          <a:lstStyle/>
+          <a:p>
+            <a:r>
+              <a:rPr lang="ko-KR" altLang="en-US" dirty="0"/>
+              <a:t>로그인</a:t>
+            </a:r>
+            <a:r>
+              <a:rPr lang="en-US" altLang="ko-KR" dirty="0"/>
+              <a:t> </a:t>
+            </a:r>
+            <a:r>
+              <a:rPr lang="ko-KR" altLang="en-US" dirty="0"/>
+              <a:t>정보와 함께 요청</a:t>
+            </a:r>
+            <a:endParaRPr lang="en-US" altLang="ko-KR" dirty="0"/>
+          </a:p>
+        </p:txBody>
+      </p:sp>
+    </p:spTree>
+    <p:extLst>
+      <p:ext uri="{BB962C8B-B14F-4D97-AF65-F5344CB8AC3E}">
+        <p14:creationId xmlns:p14="http://schemas.microsoft.com/office/powerpoint/2010/main" val="3096383641"/>
+      </p:ext>
+    </p:extLst>
+  </p:cSld>
+  <p:clrMapOvr>
+    <a:masterClrMapping/>
+  </p:clrMapOvr>
+</p:sld>
+</file>
+
+<file path=ppt/slides/slide14.xml><?xml version="1.0" encoding="utf-8"?>
+<p:sld xmlns:a="http://schemas.openxmlformats.org/drawingml/2006/main" xmlns:r="http://schemas.openxmlformats.org/officeDocument/2006/relationships" xmlns:p="http://schemas.openxmlformats.org/presentationml/2006/main">
+  <p:cSld>
+    <p:spTree>
+      <p:nvGrpSpPr>
+        <p:cNvPr id="1" name=""/>
+        <p:cNvGrpSpPr/>
+        <p:nvPr/>
+      </p:nvGrpSpPr>
+      <p:grpSpPr>
+        <a:xfrm>
+          <a:off x="0" y="0"/>
+          <a:ext cx="0" cy="0"/>
+          <a:chOff x="0" y="0"/>
+          <a:chExt cx="0" cy="0"/>
+        </a:xfrm>
+      </p:grpSpPr>
+      <p:pic>
+        <p:nvPicPr>
+          <p:cNvPr id="4" name="그림 3">
+            <a:extLst>
+              <a:ext uri="{FF2B5EF4-FFF2-40B4-BE49-F238E27FC236}">
+                <a16:creationId xmlns:a16="http://schemas.microsoft.com/office/drawing/2014/main" id="{CB7A8DA5-7186-4095-939A-8CD0B597C26B}"/>
+              </a:ext>
+            </a:extLst>
+          </p:cNvPr>
+          <p:cNvPicPr>
+            <a:picLocks noChangeAspect="1"/>
+          </p:cNvPicPr>
+          <p:nvPr/>
+        </p:nvPicPr>
+        <p:blipFill>
+          <a:blip r:embed="rId2"/>
+          <a:stretch>
+            <a:fillRect/>
+          </a:stretch>
+        </p:blipFill>
+        <p:spPr>
+          <a:xfrm>
+            <a:off x="1556140" y="771045"/>
+            <a:ext cx="8571719" cy="2267909"/>
+          </a:xfrm>
+          <a:prstGeom prst="rect">
+            <a:avLst/>
+          </a:prstGeom>
+        </p:spPr>
+      </p:pic>
+      <p:pic>
+        <p:nvPicPr>
+          <p:cNvPr id="6" name="그림 5">
+            <a:extLst>
+              <a:ext uri="{FF2B5EF4-FFF2-40B4-BE49-F238E27FC236}">
+                <a16:creationId xmlns:a16="http://schemas.microsoft.com/office/drawing/2014/main" id="{039E712D-2930-4A9B-87F7-ECE8DC321D71}"/>
+              </a:ext>
+            </a:extLst>
+          </p:cNvPr>
+          <p:cNvPicPr>
+            <a:picLocks noChangeAspect="1"/>
+          </p:cNvPicPr>
+          <p:nvPr/>
+        </p:nvPicPr>
+        <p:blipFill>
+          <a:blip r:embed="rId3"/>
+          <a:stretch>
+            <a:fillRect/>
+          </a:stretch>
+        </p:blipFill>
+        <p:spPr>
+          <a:xfrm>
+            <a:off x="1580526" y="3662582"/>
+            <a:ext cx="8547333" cy="2255716"/>
+          </a:xfrm>
+          <a:prstGeom prst="rect">
+            <a:avLst/>
+          </a:prstGeom>
+        </p:spPr>
+      </p:pic>
+    </p:spTree>
+    <p:extLst>
+      <p:ext uri="{BB962C8B-B14F-4D97-AF65-F5344CB8AC3E}">
+        <p14:creationId xmlns:p14="http://schemas.microsoft.com/office/powerpoint/2010/main" val="167392484"/>
+      </p:ext>
+    </p:extLst>
+  </p:cSld>
+  <p:clrMapOvr>
+    <a:masterClrMapping/>
+  </p:clrMapOvr>
+</p:sld>
+</file>
+
+<file path=ppt/slides/slide15.xml><?xml version="1.0" encoding="utf-8"?>
+<p:sld xmlns:a="http://schemas.openxmlformats.org/drawingml/2006/main" xmlns:r="http://schemas.openxmlformats.org/officeDocument/2006/relationships" xmlns:p="http://schemas.openxmlformats.org/presentationml/2006/main">
+  <p:cSld>
+    <p:spTree>
+      <p:nvGrpSpPr>
+        <p:cNvPr id="1" name=""/>
+        <p:cNvGrpSpPr/>
+        <p:nvPr/>
+      </p:nvGrpSpPr>
+      <p:grpSpPr>
+        <a:xfrm>
+          <a:off x="0" y="0"/>
+          <a:ext cx="0" cy="0"/>
+          <a:chOff x="0" y="0"/>
+          <a:chExt cx="0" cy="0"/>
+        </a:xfrm>
+      </p:grpSpPr>
+      <p:sp>
+        <p:nvSpPr>
+          <p:cNvPr id="4" name="사각형: 둥근 모서리 3">
+            <a:extLst>
+              <a:ext uri="{FF2B5EF4-FFF2-40B4-BE49-F238E27FC236}">
+                <a16:creationId xmlns:a16="http://schemas.microsoft.com/office/drawing/2014/main" id="{96AF6421-8362-4577-9C55-7C671EB37523}"/>
+              </a:ext>
+            </a:extLst>
+          </p:cNvPr>
+          <p:cNvSpPr/>
+          <p:nvPr/>
+        </p:nvSpPr>
+        <p:spPr>
+          <a:xfrm>
+            <a:off x="720891" y="930534"/>
+            <a:ext cx="4457700" cy="1712515"/>
+          </a:xfrm>
+          <a:prstGeom prst="roundRect">
+            <a:avLst/>
+          </a:prstGeom>
+          <a:noFill/>
+          <a:ln w="57150"/>
+        </p:spPr>
+        <p:style>
+          <a:lnRef idx="2">
+            <a:schemeClr val="accent1">
+              <a:shade val="50000"/>
+            </a:schemeClr>
+          </a:lnRef>
+          <a:fillRef idx="1">
+            <a:schemeClr val="accent1"/>
+          </a:fillRef>
+          <a:effectRef idx="0">
+            <a:schemeClr val="accent1"/>
+          </a:effectRef>
+          <a:fontRef idx="minor">
+            <a:schemeClr val="lt1"/>
+          </a:fontRef>
+        </p:style>
+        <p:txBody>
+          <a:bodyPr rtlCol="0" anchor="ctr"/>
+          <a:lstStyle/>
+          <a:p>
+            <a:pPr algn="ctr"/>
+            <a:endParaRPr lang="ko-KR" altLang="en-US"/>
+          </a:p>
+        </p:txBody>
+      </p:sp>
+      <p:sp>
+        <p:nvSpPr>
+          <p:cNvPr id="5" name="TextBox 4">
+            <a:extLst>
+              <a:ext uri="{FF2B5EF4-FFF2-40B4-BE49-F238E27FC236}">
+                <a16:creationId xmlns:a16="http://schemas.microsoft.com/office/drawing/2014/main" id="{1712586D-457E-4A68-AE0E-41C1534519D6}"/>
+              </a:ext>
+            </a:extLst>
+          </p:cNvPr>
+          <p:cNvSpPr txBox="1"/>
+          <p:nvPr/>
+        </p:nvSpPr>
+        <p:spPr>
+          <a:xfrm>
+            <a:off x="873291" y="1061441"/>
+            <a:ext cx="1310054" cy="710964"/>
+          </a:xfrm>
+          <a:prstGeom prst="rect">
+            <a:avLst/>
+          </a:prstGeom>
+          <a:noFill/>
+        </p:spPr>
+        <p:txBody>
+          <a:bodyPr wrap="square" rtlCol="0">
+            <a:spAutoFit/>
+          </a:bodyPr>
+          <a:lstStyle/>
+          <a:p>
+            <a:r>
+              <a:rPr lang="en-US" altLang="ko-KR" dirty="0"/>
+              <a:t>R </a:t>
+            </a:r>
+            <a:r>
+              <a:rPr lang="ko-KR" altLang="en-US" dirty="0"/>
+              <a:t>환경</a:t>
+            </a:r>
+            <a:endParaRPr lang="en-US" altLang="ko-KR" dirty="0"/>
+          </a:p>
+          <a:p>
+            <a:r>
+              <a:rPr lang="en-US" altLang="ko-KR" dirty="0"/>
+              <a:t>(Memory)</a:t>
+            </a:r>
+            <a:endParaRPr lang="ko-KR" altLang="en-US" dirty="0"/>
+          </a:p>
+        </p:txBody>
+      </p:sp>
+      <p:sp>
+        <p:nvSpPr>
+          <p:cNvPr id="6" name="TextBox 5">
+            <a:extLst>
+              <a:ext uri="{FF2B5EF4-FFF2-40B4-BE49-F238E27FC236}">
+                <a16:creationId xmlns:a16="http://schemas.microsoft.com/office/drawing/2014/main" id="{9EAB8362-FCCF-46A5-A3B7-94B81161267E}"/>
+              </a:ext>
+            </a:extLst>
+          </p:cNvPr>
+          <p:cNvSpPr txBox="1"/>
+          <p:nvPr/>
+        </p:nvSpPr>
+        <p:spPr>
+          <a:xfrm>
+            <a:off x="7146494" y="806674"/>
+            <a:ext cx="1310054" cy="369332"/>
+          </a:xfrm>
+          <a:prstGeom prst="rect">
+            <a:avLst/>
+          </a:prstGeom>
+          <a:noFill/>
+        </p:spPr>
+        <p:txBody>
+          <a:bodyPr wrap="square" rtlCol="0">
+            <a:spAutoFit/>
+          </a:bodyPr>
+          <a:lstStyle/>
+          <a:p>
+            <a:r>
+              <a:rPr lang="en-US" altLang="ko-KR" dirty="0"/>
+              <a:t>Database</a:t>
+            </a:r>
+            <a:endParaRPr lang="ko-KR" altLang="en-US" dirty="0"/>
+          </a:p>
+        </p:txBody>
+      </p:sp>
+      <p:sp>
+        <p:nvSpPr>
+          <p:cNvPr id="7" name="TextBox 6">
+            <a:extLst>
+              <a:ext uri="{FF2B5EF4-FFF2-40B4-BE49-F238E27FC236}">
+                <a16:creationId xmlns:a16="http://schemas.microsoft.com/office/drawing/2014/main" id="{1B35BCA8-48EB-4468-BD2D-1C5823A928B1}"/>
+              </a:ext>
+            </a:extLst>
+          </p:cNvPr>
+          <p:cNvSpPr txBox="1"/>
+          <p:nvPr/>
+        </p:nvSpPr>
+        <p:spPr>
+          <a:xfrm rot="5400000">
+            <a:off x="8187995" y="2294310"/>
+            <a:ext cx="403810" cy="369332"/>
+          </a:xfrm>
+          <a:prstGeom prst="rect">
+            <a:avLst/>
+          </a:prstGeom>
+          <a:noFill/>
+        </p:spPr>
+        <p:txBody>
+          <a:bodyPr wrap="square" rtlCol="0">
+            <a:spAutoFit/>
+          </a:bodyPr>
+          <a:lstStyle/>
+          <a:p>
+            <a:r>
+              <a:rPr lang="en-US" altLang="ko-KR" dirty="0"/>
+              <a:t>…</a:t>
+            </a:r>
+          </a:p>
+        </p:txBody>
+      </p:sp>
+      <p:sp>
+        <p:nvSpPr>
+          <p:cNvPr id="8" name="원통형 7">
+            <a:extLst>
+              <a:ext uri="{FF2B5EF4-FFF2-40B4-BE49-F238E27FC236}">
+                <a16:creationId xmlns:a16="http://schemas.microsoft.com/office/drawing/2014/main" id="{90741B3A-C423-43E2-BCAB-15ADC192E93C}"/>
+              </a:ext>
+            </a:extLst>
+          </p:cNvPr>
+          <p:cNvSpPr/>
+          <p:nvPr/>
+        </p:nvSpPr>
+        <p:spPr>
+          <a:xfrm>
+            <a:off x="7091924" y="442937"/>
+            <a:ext cx="2146789" cy="2200112"/>
+          </a:xfrm>
+          <a:prstGeom prst="can">
+            <a:avLst>
+              <a:gd name="adj" fmla="val 14761"/>
+            </a:avLst>
+          </a:prstGeom>
+          <a:noFill/>
+          <a:ln w="57150"/>
+        </p:spPr>
+        <p:style>
+          <a:lnRef idx="2">
+            <a:schemeClr val="accent1">
+              <a:shade val="50000"/>
+            </a:schemeClr>
+          </a:lnRef>
+          <a:fillRef idx="1">
+            <a:schemeClr val="accent1"/>
+          </a:fillRef>
+          <a:effectRef idx="0">
+            <a:schemeClr val="accent1"/>
+          </a:effectRef>
+          <a:fontRef idx="minor">
+            <a:schemeClr val="lt1"/>
+          </a:fontRef>
+        </p:style>
+        <p:txBody>
+          <a:bodyPr rtlCol="0" anchor="ctr"/>
+          <a:lstStyle/>
+          <a:p>
+            <a:endParaRPr lang="ko-KR" altLang="en-US" sz="1400" dirty="0">
+              <a:solidFill>
+                <a:schemeClr val="tx1"/>
+              </a:solidFill>
+            </a:endParaRPr>
+          </a:p>
+        </p:txBody>
+      </p:sp>
+      <p:grpSp>
+        <p:nvGrpSpPr>
+          <p:cNvPr id="9" name="그룹 8">
+            <a:extLst>
+              <a:ext uri="{FF2B5EF4-FFF2-40B4-BE49-F238E27FC236}">
+                <a16:creationId xmlns:a16="http://schemas.microsoft.com/office/drawing/2014/main" id="{7D6D0985-1209-47C5-AEF4-E8FE1D7CE1D2}"/>
+              </a:ext>
+            </a:extLst>
+          </p:cNvPr>
+          <p:cNvGrpSpPr/>
+          <p:nvPr/>
+        </p:nvGrpSpPr>
+        <p:grpSpPr>
+          <a:xfrm>
+            <a:off x="7937714" y="1284808"/>
+            <a:ext cx="751406" cy="967800"/>
+            <a:chOff x="5858944" y="4956751"/>
+            <a:chExt cx="751406" cy="967800"/>
+          </a:xfrm>
+        </p:grpSpPr>
+        <p:sp>
+          <p:nvSpPr>
+            <p:cNvPr id="10" name="사각형: 잘린 한쪽 모서리 9">
+              <a:extLst>
+                <a:ext uri="{FF2B5EF4-FFF2-40B4-BE49-F238E27FC236}">
+                  <a16:creationId xmlns:a16="http://schemas.microsoft.com/office/drawing/2014/main" id="{7C1F8289-9305-486C-ABC1-F6AC989AC47C}"/>
+                </a:ext>
+              </a:extLst>
+            </p:cNvPr>
+            <p:cNvSpPr/>
+            <p:nvPr/>
+          </p:nvSpPr>
+          <p:spPr>
+            <a:xfrm>
+              <a:off x="5858944" y="4956751"/>
+              <a:ext cx="751406" cy="967800"/>
+            </a:xfrm>
+            <a:prstGeom prst="snip1Rect">
+              <a:avLst>
+                <a:gd name="adj" fmla="val 31929"/>
+              </a:avLst>
+            </a:prstGeom>
+            <a:noFill/>
+            <a:ln w="57150"/>
+          </p:spPr>
+          <p:style>
+            <a:lnRef idx="2">
+              <a:schemeClr val="accent1">
+                <a:shade val="50000"/>
+              </a:schemeClr>
+            </a:lnRef>
+            <a:fillRef idx="1">
+              <a:schemeClr val="accent1"/>
+            </a:fillRef>
+            <a:effectRef idx="0">
+              <a:schemeClr val="accent1"/>
+            </a:effectRef>
+            <a:fontRef idx="minor">
+              <a:schemeClr val="lt1"/>
+            </a:fontRef>
+          </p:style>
+          <p:txBody>
+            <a:bodyPr rtlCol="0" anchor="ctr"/>
+            <a:lstStyle/>
+            <a:p>
+              <a:pPr algn="ctr"/>
+              <a:endParaRPr lang="ko-KR" altLang="en-US" sz="1400"/>
+            </a:p>
+          </p:txBody>
+        </p:sp>
+        <p:sp>
+          <p:nvSpPr>
+            <p:cNvPr id="11" name="직사각형 10">
+              <a:extLst>
+                <a:ext uri="{FF2B5EF4-FFF2-40B4-BE49-F238E27FC236}">
+                  <a16:creationId xmlns:a16="http://schemas.microsoft.com/office/drawing/2014/main" id="{D68593B5-6C4C-4681-994B-A93B6193B1AC}"/>
+                </a:ext>
+              </a:extLst>
+            </p:cNvPr>
+            <p:cNvSpPr/>
+            <p:nvPr/>
+          </p:nvSpPr>
+          <p:spPr>
+            <a:xfrm>
+              <a:off x="5958422" y="5255895"/>
+              <a:ext cx="276225" cy="142875"/>
+            </a:xfrm>
+            <a:prstGeom prst="rect">
+              <a:avLst/>
+            </a:prstGeom>
+            <a:noFill/>
+            <a:ln w="57150">
+              <a:solidFill>
+                <a:srgbClr val="2F528F"/>
+              </a:solidFill>
+            </a:ln>
+          </p:spPr>
+          <p:style>
+            <a:lnRef idx="2">
+              <a:schemeClr val="accent1">
+                <a:shade val="50000"/>
+              </a:schemeClr>
+            </a:lnRef>
+            <a:fillRef idx="1">
+              <a:schemeClr val="accent1"/>
+            </a:fillRef>
+            <a:effectRef idx="0">
+              <a:schemeClr val="accent1"/>
+            </a:effectRef>
+            <a:fontRef idx="minor">
+              <a:schemeClr val="lt1"/>
+            </a:fontRef>
+          </p:style>
+          <p:txBody>
+            <a:bodyPr rtlCol="0" anchor="ctr"/>
+            <a:lstStyle/>
+            <a:p>
+              <a:pPr algn="ctr"/>
+              <a:endParaRPr lang="ko-KR" altLang="en-US"/>
+            </a:p>
+          </p:txBody>
+        </p:sp>
+        <p:sp>
+          <p:nvSpPr>
+            <p:cNvPr id="12" name="직사각형 11">
+              <a:extLst>
+                <a:ext uri="{FF2B5EF4-FFF2-40B4-BE49-F238E27FC236}">
+                  <a16:creationId xmlns:a16="http://schemas.microsoft.com/office/drawing/2014/main" id="{EEBDFFEB-3790-4CFC-AD1C-FEAFA5F71E2E}"/>
+                </a:ext>
+              </a:extLst>
+            </p:cNvPr>
+            <p:cNvSpPr/>
+            <p:nvPr/>
+          </p:nvSpPr>
+          <p:spPr>
+            <a:xfrm>
+              <a:off x="6234647" y="5255895"/>
+              <a:ext cx="276225" cy="142875"/>
+            </a:xfrm>
+            <a:prstGeom prst="rect">
+              <a:avLst/>
+            </a:prstGeom>
+            <a:noFill/>
+            <a:ln w="57150">
+              <a:solidFill>
+                <a:srgbClr val="2F528F"/>
+              </a:solidFill>
+            </a:ln>
+          </p:spPr>
+          <p:style>
+            <a:lnRef idx="2">
+              <a:schemeClr val="accent1">
+                <a:shade val="50000"/>
+              </a:schemeClr>
+            </a:lnRef>
+            <a:fillRef idx="1">
+              <a:schemeClr val="accent1"/>
+            </a:fillRef>
+            <a:effectRef idx="0">
+              <a:schemeClr val="accent1"/>
+            </a:effectRef>
+            <a:fontRef idx="minor">
+              <a:schemeClr val="lt1"/>
+            </a:fontRef>
+          </p:style>
+          <p:txBody>
+            <a:bodyPr rtlCol="0" anchor="ctr"/>
+            <a:lstStyle/>
+            <a:p>
+              <a:pPr algn="ctr"/>
+              <a:endParaRPr lang="ko-KR" altLang="en-US"/>
+            </a:p>
+          </p:txBody>
+        </p:sp>
+        <p:sp>
+          <p:nvSpPr>
+            <p:cNvPr id="13" name="직사각형 12">
+              <a:extLst>
+                <a:ext uri="{FF2B5EF4-FFF2-40B4-BE49-F238E27FC236}">
+                  <a16:creationId xmlns:a16="http://schemas.microsoft.com/office/drawing/2014/main" id="{F32AE933-92EC-4630-A95E-0664C0F0C038}"/>
+                </a:ext>
+              </a:extLst>
+            </p:cNvPr>
+            <p:cNvSpPr/>
+            <p:nvPr/>
+          </p:nvSpPr>
+          <p:spPr>
+            <a:xfrm>
+              <a:off x="5958422" y="5398770"/>
+              <a:ext cx="276225" cy="142875"/>
+            </a:xfrm>
+            <a:prstGeom prst="rect">
+              <a:avLst/>
+            </a:prstGeom>
+            <a:noFill/>
+            <a:ln w="57150">
+              <a:solidFill>
+                <a:srgbClr val="2F528F"/>
+              </a:solidFill>
+            </a:ln>
+          </p:spPr>
+          <p:style>
+            <a:lnRef idx="2">
+              <a:schemeClr val="accent1">
+                <a:shade val="50000"/>
+              </a:schemeClr>
+            </a:lnRef>
+            <a:fillRef idx="1">
+              <a:schemeClr val="accent1"/>
+            </a:fillRef>
+            <a:effectRef idx="0">
+              <a:schemeClr val="accent1"/>
+            </a:effectRef>
+            <a:fontRef idx="minor">
+              <a:schemeClr val="lt1"/>
+            </a:fontRef>
+          </p:style>
+          <p:txBody>
+            <a:bodyPr rtlCol="0" anchor="ctr"/>
+            <a:lstStyle/>
+            <a:p>
+              <a:pPr algn="ctr"/>
+              <a:endParaRPr lang="ko-KR" altLang="en-US"/>
+            </a:p>
+          </p:txBody>
+        </p:sp>
+        <p:sp>
+          <p:nvSpPr>
+            <p:cNvPr id="14" name="직사각형 13">
+              <a:extLst>
+                <a:ext uri="{FF2B5EF4-FFF2-40B4-BE49-F238E27FC236}">
+                  <a16:creationId xmlns:a16="http://schemas.microsoft.com/office/drawing/2014/main" id="{F0D8780C-3629-4190-970B-E8D5A562B88F}"/>
+                </a:ext>
+              </a:extLst>
+            </p:cNvPr>
+            <p:cNvSpPr/>
+            <p:nvPr/>
+          </p:nvSpPr>
+          <p:spPr>
+            <a:xfrm>
+              <a:off x="6234647" y="5398770"/>
+              <a:ext cx="276225" cy="142875"/>
+            </a:xfrm>
+            <a:prstGeom prst="rect">
+              <a:avLst/>
+            </a:prstGeom>
+            <a:noFill/>
+            <a:ln w="57150">
+              <a:solidFill>
+                <a:srgbClr val="2F528F"/>
+              </a:solidFill>
+            </a:ln>
+          </p:spPr>
+          <p:style>
+            <a:lnRef idx="2">
+              <a:schemeClr val="accent1">
+                <a:shade val="50000"/>
+              </a:schemeClr>
+            </a:lnRef>
+            <a:fillRef idx="1">
+              <a:schemeClr val="accent1"/>
+            </a:fillRef>
+            <a:effectRef idx="0">
+              <a:schemeClr val="accent1"/>
+            </a:effectRef>
+            <a:fontRef idx="minor">
+              <a:schemeClr val="lt1"/>
+            </a:fontRef>
+          </p:style>
+          <p:txBody>
+            <a:bodyPr rtlCol="0" anchor="ctr"/>
+            <a:lstStyle/>
+            <a:p>
+              <a:pPr algn="ctr"/>
+              <a:endParaRPr lang="ko-KR" altLang="en-US"/>
+            </a:p>
+          </p:txBody>
+        </p:sp>
+        <p:sp>
+          <p:nvSpPr>
+            <p:cNvPr id="15" name="직사각형 14">
+              <a:extLst>
+                <a:ext uri="{FF2B5EF4-FFF2-40B4-BE49-F238E27FC236}">
+                  <a16:creationId xmlns:a16="http://schemas.microsoft.com/office/drawing/2014/main" id="{9198147B-AD33-438E-9E05-728140AE79ED}"/>
+                </a:ext>
+              </a:extLst>
+            </p:cNvPr>
+            <p:cNvSpPr/>
+            <p:nvPr/>
+          </p:nvSpPr>
+          <p:spPr>
+            <a:xfrm>
+              <a:off x="5958422" y="5541645"/>
+              <a:ext cx="276225" cy="142875"/>
+            </a:xfrm>
+            <a:prstGeom prst="rect">
+              <a:avLst/>
+            </a:prstGeom>
+            <a:noFill/>
+            <a:ln w="57150">
+              <a:solidFill>
+                <a:srgbClr val="2F528F"/>
+              </a:solidFill>
+            </a:ln>
+          </p:spPr>
+          <p:style>
+            <a:lnRef idx="2">
+              <a:schemeClr val="accent1">
+                <a:shade val="50000"/>
+              </a:schemeClr>
+            </a:lnRef>
+            <a:fillRef idx="1">
+              <a:schemeClr val="accent1"/>
+            </a:fillRef>
+            <a:effectRef idx="0">
+              <a:schemeClr val="accent1"/>
+            </a:effectRef>
+            <a:fontRef idx="minor">
+              <a:schemeClr val="lt1"/>
+            </a:fontRef>
+          </p:style>
+          <p:txBody>
+            <a:bodyPr rtlCol="0" anchor="ctr"/>
+            <a:lstStyle/>
+            <a:p>
+              <a:pPr algn="ctr"/>
+              <a:endParaRPr lang="ko-KR" altLang="en-US"/>
+            </a:p>
+          </p:txBody>
+        </p:sp>
+        <p:sp>
+          <p:nvSpPr>
+            <p:cNvPr id="16" name="직사각형 15">
+              <a:extLst>
+                <a:ext uri="{FF2B5EF4-FFF2-40B4-BE49-F238E27FC236}">
+                  <a16:creationId xmlns:a16="http://schemas.microsoft.com/office/drawing/2014/main" id="{A4AF6A10-D5DD-4351-A0F6-FA08BF1E9ED3}"/>
+                </a:ext>
+              </a:extLst>
+            </p:cNvPr>
+            <p:cNvSpPr/>
+            <p:nvPr/>
+          </p:nvSpPr>
+          <p:spPr>
+            <a:xfrm>
+              <a:off x="6234647" y="5541645"/>
+              <a:ext cx="276225" cy="142875"/>
+            </a:xfrm>
+            <a:prstGeom prst="rect">
+              <a:avLst/>
+            </a:prstGeom>
+            <a:noFill/>
+            <a:ln w="57150">
+              <a:solidFill>
+                <a:srgbClr val="2F528F"/>
+              </a:solidFill>
+            </a:ln>
+          </p:spPr>
+          <p:style>
+            <a:lnRef idx="2">
+              <a:schemeClr val="accent1">
+                <a:shade val="50000"/>
+              </a:schemeClr>
+            </a:lnRef>
+            <a:fillRef idx="1">
+              <a:schemeClr val="accent1"/>
+            </a:fillRef>
+            <a:effectRef idx="0">
+              <a:schemeClr val="accent1"/>
+            </a:effectRef>
+            <a:fontRef idx="minor">
+              <a:schemeClr val="lt1"/>
+            </a:fontRef>
+          </p:style>
+          <p:txBody>
+            <a:bodyPr rtlCol="0" anchor="ctr"/>
+            <a:lstStyle/>
+            <a:p>
+              <a:pPr algn="ctr"/>
+              <a:endParaRPr lang="ko-KR" altLang="en-US"/>
+            </a:p>
+          </p:txBody>
+        </p:sp>
+        <p:sp>
+          <p:nvSpPr>
+            <p:cNvPr id="17" name="직사각형 16">
+              <a:extLst>
+                <a:ext uri="{FF2B5EF4-FFF2-40B4-BE49-F238E27FC236}">
+                  <a16:creationId xmlns:a16="http://schemas.microsoft.com/office/drawing/2014/main" id="{A6456BBA-0553-4533-9426-65E1844A8025}"/>
+                </a:ext>
+              </a:extLst>
+            </p:cNvPr>
+            <p:cNvSpPr/>
+            <p:nvPr/>
+          </p:nvSpPr>
+          <p:spPr>
+            <a:xfrm>
+              <a:off x="5958422" y="5684520"/>
+              <a:ext cx="276225" cy="142875"/>
+            </a:xfrm>
+            <a:prstGeom prst="rect">
+              <a:avLst/>
+            </a:prstGeom>
+            <a:noFill/>
+            <a:ln w="57150">
+              <a:solidFill>
+                <a:srgbClr val="2F528F"/>
+              </a:solidFill>
+            </a:ln>
+          </p:spPr>
+          <p:style>
+            <a:lnRef idx="2">
+              <a:schemeClr val="accent1">
+                <a:shade val="50000"/>
+              </a:schemeClr>
+            </a:lnRef>
+            <a:fillRef idx="1">
+              <a:schemeClr val="accent1"/>
+            </a:fillRef>
+            <a:effectRef idx="0">
+              <a:schemeClr val="accent1"/>
+            </a:effectRef>
+            <a:fontRef idx="minor">
+              <a:schemeClr val="lt1"/>
+            </a:fontRef>
+          </p:style>
+          <p:txBody>
+            <a:bodyPr rtlCol="0" anchor="ctr"/>
+            <a:lstStyle/>
+            <a:p>
+              <a:pPr algn="ctr"/>
+              <a:endParaRPr lang="ko-KR" altLang="en-US"/>
+            </a:p>
+          </p:txBody>
+        </p:sp>
+        <p:sp>
+          <p:nvSpPr>
+            <p:cNvPr id="18" name="직사각형 17">
+              <a:extLst>
+                <a:ext uri="{FF2B5EF4-FFF2-40B4-BE49-F238E27FC236}">
+                  <a16:creationId xmlns:a16="http://schemas.microsoft.com/office/drawing/2014/main" id="{49B21F20-332D-4847-8E03-73360A5D7751}"/>
+                </a:ext>
+              </a:extLst>
+            </p:cNvPr>
+            <p:cNvSpPr/>
+            <p:nvPr/>
+          </p:nvSpPr>
+          <p:spPr>
+            <a:xfrm>
+              <a:off x="6234647" y="5684520"/>
+              <a:ext cx="276225" cy="142875"/>
+            </a:xfrm>
+            <a:prstGeom prst="rect">
+              <a:avLst/>
+            </a:prstGeom>
+            <a:noFill/>
+            <a:ln w="57150">
+              <a:solidFill>
+                <a:srgbClr val="2F528F"/>
+              </a:solidFill>
+            </a:ln>
+          </p:spPr>
+          <p:style>
+            <a:lnRef idx="2">
+              <a:schemeClr val="accent1">
+                <a:shade val="50000"/>
+              </a:schemeClr>
+            </a:lnRef>
+            <a:fillRef idx="1">
+              <a:schemeClr val="accent1"/>
+            </a:fillRef>
+            <a:effectRef idx="0">
+              <a:schemeClr val="accent1"/>
+            </a:effectRef>
+            <a:fontRef idx="minor">
+              <a:schemeClr val="lt1"/>
+            </a:fontRef>
+          </p:style>
+          <p:txBody>
+            <a:bodyPr rtlCol="0" anchor="ctr"/>
+            <a:lstStyle/>
+            <a:p>
+              <a:pPr algn="ctr"/>
+              <a:endParaRPr lang="ko-KR" altLang="en-US"/>
+            </a:p>
+          </p:txBody>
+        </p:sp>
+      </p:grpSp>
+      <p:sp>
+        <p:nvSpPr>
+          <p:cNvPr id="19" name="TextBox 18">
+            <a:extLst>
+              <a:ext uri="{FF2B5EF4-FFF2-40B4-BE49-F238E27FC236}">
+                <a16:creationId xmlns:a16="http://schemas.microsoft.com/office/drawing/2014/main" id="{9EDCC8FF-8B17-496A-A982-270B9CAA59D5}"/>
+              </a:ext>
+            </a:extLst>
+          </p:cNvPr>
+          <p:cNvSpPr txBox="1"/>
+          <p:nvPr/>
+        </p:nvSpPr>
+        <p:spPr>
+          <a:xfrm>
+            <a:off x="7146494" y="1195313"/>
+            <a:ext cx="1310054" cy="369332"/>
+          </a:xfrm>
+          <a:prstGeom prst="rect">
+            <a:avLst/>
+          </a:prstGeom>
+          <a:noFill/>
+        </p:spPr>
+        <p:txBody>
+          <a:bodyPr wrap="square" rtlCol="0">
+            <a:spAutoFit/>
+          </a:bodyPr>
+          <a:lstStyle/>
+          <a:p>
+            <a:r>
+              <a:rPr lang="en-US" altLang="ko-KR" dirty="0"/>
+              <a:t>Table</a:t>
+            </a:r>
+            <a:endParaRPr lang="ko-KR" altLang="en-US" dirty="0"/>
+          </a:p>
+        </p:txBody>
+      </p:sp>
+      <p:sp>
+        <p:nvSpPr>
+          <p:cNvPr id="20" name="TextBox 19">
+            <a:extLst>
+              <a:ext uri="{FF2B5EF4-FFF2-40B4-BE49-F238E27FC236}">
+                <a16:creationId xmlns:a16="http://schemas.microsoft.com/office/drawing/2014/main" id="{B955D372-200C-443B-97E6-58E02AD4BE70}"/>
+              </a:ext>
+            </a:extLst>
+          </p:cNvPr>
+          <p:cNvSpPr txBox="1"/>
+          <p:nvPr/>
+        </p:nvSpPr>
+        <p:spPr>
+          <a:xfrm>
+            <a:off x="746520" y="445489"/>
+            <a:ext cx="3292705" cy="369332"/>
+          </a:xfrm>
+          <a:prstGeom prst="rect">
+            <a:avLst/>
+          </a:prstGeom>
+          <a:noFill/>
+        </p:spPr>
+        <p:txBody>
+          <a:bodyPr wrap="square" rtlCol="0">
+            <a:spAutoFit/>
+          </a:bodyPr>
+          <a:lstStyle/>
+          <a:p>
+            <a:r>
+              <a:rPr lang="en-US" altLang="ko-KR" dirty="0"/>
+              <a:t>conn &lt;- </a:t>
+            </a:r>
+            <a:r>
+              <a:rPr lang="en-US" altLang="ko-KR" dirty="0" err="1"/>
+              <a:t>dbConnect</a:t>
+            </a:r>
+            <a:r>
+              <a:rPr lang="en-US" altLang="ko-KR" dirty="0"/>
+              <a:t>( </a:t>
+            </a:r>
+            <a:r>
+              <a:rPr lang="en-US" altLang="ko-KR" dirty="0" err="1"/>
+              <a:t>drv</a:t>
+            </a:r>
+            <a:r>
+              <a:rPr lang="en-US" altLang="ko-KR" dirty="0"/>
+              <a:t>, … )</a:t>
+            </a:r>
+          </a:p>
+        </p:txBody>
+      </p:sp>
+      <p:sp>
+        <p:nvSpPr>
+          <p:cNvPr id="21" name="TextBox 20">
+            <a:extLst>
+              <a:ext uri="{FF2B5EF4-FFF2-40B4-BE49-F238E27FC236}">
+                <a16:creationId xmlns:a16="http://schemas.microsoft.com/office/drawing/2014/main" id="{850DE024-6DD9-4C59-9212-C10A4D129802}"/>
+              </a:ext>
+            </a:extLst>
+          </p:cNvPr>
+          <p:cNvSpPr txBox="1"/>
+          <p:nvPr/>
+        </p:nvSpPr>
+        <p:spPr>
+          <a:xfrm>
+            <a:off x="3091639" y="1647449"/>
+            <a:ext cx="900479" cy="369332"/>
+          </a:xfrm>
+          <a:prstGeom prst="rect">
+            <a:avLst/>
+          </a:prstGeom>
+          <a:noFill/>
+        </p:spPr>
+        <p:txBody>
+          <a:bodyPr wrap="square" rtlCol="0">
+            <a:spAutoFit/>
+          </a:bodyPr>
+          <a:lstStyle/>
+          <a:p>
+            <a:r>
+              <a:rPr lang="en-US" altLang="ko-KR" dirty="0"/>
+              <a:t>conn</a:t>
+            </a:r>
+          </a:p>
+        </p:txBody>
+      </p:sp>
+      <p:sp>
+        <p:nvSpPr>
+          <p:cNvPr id="22" name="사각형: 잘린 한쪽 모서리 21">
+            <a:extLst>
+              <a:ext uri="{FF2B5EF4-FFF2-40B4-BE49-F238E27FC236}">
+                <a16:creationId xmlns:a16="http://schemas.microsoft.com/office/drawing/2014/main" id="{C9543A7B-BE8D-4A94-B45F-537E03511D92}"/>
+              </a:ext>
+            </a:extLst>
+          </p:cNvPr>
+          <p:cNvSpPr/>
+          <p:nvPr/>
+        </p:nvSpPr>
+        <p:spPr>
+          <a:xfrm>
+            <a:off x="3047739" y="1627046"/>
+            <a:ext cx="1064660" cy="498273"/>
+          </a:xfrm>
+          <a:prstGeom prst="snip1Rect">
+            <a:avLst>
+              <a:gd name="adj" fmla="val 31929"/>
+            </a:avLst>
+          </a:prstGeom>
+          <a:noFill/>
+          <a:ln w="57150"/>
+        </p:spPr>
+        <p:style>
+          <a:lnRef idx="2">
+            <a:schemeClr val="accent1">
+              <a:shade val="50000"/>
+            </a:schemeClr>
+          </a:lnRef>
+          <a:fillRef idx="1">
+            <a:schemeClr val="accent1"/>
+          </a:fillRef>
+          <a:effectRef idx="0">
+            <a:schemeClr val="accent1"/>
+          </a:effectRef>
+          <a:fontRef idx="minor">
+            <a:schemeClr val="lt1"/>
+          </a:fontRef>
+        </p:style>
+        <p:txBody>
+          <a:bodyPr rtlCol="0" anchor="ctr"/>
+          <a:lstStyle/>
+          <a:p>
+            <a:pPr algn="ctr"/>
+            <a:endParaRPr lang="ko-KR" altLang="en-US" sz="1400"/>
+          </a:p>
+        </p:txBody>
+      </p:sp>
+      <p:cxnSp>
+        <p:nvCxnSpPr>
+          <p:cNvPr id="23" name="직선 화살표 연결선 22">
+            <a:extLst>
+              <a:ext uri="{FF2B5EF4-FFF2-40B4-BE49-F238E27FC236}">
+                <a16:creationId xmlns:a16="http://schemas.microsoft.com/office/drawing/2014/main" id="{12F9376C-9455-4039-8FF4-0197A92C5ECA}"/>
+              </a:ext>
+            </a:extLst>
+          </p:cNvPr>
+          <p:cNvCxnSpPr>
+            <a:cxnSpLocks/>
+          </p:cNvCxnSpPr>
+          <p:nvPr/>
+        </p:nvCxnSpPr>
+        <p:spPr>
+          <a:xfrm>
+            <a:off x="5384800" y="2031627"/>
+            <a:ext cx="1453515" cy="0"/>
+          </a:xfrm>
+          <a:prstGeom prst="straightConnector1">
+            <a:avLst/>
+          </a:prstGeom>
+          <a:ln w="57150">
+            <a:solidFill>
+              <a:srgbClr val="2F528F"/>
+            </a:solidFill>
+            <a:headEnd type="triangle"/>
+            <a:tailEnd type="triangle"/>
+          </a:ln>
+        </p:spPr>
+        <p:style>
+          <a:lnRef idx="1">
+            <a:schemeClr val="accent1"/>
+          </a:lnRef>
+          <a:fillRef idx="0">
+            <a:schemeClr val="accent1"/>
+          </a:fillRef>
+          <a:effectRef idx="0">
+            <a:schemeClr val="accent1"/>
+          </a:effectRef>
+          <a:fontRef idx="minor">
+            <a:schemeClr val="tx1"/>
+          </a:fontRef>
+        </p:style>
+      </p:cxnSp>
+      <p:sp>
+        <p:nvSpPr>
+          <p:cNvPr id="24" name="TextBox 23">
+            <a:extLst>
+              <a:ext uri="{FF2B5EF4-FFF2-40B4-BE49-F238E27FC236}">
+                <a16:creationId xmlns:a16="http://schemas.microsoft.com/office/drawing/2014/main" id="{2E13D79A-0DC7-4A9E-91AC-C81B55E3277D}"/>
+              </a:ext>
+            </a:extLst>
+          </p:cNvPr>
+          <p:cNvSpPr txBox="1"/>
+          <p:nvPr/>
+        </p:nvSpPr>
+        <p:spPr>
+          <a:xfrm>
+            <a:off x="2967738" y="1196905"/>
+            <a:ext cx="1397230" cy="369332"/>
+          </a:xfrm>
+          <a:prstGeom prst="rect">
+            <a:avLst/>
+          </a:prstGeom>
+          <a:noFill/>
+        </p:spPr>
+        <p:txBody>
+          <a:bodyPr wrap="square" rtlCol="0">
+            <a:spAutoFit/>
+          </a:bodyPr>
+          <a:lstStyle/>
+          <a:p>
+            <a:r>
+              <a:rPr lang="ko-KR" altLang="en-US" dirty="0"/>
+              <a:t>연결 정보</a:t>
+            </a:r>
+            <a:endParaRPr lang="en-US" altLang="ko-KR" dirty="0"/>
+          </a:p>
+        </p:txBody>
+      </p:sp>
+      <p:sp>
+        <p:nvSpPr>
+          <p:cNvPr id="25" name="TextBox 24">
+            <a:extLst>
+              <a:ext uri="{FF2B5EF4-FFF2-40B4-BE49-F238E27FC236}">
+                <a16:creationId xmlns:a16="http://schemas.microsoft.com/office/drawing/2014/main" id="{F9F317E7-73AF-4439-B49C-732037B2EE5A}"/>
+              </a:ext>
+            </a:extLst>
+          </p:cNvPr>
+          <p:cNvSpPr txBox="1"/>
+          <p:nvPr/>
+        </p:nvSpPr>
+        <p:spPr>
+          <a:xfrm>
+            <a:off x="5450969" y="1313858"/>
+            <a:ext cx="1578689" cy="646331"/>
+          </a:xfrm>
+          <a:prstGeom prst="rect">
+            <a:avLst/>
+          </a:prstGeom>
+          <a:noFill/>
+        </p:spPr>
+        <p:txBody>
+          <a:bodyPr wrap="square" rtlCol="0">
+            <a:spAutoFit/>
+          </a:bodyPr>
+          <a:lstStyle/>
+          <a:p>
+            <a:r>
+              <a:rPr lang="ko-KR" altLang="en-US" dirty="0"/>
+              <a:t>연결 정보와</a:t>
+            </a:r>
+            <a:endParaRPr lang="en-US" altLang="ko-KR" dirty="0"/>
+          </a:p>
+          <a:p>
+            <a:r>
+              <a:rPr lang="ko-KR" altLang="en-US" dirty="0"/>
+              <a:t>함께 요청</a:t>
+            </a:r>
+            <a:endParaRPr lang="en-US" altLang="ko-KR" dirty="0"/>
+          </a:p>
+        </p:txBody>
+      </p:sp>
+    </p:spTree>
+    <p:extLst>
+      <p:ext uri="{BB962C8B-B14F-4D97-AF65-F5344CB8AC3E}">
+        <p14:creationId xmlns:p14="http://schemas.microsoft.com/office/powerpoint/2010/main" val="2031848758"/>
+      </p:ext>
+    </p:extLst>
+  </p:cSld>
+  <p:clrMapOvr>
+    <a:masterClrMapping/>
+  </p:clrMapOvr>
+</p:sld>
+</file>
+
 <file path=ppt/slides/slide2.xml><?xml version="1.0" encoding="utf-8"?>
 <p:sld xmlns:a="http://schemas.openxmlformats.org/drawingml/2006/main" xmlns:r="http://schemas.openxmlformats.org/officeDocument/2006/relationships" xmlns:p="http://schemas.openxmlformats.org/presentationml/2006/main">
   <p:cSld>

--- a/img/images.pptx
+++ b/img/images.pptx
@@ -14,12 +14,10 @@
     <p:sldId id="263" r:id="rId8"/>
     <p:sldId id="264" r:id="rId9"/>
     <p:sldId id="265" r:id="rId10"/>
-    <p:sldId id="266" r:id="rId11"/>
-    <p:sldId id="268" r:id="rId12"/>
-    <p:sldId id="269" r:id="rId13"/>
-    <p:sldId id="270" r:id="rId14"/>
-    <p:sldId id="271" r:id="rId15"/>
-    <p:sldId id="272" r:id="rId16"/>
+    <p:sldId id="268" r:id="rId11"/>
+    <p:sldId id="272" r:id="rId12"/>
+    <p:sldId id="270" r:id="rId13"/>
+    <p:sldId id="271" r:id="rId14"/>
   </p:sldIdLst>
   <p:sldSz cx="12192000" cy="6858000"/>
   <p:notesSz cx="6858000" cy="9144000"/>
@@ -277,7 +275,7 @@
           <a:p>
             <a:fld id="{493EDA12-7240-45BA-A998-BB8F39C4C82F}" type="datetimeFigureOut">
               <a:rPr lang="ko-KR" altLang="en-US" smtClean="0"/>
-              <a:t>2017-09-19</a:t>
+              <a:t>2017-09-20</a:t>
             </a:fld>
             <a:endParaRPr lang="ko-KR" altLang="en-US"/>
           </a:p>
@@ -475,7 +473,7 @@
           <a:p>
             <a:fld id="{493EDA12-7240-45BA-A998-BB8F39C4C82F}" type="datetimeFigureOut">
               <a:rPr lang="ko-KR" altLang="en-US" smtClean="0"/>
-              <a:t>2017-09-19</a:t>
+              <a:t>2017-09-20</a:t>
             </a:fld>
             <a:endParaRPr lang="ko-KR" altLang="en-US"/>
           </a:p>
@@ -683,7 +681,7 @@
           <a:p>
             <a:fld id="{493EDA12-7240-45BA-A998-BB8F39C4C82F}" type="datetimeFigureOut">
               <a:rPr lang="ko-KR" altLang="en-US" smtClean="0"/>
-              <a:t>2017-09-19</a:t>
+              <a:t>2017-09-20</a:t>
             </a:fld>
             <a:endParaRPr lang="ko-KR" altLang="en-US"/>
           </a:p>
@@ -881,7 +879,7 @@
           <a:p>
             <a:fld id="{493EDA12-7240-45BA-A998-BB8F39C4C82F}" type="datetimeFigureOut">
               <a:rPr lang="ko-KR" altLang="en-US" smtClean="0"/>
-              <a:t>2017-09-19</a:t>
+              <a:t>2017-09-20</a:t>
             </a:fld>
             <a:endParaRPr lang="ko-KR" altLang="en-US"/>
           </a:p>
@@ -1156,7 +1154,7 @@
           <a:p>
             <a:fld id="{493EDA12-7240-45BA-A998-BB8F39C4C82F}" type="datetimeFigureOut">
               <a:rPr lang="ko-KR" altLang="en-US" smtClean="0"/>
-              <a:t>2017-09-19</a:t>
+              <a:t>2017-09-20</a:t>
             </a:fld>
             <a:endParaRPr lang="ko-KR" altLang="en-US"/>
           </a:p>
@@ -1421,7 +1419,7 @@
           <a:p>
             <a:fld id="{493EDA12-7240-45BA-A998-BB8F39C4C82F}" type="datetimeFigureOut">
               <a:rPr lang="ko-KR" altLang="en-US" smtClean="0"/>
-              <a:t>2017-09-19</a:t>
+              <a:t>2017-09-20</a:t>
             </a:fld>
             <a:endParaRPr lang="ko-KR" altLang="en-US"/>
           </a:p>
@@ -1833,7 +1831,7 @@
           <a:p>
             <a:fld id="{493EDA12-7240-45BA-A998-BB8F39C4C82F}" type="datetimeFigureOut">
               <a:rPr lang="ko-KR" altLang="en-US" smtClean="0"/>
-              <a:t>2017-09-19</a:t>
+              <a:t>2017-09-20</a:t>
             </a:fld>
             <a:endParaRPr lang="ko-KR" altLang="en-US"/>
           </a:p>
@@ -1974,7 +1972,7 @@
           <a:p>
             <a:fld id="{493EDA12-7240-45BA-A998-BB8F39C4C82F}" type="datetimeFigureOut">
               <a:rPr lang="ko-KR" altLang="en-US" smtClean="0"/>
-              <a:t>2017-09-19</a:t>
+              <a:t>2017-09-20</a:t>
             </a:fld>
             <a:endParaRPr lang="ko-KR" altLang="en-US"/>
           </a:p>
@@ -2087,7 +2085,7 @@
           <a:p>
             <a:fld id="{493EDA12-7240-45BA-A998-BB8F39C4C82F}" type="datetimeFigureOut">
               <a:rPr lang="ko-KR" altLang="en-US" smtClean="0"/>
-              <a:t>2017-09-19</a:t>
+              <a:t>2017-09-20</a:t>
             </a:fld>
             <a:endParaRPr lang="ko-KR" altLang="en-US"/>
           </a:p>
@@ -2398,7 +2396,7 @@
           <a:p>
             <a:fld id="{493EDA12-7240-45BA-A998-BB8F39C4C82F}" type="datetimeFigureOut">
               <a:rPr lang="ko-KR" altLang="en-US" smtClean="0"/>
-              <a:t>2017-09-19</a:t>
+              <a:t>2017-09-20</a:t>
             </a:fld>
             <a:endParaRPr lang="ko-KR" altLang="en-US"/>
           </a:p>
@@ -2686,7 +2684,7 @@
           <a:p>
             <a:fld id="{493EDA12-7240-45BA-A998-BB8F39C4C82F}" type="datetimeFigureOut">
               <a:rPr lang="ko-KR" altLang="en-US" smtClean="0"/>
-              <a:t>2017-09-19</a:t>
+              <a:t>2017-09-20</a:t>
             </a:fld>
             <a:endParaRPr lang="ko-KR" altLang="en-US"/>
           </a:p>
@@ -2927,7 +2925,7 @@
           <a:p>
             <a:fld id="{493EDA12-7240-45BA-A998-BB8F39C4C82F}" type="datetimeFigureOut">
               <a:rPr lang="ko-KR" altLang="en-US" smtClean="0"/>
-              <a:t>2017-09-19</a:t>
+              <a:t>2017-09-20</a:t>
             </a:fld>
             <a:endParaRPr lang="ko-KR" altLang="en-US"/>
           </a:p>
@@ -3685,12 +3683,615 @@
           <a:chExt cx="0" cy="0"/>
         </a:xfrm>
       </p:grpSpPr>
+      <p:sp>
+        <p:nvSpPr>
+          <p:cNvPr id="4" name="사각형: 둥근 모서리 3">
+            <a:extLst>
+              <a:ext uri="{FF2B5EF4-FFF2-40B4-BE49-F238E27FC236}">
+                <a16:creationId xmlns:a16="http://schemas.microsoft.com/office/drawing/2014/main" id="{53726BC7-96DA-4708-9216-E4A2DD99CC49}"/>
+              </a:ext>
+            </a:extLst>
+          </p:cNvPr>
+          <p:cNvSpPr/>
+          <p:nvPr/>
+        </p:nvSpPr>
+        <p:spPr>
+          <a:xfrm>
+            <a:off x="1600199" y="1031631"/>
+            <a:ext cx="4457700" cy="2189284"/>
+          </a:xfrm>
+          <a:prstGeom prst="roundRect">
+            <a:avLst/>
+          </a:prstGeom>
+          <a:noFill/>
+          <a:ln w="57150"/>
+        </p:spPr>
+        <p:style>
+          <a:lnRef idx="2">
+            <a:schemeClr val="accent1">
+              <a:shade val="50000"/>
+            </a:schemeClr>
+          </a:lnRef>
+          <a:fillRef idx="1">
+            <a:schemeClr val="accent1"/>
+          </a:fillRef>
+          <a:effectRef idx="0">
+            <a:schemeClr val="accent1"/>
+          </a:effectRef>
+          <a:fontRef idx="minor">
+            <a:schemeClr val="lt1"/>
+          </a:fontRef>
+        </p:style>
+        <p:txBody>
+          <a:bodyPr rtlCol="0" anchor="ctr"/>
+          <a:lstStyle/>
+          <a:p>
+            <a:pPr algn="ctr"/>
+            <a:endParaRPr lang="ko-KR" altLang="en-US"/>
+          </a:p>
+        </p:txBody>
+      </p:sp>
+      <p:cxnSp>
+        <p:nvCxnSpPr>
+          <p:cNvPr id="8" name="직선 화살표 연결선 7">
+            <a:extLst>
+              <a:ext uri="{FF2B5EF4-FFF2-40B4-BE49-F238E27FC236}">
+                <a16:creationId xmlns:a16="http://schemas.microsoft.com/office/drawing/2014/main" id="{03D2B898-0381-4E7A-8416-A3DBF8AD8661}"/>
+              </a:ext>
+            </a:extLst>
+          </p:cNvPr>
+          <p:cNvCxnSpPr>
+            <a:cxnSpLocks/>
+          </p:cNvCxnSpPr>
+          <p:nvPr/>
+        </p:nvCxnSpPr>
+        <p:spPr>
+          <a:xfrm>
+            <a:off x="6356104" y="2374920"/>
+            <a:ext cx="1422890" cy="0"/>
+          </a:xfrm>
+          <a:prstGeom prst="straightConnector1">
+            <a:avLst/>
+          </a:prstGeom>
+          <a:ln w="57150">
+            <a:solidFill>
+              <a:srgbClr val="2F528F"/>
+            </a:solidFill>
+            <a:headEnd type="triangle"/>
+            <a:tailEnd type="triangle"/>
+          </a:ln>
+        </p:spPr>
+        <p:style>
+          <a:lnRef idx="1">
+            <a:schemeClr val="accent1"/>
+          </a:lnRef>
+          <a:fillRef idx="0">
+            <a:schemeClr val="accent1"/>
+          </a:fillRef>
+          <a:effectRef idx="0">
+            <a:schemeClr val="accent1"/>
+          </a:effectRef>
+          <a:fontRef idx="minor">
+            <a:schemeClr val="tx1"/>
+          </a:fontRef>
+        </p:style>
+      </p:cxnSp>
+      <p:sp>
+        <p:nvSpPr>
+          <p:cNvPr id="13" name="사각형: 둥근 모서리 12">
+            <a:extLst>
+              <a:ext uri="{FF2B5EF4-FFF2-40B4-BE49-F238E27FC236}">
+                <a16:creationId xmlns:a16="http://schemas.microsoft.com/office/drawing/2014/main" id="{C241251C-3244-4078-9BEA-5F459A69BC39}"/>
+              </a:ext>
+            </a:extLst>
+          </p:cNvPr>
+          <p:cNvSpPr/>
+          <p:nvPr/>
+        </p:nvSpPr>
+        <p:spPr>
+          <a:xfrm>
+            <a:off x="8029574" y="1030663"/>
+            <a:ext cx="1898406" cy="2190252"/>
+          </a:xfrm>
+          <a:prstGeom prst="roundRect">
+            <a:avLst/>
+          </a:prstGeom>
+          <a:noFill/>
+          <a:ln w="57150"/>
+        </p:spPr>
+        <p:style>
+          <a:lnRef idx="2">
+            <a:schemeClr val="accent1">
+              <a:shade val="50000"/>
+            </a:schemeClr>
+          </a:lnRef>
+          <a:fillRef idx="1">
+            <a:schemeClr val="accent1"/>
+          </a:fillRef>
+          <a:effectRef idx="0">
+            <a:schemeClr val="accent1"/>
+          </a:effectRef>
+          <a:fontRef idx="minor">
+            <a:schemeClr val="lt1"/>
+          </a:fontRef>
+        </p:style>
+        <p:txBody>
+          <a:bodyPr rtlCol="0" anchor="ctr"/>
+          <a:lstStyle/>
+          <a:p>
+            <a:pPr algn="ctr"/>
+            <a:endParaRPr lang="ko-KR" altLang="en-US"/>
+          </a:p>
+        </p:txBody>
+      </p:sp>
+      <p:sp>
+        <p:nvSpPr>
+          <p:cNvPr id="15" name="TextBox 14">
+            <a:extLst>
+              <a:ext uri="{FF2B5EF4-FFF2-40B4-BE49-F238E27FC236}">
+                <a16:creationId xmlns:a16="http://schemas.microsoft.com/office/drawing/2014/main" id="{B33909CD-3BBE-4264-BC80-AAA0C065DA53}"/>
+              </a:ext>
+            </a:extLst>
+          </p:cNvPr>
+          <p:cNvSpPr txBox="1"/>
+          <p:nvPr/>
+        </p:nvSpPr>
+        <p:spPr>
+          <a:xfrm>
+            <a:off x="1752599" y="1162538"/>
+            <a:ext cx="1310054" cy="710964"/>
+          </a:xfrm>
+          <a:prstGeom prst="rect">
+            <a:avLst/>
+          </a:prstGeom>
+          <a:noFill/>
+        </p:spPr>
+        <p:txBody>
+          <a:bodyPr wrap="square" rtlCol="0">
+            <a:spAutoFit/>
+          </a:bodyPr>
+          <a:lstStyle/>
+          <a:p>
+            <a:r>
+              <a:rPr lang="en-US" altLang="ko-KR" dirty="0"/>
+              <a:t>R </a:t>
+            </a:r>
+            <a:r>
+              <a:rPr lang="ko-KR" altLang="en-US" dirty="0"/>
+              <a:t>환경</a:t>
+            </a:r>
+            <a:endParaRPr lang="en-US" altLang="ko-KR" dirty="0"/>
+          </a:p>
+          <a:p>
+            <a:r>
+              <a:rPr lang="en-US" altLang="ko-KR" dirty="0"/>
+              <a:t>(Memory)</a:t>
+            </a:r>
+            <a:endParaRPr lang="ko-KR" altLang="en-US" dirty="0"/>
+          </a:p>
+        </p:txBody>
+      </p:sp>
+      <p:sp>
+        <p:nvSpPr>
+          <p:cNvPr id="16" name="TextBox 15">
+            <a:extLst>
+              <a:ext uri="{FF2B5EF4-FFF2-40B4-BE49-F238E27FC236}">
+                <a16:creationId xmlns:a16="http://schemas.microsoft.com/office/drawing/2014/main" id="{3A9FE08F-8627-4B17-B3AE-670D6D86AC50}"/>
+              </a:ext>
+            </a:extLst>
+          </p:cNvPr>
+          <p:cNvSpPr txBox="1"/>
+          <p:nvPr/>
+        </p:nvSpPr>
+        <p:spPr>
+          <a:xfrm>
+            <a:off x="8124824" y="1148688"/>
+            <a:ext cx="1310054" cy="369332"/>
+          </a:xfrm>
+          <a:prstGeom prst="rect">
+            <a:avLst/>
+          </a:prstGeom>
+          <a:noFill/>
+        </p:spPr>
+        <p:txBody>
+          <a:bodyPr wrap="square" rtlCol="0">
+            <a:spAutoFit/>
+          </a:bodyPr>
+          <a:lstStyle/>
+          <a:p>
+            <a:r>
+              <a:rPr lang="en-US" altLang="ko-KR" dirty="0"/>
+              <a:t>Files</a:t>
+            </a:r>
+            <a:endParaRPr lang="ko-KR" altLang="en-US" dirty="0"/>
+          </a:p>
+        </p:txBody>
+      </p:sp>
+      <p:sp>
+        <p:nvSpPr>
+          <p:cNvPr id="18" name="타원 17">
+            <a:extLst>
+              <a:ext uri="{FF2B5EF4-FFF2-40B4-BE49-F238E27FC236}">
+                <a16:creationId xmlns:a16="http://schemas.microsoft.com/office/drawing/2014/main" id="{D4FA43CA-AB09-4C4E-A158-88CE20D3D44B}"/>
+              </a:ext>
+            </a:extLst>
+          </p:cNvPr>
+          <p:cNvSpPr/>
+          <p:nvPr/>
+        </p:nvSpPr>
+        <p:spPr>
+          <a:xfrm>
+            <a:off x="3333324" y="1608649"/>
+            <a:ext cx="961042" cy="961042"/>
+          </a:xfrm>
+          <a:prstGeom prst="ellipse">
+            <a:avLst/>
+          </a:prstGeom>
+          <a:noFill/>
+          <a:ln w="28575"/>
+        </p:spPr>
+        <p:style>
+          <a:lnRef idx="2">
+            <a:schemeClr val="accent1">
+              <a:shade val="50000"/>
+            </a:schemeClr>
+          </a:lnRef>
+          <a:fillRef idx="1">
+            <a:schemeClr val="accent1"/>
+          </a:fillRef>
+          <a:effectRef idx="0">
+            <a:schemeClr val="accent1"/>
+          </a:effectRef>
+          <a:fontRef idx="minor">
+            <a:schemeClr val="lt1"/>
+          </a:fontRef>
+        </p:style>
+        <p:txBody>
+          <a:bodyPr rtlCol="0" anchor="ctr"/>
+          <a:lstStyle/>
+          <a:p>
+            <a:pPr algn="ctr"/>
+            <a:endParaRPr lang="ko-KR" altLang="en-US"/>
+          </a:p>
+        </p:txBody>
+      </p:sp>
+      <p:cxnSp>
+        <p:nvCxnSpPr>
+          <p:cNvPr id="19" name="직선 연결선 18">
+            <a:extLst>
+              <a:ext uri="{FF2B5EF4-FFF2-40B4-BE49-F238E27FC236}">
+                <a16:creationId xmlns:a16="http://schemas.microsoft.com/office/drawing/2014/main" id="{A38D575A-FC55-4BC0-82C8-A8DEAA310C9E}"/>
+              </a:ext>
+            </a:extLst>
+          </p:cNvPr>
+          <p:cNvCxnSpPr>
+            <a:cxnSpLocks/>
+          </p:cNvCxnSpPr>
+          <p:nvPr/>
+        </p:nvCxnSpPr>
+        <p:spPr>
+          <a:xfrm flipV="1">
+            <a:off x="4263883" y="2154977"/>
+            <a:ext cx="30483" cy="95079"/>
+          </a:xfrm>
+          <a:prstGeom prst="line">
+            <a:avLst/>
+          </a:prstGeom>
+          <a:ln w="19050">
+            <a:solidFill>
+              <a:srgbClr val="2F528F"/>
+            </a:solidFill>
+            <a:prstDash val="solid"/>
+            <a:miter lim="800000"/>
+            <a:tailEnd type="triangle" w="lg" len="lg"/>
+          </a:ln>
+        </p:spPr>
+        <p:style>
+          <a:lnRef idx="1">
+            <a:schemeClr val="accent1"/>
+          </a:lnRef>
+          <a:fillRef idx="0">
+            <a:schemeClr val="accent1"/>
+          </a:fillRef>
+          <a:effectRef idx="0">
+            <a:schemeClr val="accent1"/>
+          </a:effectRef>
+          <a:fontRef idx="minor">
+            <a:schemeClr val="tx1"/>
+          </a:fontRef>
+        </p:style>
+      </p:cxnSp>
+      <p:sp>
+        <p:nvSpPr>
+          <p:cNvPr id="20" name="TextBox 19">
+            <a:extLst>
+              <a:ext uri="{FF2B5EF4-FFF2-40B4-BE49-F238E27FC236}">
+                <a16:creationId xmlns:a16="http://schemas.microsoft.com/office/drawing/2014/main" id="{91A6FA9A-A559-4F0D-8751-92385081FED9}"/>
+              </a:ext>
+            </a:extLst>
+          </p:cNvPr>
+          <p:cNvSpPr txBox="1"/>
+          <p:nvPr/>
+        </p:nvSpPr>
+        <p:spPr>
+          <a:xfrm>
+            <a:off x="4374055" y="1766004"/>
+            <a:ext cx="1413172" cy="646331"/>
+          </a:xfrm>
+          <a:prstGeom prst="rect">
+            <a:avLst/>
+          </a:prstGeom>
+          <a:noFill/>
+        </p:spPr>
+        <p:txBody>
+          <a:bodyPr wrap="square" rtlCol="0">
+            <a:spAutoFit/>
+          </a:bodyPr>
+          <a:lstStyle/>
+          <a:p>
+            <a:r>
+              <a:rPr lang="en-US" altLang="ko-KR" dirty="0"/>
+              <a:t>Data</a:t>
+            </a:r>
+          </a:p>
+          <a:p>
+            <a:r>
+              <a:rPr lang="en-US" altLang="ko-KR" dirty="0"/>
+              <a:t>Handling</a:t>
+            </a:r>
+            <a:endParaRPr lang="ko-KR" altLang="en-US" dirty="0"/>
+          </a:p>
+        </p:txBody>
+      </p:sp>
+      <p:sp>
+        <p:nvSpPr>
+          <p:cNvPr id="21" name="TextBox 20">
+            <a:extLst>
+              <a:ext uri="{FF2B5EF4-FFF2-40B4-BE49-F238E27FC236}">
+                <a16:creationId xmlns:a16="http://schemas.microsoft.com/office/drawing/2014/main" id="{93087281-0837-47D9-818D-F32941FC88A2}"/>
+              </a:ext>
+            </a:extLst>
+          </p:cNvPr>
+          <p:cNvSpPr txBox="1"/>
+          <p:nvPr/>
+        </p:nvSpPr>
+        <p:spPr>
+          <a:xfrm>
+            <a:off x="6448848" y="1867088"/>
+            <a:ext cx="1310054" cy="369332"/>
+          </a:xfrm>
+          <a:prstGeom prst="rect">
+            <a:avLst/>
+          </a:prstGeom>
+          <a:noFill/>
+        </p:spPr>
+        <p:txBody>
+          <a:bodyPr wrap="square" rtlCol="0">
+            <a:spAutoFit/>
+          </a:bodyPr>
+          <a:lstStyle/>
+          <a:p>
+            <a:r>
+              <a:rPr lang="en-US" altLang="ko-KR" dirty="0"/>
+              <a:t>File In/Out</a:t>
+            </a:r>
+            <a:endParaRPr lang="ko-KR" altLang="en-US" dirty="0"/>
+          </a:p>
+        </p:txBody>
+      </p:sp>
+      <p:sp>
+        <p:nvSpPr>
+          <p:cNvPr id="29" name="사각형: 잘린 한쪽 모서리 28">
+            <a:extLst>
+              <a:ext uri="{FF2B5EF4-FFF2-40B4-BE49-F238E27FC236}">
+                <a16:creationId xmlns:a16="http://schemas.microsoft.com/office/drawing/2014/main" id="{D58D0A4E-26D8-46E1-819D-69453E90C223}"/>
+              </a:ext>
+            </a:extLst>
+          </p:cNvPr>
+          <p:cNvSpPr/>
+          <p:nvPr/>
+        </p:nvSpPr>
+        <p:spPr>
+          <a:xfrm>
+            <a:off x="8195867" y="1656704"/>
+            <a:ext cx="1064660" cy="498273"/>
+          </a:xfrm>
+          <a:prstGeom prst="snip1Rect">
+            <a:avLst>
+              <a:gd name="adj" fmla="val 31929"/>
+            </a:avLst>
+          </a:prstGeom>
+          <a:noFill/>
+          <a:ln w="57150"/>
+        </p:spPr>
+        <p:style>
+          <a:lnRef idx="2">
+            <a:schemeClr val="accent1">
+              <a:shade val="50000"/>
+            </a:schemeClr>
+          </a:lnRef>
+          <a:fillRef idx="1">
+            <a:schemeClr val="accent1"/>
+          </a:fillRef>
+          <a:effectRef idx="0">
+            <a:schemeClr val="accent1"/>
+          </a:effectRef>
+          <a:fontRef idx="minor">
+            <a:schemeClr val="lt1"/>
+          </a:fontRef>
+        </p:style>
+        <p:txBody>
+          <a:bodyPr rtlCol="0" anchor="ctr"/>
+          <a:lstStyle/>
+          <a:p>
+            <a:pPr algn="ctr"/>
+            <a:endParaRPr lang="ko-KR" altLang="en-US" sz="1400"/>
+          </a:p>
+        </p:txBody>
+      </p:sp>
+      <p:sp>
+        <p:nvSpPr>
+          <p:cNvPr id="31" name="TextBox 30">
+            <a:extLst>
+              <a:ext uri="{FF2B5EF4-FFF2-40B4-BE49-F238E27FC236}">
+                <a16:creationId xmlns:a16="http://schemas.microsoft.com/office/drawing/2014/main" id="{711A09FB-6D1E-4930-B14D-41B8C50B2C17}"/>
+              </a:ext>
+            </a:extLst>
+          </p:cNvPr>
+          <p:cNvSpPr txBox="1"/>
+          <p:nvPr/>
+        </p:nvSpPr>
+        <p:spPr>
+          <a:xfrm>
+            <a:off x="8227752" y="1688836"/>
+            <a:ext cx="1310054" cy="369332"/>
+          </a:xfrm>
+          <a:prstGeom prst="rect">
+            <a:avLst/>
+          </a:prstGeom>
+          <a:noFill/>
+        </p:spPr>
+        <p:txBody>
+          <a:bodyPr wrap="square" rtlCol="0">
+            <a:spAutoFit/>
+          </a:bodyPr>
+          <a:lstStyle/>
+          <a:p>
+            <a:r>
+              <a:rPr lang="en-US" altLang="ko-KR" dirty="0"/>
+              <a:t>csv</a:t>
+            </a:r>
+            <a:endParaRPr lang="ko-KR" altLang="en-US" dirty="0"/>
+          </a:p>
+        </p:txBody>
+      </p:sp>
+      <p:sp>
+        <p:nvSpPr>
+          <p:cNvPr id="32" name="사각형: 잘린 한쪽 모서리 31">
+            <a:extLst>
+              <a:ext uri="{FF2B5EF4-FFF2-40B4-BE49-F238E27FC236}">
+                <a16:creationId xmlns:a16="http://schemas.microsoft.com/office/drawing/2014/main" id="{9215F82E-FEC4-467C-903F-F6A63CE18998}"/>
+              </a:ext>
+            </a:extLst>
+          </p:cNvPr>
+          <p:cNvSpPr/>
+          <p:nvPr/>
+        </p:nvSpPr>
+        <p:spPr>
+          <a:xfrm>
+            <a:off x="8195867" y="2293661"/>
+            <a:ext cx="1064660" cy="498273"/>
+          </a:xfrm>
+          <a:prstGeom prst="snip1Rect">
+            <a:avLst>
+              <a:gd name="adj" fmla="val 31929"/>
+            </a:avLst>
+          </a:prstGeom>
+          <a:noFill/>
+          <a:ln w="57150"/>
+        </p:spPr>
+        <p:style>
+          <a:lnRef idx="2">
+            <a:schemeClr val="accent1">
+              <a:shade val="50000"/>
+            </a:schemeClr>
+          </a:lnRef>
+          <a:fillRef idx="1">
+            <a:schemeClr val="accent1"/>
+          </a:fillRef>
+          <a:effectRef idx="0">
+            <a:schemeClr val="accent1"/>
+          </a:effectRef>
+          <a:fontRef idx="minor">
+            <a:schemeClr val="lt1"/>
+          </a:fontRef>
+        </p:style>
+        <p:txBody>
+          <a:bodyPr rtlCol="0" anchor="ctr"/>
+          <a:lstStyle/>
+          <a:p>
+            <a:pPr algn="ctr"/>
+            <a:endParaRPr lang="ko-KR" altLang="en-US" sz="1400"/>
+          </a:p>
+        </p:txBody>
+      </p:sp>
+      <p:sp>
+        <p:nvSpPr>
+          <p:cNvPr id="33" name="TextBox 32">
+            <a:extLst>
+              <a:ext uri="{FF2B5EF4-FFF2-40B4-BE49-F238E27FC236}">
+                <a16:creationId xmlns:a16="http://schemas.microsoft.com/office/drawing/2014/main" id="{91A2517B-6DEA-495B-8351-2F23CCD96324}"/>
+              </a:ext>
+            </a:extLst>
+          </p:cNvPr>
+          <p:cNvSpPr txBox="1"/>
+          <p:nvPr/>
+        </p:nvSpPr>
+        <p:spPr>
+          <a:xfrm>
+            <a:off x="8230302" y="2325793"/>
+            <a:ext cx="1310054" cy="369332"/>
+          </a:xfrm>
+          <a:prstGeom prst="rect">
+            <a:avLst/>
+          </a:prstGeom>
+          <a:noFill/>
+        </p:spPr>
+        <p:txBody>
+          <a:bodyPr wrap="square" rtlCol="0">
+            <a:spAutoFit/>
+          </a:bodyPr>
+          <a:lstStyle/>
+          <a:p>
+            <a:r>
+              <a:rPr lang="en-US" altLang="ko-KR" dirty="0" err="1"/>
+              <a:t>xlsx</a:t>
+            </a:r>
+            <a:endParaRPr lang="ko-KR" altLang="en-US" dirty="0"/>
+          </a:p>
+        </p:txBody>
+      </p:sp>
+      <p:sp>
+        <p:nvSpPr>
+          <p:cNvPr id="34" name="TextBox 33">
+            <a:extLst>
+              <a:ext uri="{FF2B5EF4-FFF2-40B4-BE49-F238E27FC236}">
+                <a16:creationId xmlns:a16="http://schemas.microsoft.com/office/drawing/2014/main" id="{1899DF4D-3FC4-478D-90DF-6C2F23CD793E}"/>
+              </a:ext>
+            </a:extLst>
+          </p:cNvPr>
+          <p:cNvSpPr txBox="1"/>
+          <p:nvPr/>
+        </p:nvSpPr>
+        <p:spPr>
+          <a:xfrm rot="5400000">
+            <a:off x="8272662" y="2845172"/>
+            <a:ext cx="403810" cy="369332"/>
+          </a:xfrm>
+          <a:prstGeom prst="rect">
+            <a:avLst/>
+          </a:prstGeom>
+          <a:noFill/>
+        </p:spPr>
+        <p:txBody>
+          <a:bodyPr wrap="square" rtlCol="0">
+            <a:spAutoFit/>
+          </a:bodyPr>
+          <a:lstStyle/>
+          <a:p>
+            <a:r>
+              <a:rPr lang="en-US" altLang="ko-KR" dirty="0"/>
+              <a:t>…</a:t>
+            </a:r>
+          </a:p>
+        </p:txBody>
+      </p:sp>
       <p:pic>
         <p:nvPicPr>
-          <p:cNvPr id="4" name="그림 3">
-            <a:extLst>
-              <a:ext uri="{FF2B5EF4-FFF2-40B4-BE49-F238E27FC236}">
-                <a16:creationId xmlns:a16="http://schemas.microsoft.com/office/drawing/2014/main" id="{0861BE88-991A-4055-B16D-B8FA02183B21}"/>
+          <p:cNvPr id="17" name="그림 16">
+            <a:extLst>
+              <a:ext uri="{FF2B5EF4-FFF2-40B4-BE49-F238E27FC236}">
+                <a16:creationId xmlns:a16="http://schemas.microsoft.com/office/drawing/2014/main" id="{AF344EF0-7D51-478E-BAB5-A99FD0902F4C}"/>
               </a:ext>
             </a:extLst>
           </p:cNvPr>
@@ -3707,8 +4308,8 @@
         </p:blipFill>
         <p:spPr>
           <a:xfrm>
-            <a:off x="1389480" y="2063377"/>
-            <a:ext cx="9413040" cy="2731245"/>
+            <a:off x="1600199" y="3797933"/>
+            <a:ext cx="8382727" cy="2243522"/>
           </a:xfrm>
           <a:prstGeom prst="rect">
             <a:avLst/>
@@ -3718,7 +4319,7 @@
     </p:spTree>
     <p:extLst>
       <p:ext uri="{BB962C8B-B14F-4D97-AF65-F5344CB8AC3E}">
-        <p14:creationId xmlns:p14="http://schemas.microsoft.com/office/powerpoint/2010/main" val="2339007011"/>
+        <p14:creationId xmlns:p14="http://schemas.microsoft.com/office/powerpoint/2010/main" val="1789521446"/>
       </p:ext>
     </p:extLst>
   </p:cSld>
@@ -3747,10 +4348,10 @@
       </p:grpSpPr>
       <p:sp>
         <p:nvSpPr>
-          <p:cNvPr id="4" name="사각형: 둥근 모서리 3">
-            <a:extLst>
-              <a:ext uri="{FF2B5EF4-FFF2-40B4-BE49-F238E27FC236}">
-                <a16:creationId xmlns:a16="http://schemas.microsoft.com/office/drawing/2014/main" id="{53726BC7-96DA-4708-9216-E4A2DD99CC49}"/>
+          <p:cNvPr id="2" name="사각형: 둥근 모서리 1">
+            <a:extLst>
+              <a:ext uri="{FF2B5EF4-FFF2-40B4-BE49-F238E27FC236}">
+                <a16:creationId xmlns:a16="http://schemas.microsoft.com/office/drawing/2014/main" id="{2A30C62C-3BAA-46A5-BAC0-5040654700F7}"/>
               </a:ext>
             </a:extLst>
           </p:cNvPr>
@@ -3759,8 +4360,8 @@
         </p:nvSpPr>
         <p:spPr>
           <a:xfrm>
-            <a:off x="1635369" y="1550377"/>
-            <a:ext cx="4457700" cy="2189284"/>
+            <a:off x="1723292" y="864577"/>
+            <a:ext cx="3956539" cy="2189284"/>
           </a:xfrm>
           <a:prstGeom prst="roundRect">
             <a:avLst/>
@@ -3793,57 +4394,59 @@
           </a:p>
         </p:txBody>
       </p:sp>
-      <p:cxnSp>
-        <p:nvCxnSpPr>
-          <p:cNvPr id="8" name="직선 화살표 연결선 7">
-            <a:extLst>
-              <a:ext uri="{FF2B5EF4-FFF2-40B4-BE49-F238E27FC236}">
-                <a16:creationId xmlns:a16="http://schemas.microsoft.com/office/drawing/2014/main" id="{03D2B898-0381-4E7A-8416-A3DBF8AD8661}"/>
-              </a:ext>
-            </a:extLst>
-          </p:cNvPr>
-          <p:cNvCxnSpPr>
-            <a:cxnSpLocks/>
-          </p:cNvCxnSpPr>
-          <p:nvPr/>
-        </p:nvCxnSpPr>
-        <p:spPr>
-          <a:xfrm>
-            <a:off x="6391274" y="2893666"/>
-            <a:ext cx="1422890" cy="0"/>
-          </a:xfrm>
-          <a:prstGeom prst="straightConnector1">
-            <a:avLst/>
-          </a:prstGeom>
-          <a:ln w="57150">
-            <a:solidFill>
-              <a:srgbClr val="2F528F"/>
-            </a:solidFill>
-            <a:headEnd type="triangle"/>
-            <a:tailEnd type="triangle"/>
-          </a:ln>
-        </p:spPr>
-        <p:style>
-          <a:lnRef idx="1">
-            <a:schemeClr val="accent1"/>
-          </a:lnRef>
-          <a:fillRef idx="0">
-            <a:schemeClr val="accent1"/>
-          </a:fillRef>
-          <a:effectRef idx="0">
-            <a:schemeClr val="accent1"/>
-          </a:effectRef>
-          <a:fontRef idx="minor">
-            <a:schemeClr val="tx1"/>
-          </a:fontRef>
-        </p:style>
-      </p:cxnSp>
-      <p:sp>
-        <p:nvSpPr>
-          <p:cNvPr id="13" name="사각형: 둥근 모서리 12">
-            <a:extLst>
-              <a:ext uri="{FF2B5EF4-FFF2-40B4-BE49-F238E27FC236}">
-                <a16:creationId xmlns:a16="http://schemas.microsoft.com/office/drawing/2014/main" id="{C241251C-3244-4078-9BEA-5F459A69BC39}"/>
+      <p:sp>
+        <p:nvSpPr>
+          <p:cNvPr id="5" name="TextBox 4">
+            <a:extLst>
+              <a:ext uri="{FF2B5EF4-FFF2-40B4-BE49-F238E27FC236}">
+                <a16:creationId xmlns:a16="http://schemas.microsoft.com/office/drawing/2014/main" id="{E38390C2-5590-4D98-936D-CAF87EBF7CBE}"/>
+              </a:ext>
+            </a:extLst>
+          </p:cNvPr>
+          <p:cNvSpPr txBox="1"/>
+          <p:nvPr/>
+        </p:nvSpPr>
+        <p:spPr>
+          <a:xfrm>
+            <a:off x="1875692" y="995484"/>
+            <a:ext cx="1310054" cy="710964"/>
+          </a:xfrm>
+          <a:prstGeom prst="rect">
+            <a:avLst/>
+          </a:prstGeom>
+          <a:noFill/>
+        </p:spPr>
+        <p:txBody>
+          <a:bodyPr wrap="square" rtlCol="0">
+            <a:spAutoFit/>
+          </a:bodyPr>
+          <a:lstStyle/>
+          <a:p>
+            <a:r>
+              <a:rPr lang="en-US" altLang="ko-KR" dirty="0"/>
+              <a:t>R </a:t>
+            </a:r>
+            <a:r>
+              <a:rPr lang="ko-KR" altLang="en-US" dirty="0"/>
+              <a:t>환경</a:t>
+            </a:r>
+            <a:endParaRPr lang="en-US" altLang="ko-KR" dirty="0"/>
+          </a:p>
+          <a:p>
+            <a:r>
+              <a:rPr lang="en-US" altLang="ko-KR" dirty="0"/>
+              <a:t>(Memory)</a:t>
+            </a:r>
+            <a:endParaRPr lang="ko-KR" altLang="en-US" dirty="0"/>
+          </a:p>
+        </p:txBody>
+      </p:sp>
+      <p:sp>
+        <p:nvSpPr>
+          <p:cNvPr id="16" name="원통형 15">
+            <a:extLst>
+              <a:ext uri="{FF2B5EF4-FFF2-40B4-BE49-F238E27FC236}">
+                <a16:creationId xmlns:a16="http://schemas.microsoft.com/office/drawing/2014/main" id="{6E05FB39-328A-468E-A01B-442EE255A607}"/>
               </a:ext>
             </a:extLst>
           </p:cNvPr>
@@ -3852,11 +4455,13 @@
         </p:nvSpPr>
         <p:spPr>
           <a:xfrm>
-            <a:off x="8064744" y="1549409"/>
-            <a:ext cx="1898406" cy="2190252"/>
-          </a:xfrm>
-          <a:prstGeom prst="roundRect">
-            <a:avLst/>
+            <a:off x="7842982" y="864577"/>
+            <a:ext cx="2146789" cy="2189284"/>
+          </a:xfrm>
+          <a:prstGeom prst="can">
+            <a:avLst>
+              <a:gd name="adj" fmla="val 14761"/>
+            </a:avLst>
           </a:prstGeom>
           <a:noFill/>
           <a:ln w="57150"/>
@@ -3881,116 +4486,41 @@
           <a:bodyPr rtlCol="0" anchor="ctr"/>
           <a:lstStyle/>
           <a:p>
-            <a:pPr algn="ctr"/>
-            <a:endParaRPr lang="ko-KR" altLang="en-US"/>
-          </a:p>
-        </p:txBody>
-      </p:sp>
-      <p:sp>
-        <p:nvSpPr>
-          <p:cNvPr id="15" name="TextBox 14">
-            <a:extLst>
-              <a:ext uri="{FF2B5EF4-FFF2-40B4-BE49-F238E27FC236}">
-                <a16:creationId xmlns:a16="http://schemas.microsoft.com/office/drawing/2014/main" id="{B33909CD-3BBE-4264-BC80-AAA0C065DA53}"/>
-              </a:ext>
-            </a:extLst>
-          </p:cNvPr>
-          <p:cNvSpPr txBox="1"/>
-          <p:nvPr/>
-        </p:nvSpPr>
-        <p:spPr>
-          <a:xfrm>
-            <a:off x="1787769" y="1681284"/>
-            <a:ext cx="1310054" cy="710964"/>
-          </a:xfrm>
-          <a:prstGeom prst="rect">
-            <a:avLst/>
+            <a:endParaRPr lang="ko-KR" altLang="en-US" sz="1400" dirty="0">
+              <a:solidFill>
+                <a:schemeClr val="tx1"/>
+              </a:solidFill>
+            </a:endParaRPr>
+          </a:p>
+        </p:txBody>
+      </p:sp>
+      <p:sp>
+        <p:nvSpPr>
+          <p:cNvPr id="20" name="설명선: 오른쪽 화살표 19">
+            <a:extLst>
+              <a:ext uri="{FF2B5EF4-FFF2-40B4-BE49-F238E27FC236}">
+                <a16:creationId xmlns:a16="http://schemas.microsoft.com/office/drawing/2014/main" id="{EBB3D7DD-C56C-4BF7-BD49-BDB73DA731C0}"/>
+              </a:ext>
+            </a:extLst>
+          </p:cNvPr>
+          <p:cNvSpPr/>
+          <p:nvPr/>
+        </p:nvSpPr>
+        <p:spPr>
+          <a:xfrm>
+            <a:off x="6006430" y="1408094"/>
+            <a:ext cx="1582737" cy="599440"/>
+          </a:xfrm>
+          <a:prstGeom prst="rightArrowCallout">
+            <a:avLst>
+              <a:gd name="adj1" fmla="val 25000"/>
+              <a:gd name="adj2" fmla="val 25000"/>
+              <a:gd name="adj3" fmla="val 25000"/>
+              <a:gd name="adj4" fmla="val 79773"/>
+            </a:avLst>
           </a:prstGeom>
           <a:noFill/>
-        </p:spPr>
-        <p:txBody>
-          <a:bodyPr wrap="square" rtlCol="0">
-            <a:spAutoFit/>
-          </a:bodyPr>
-          <a:lstStyle/>
-          <a:p>
-            <a:r>
-              <a:rPr lang="en-US" altLang="ko-KR" dirty="0"/>
-              <a:t>R </a:t>
-            </a:r>
-            <a:r>
-              <a:rPr lang="ko-KR" altLang="en-US" dirty="0"/>
-              <a:t>환경</a:t>
-            </a:r>
-            <a:endParaRPr lang="en-US" altLang="ko-KR" dirty="0"/>
-          </a:p>
-          <a:p>
-            <a:r>
-              <a:rPr lang="en-US" altLang="ko-KR" dirty="0"/>
-              <a:t>(Memory)</a:t>
-            </a:r>
-            <a:endParaRPr lang="ko-KR" altLang="en-US" dirty="0"/>
-          </a:p>
-        </p:txBody>
-      </p:sp>
-      <p:sp>
-        <p:nvSpPr>
-          <p:cNvPr id="16" name="TextBox 15">
-            <a:extLst>
-              <a:ext uri="{FF2B5EF4-FFF2-40B4-BE49-F238E27FC236}">
-                <a16:creationId xmlns:a16="http://schemas.microsoft.com/office/drawing/2014/main" id="{3A9FE08F-8627-4B17-B3AE-670D6D86AC50}"/>
-              </a:ext>
-            </a:extLst>
-          </p:cNvPr>
-          <p:cNvSpPr txBox="1"/>
-          <p:nvPr/>
-        </p:nvSpPr>
-        <p:spPr>
-          <a:xfrm>
-            <a:off x="8159994" y="1667434"/>
-            <a:ext cx="1310054" cy="369332"/>
-          </a:xfrm>
-          <a:prstGeom prst="rect">
-            <a:avLst/>
-          </a:prstGeom>
-          <a:noFill/>
-        </p:spPr>
-        <p:txBody>
-          <a:bodyPr wrap="square" rtlCol="0">
-            <a:spAutoFit/>
-          </a:bodyPr>
-          <a:lstStyle/>
-          <a:p>
-            <a:r>
-              <a:rPr lang="en-US" altLang="ko-KR" dirty="0"/>
-              <a:t>Files</a:t>
-            </a:r>
-            <a:endParaRPr lang="ko-KR" altLang="en-US" dirty="0"/>
-          </a:p>
-        </p:txBody>
-      </p:sp>
-      <p:sp>
-        <p:nvSpPr>
-          <p:cNvPr id="18" name="타원 17">
-            <a:extLst>
-              <a:ext uri="{FF2B5EF4-FFF2-40B4-BE49-F238E27FC236}">
-                <a16:creationId xmlns:a16="http://schemas.microsoft.com/office/drawing/2014/main" id="{D4FA43CA-AB09-4C4E-A158-88CE20D3D44B}"/>
-              </a:ext>
-            </a:extLst>
-          </p:cNvPr>
-          <p:cNvSpPr/>
-          <p:nvPr/>
-        </p:nvSpPr>
-        <p:spPr>
-          <a:xfrm>
-            <a:off x="3368494" y="2127395"/>
-            <a:ext cx="961042" cy="961042"/>
-          </a:xfrm>
-          <a:prstGeom prst="ellipse">
-            <a:avLst/>
-          </a:prstGeom>
-          <a:noFill/>
-          <a:ln w="28575"/>
+          <a:ln w="57150"/>
         </p:spPr>
         <p:style>
           <a:lnRef idx="2">
@@ -4017,136 +4547,12 @@
           </a:p>
         </p:txBody>
       </p:sp>
-      <p:cxnSp>
-        <p:nvCxnSpPr>
-          <p:cNvPr id="19" name="직선 연결선 18">
-            <a:extLst>
-              <a:ext uri="{FF2B5EF4-FFF2-40B4-BE49-F238E27FC236}">
-                <a16:creationId xmlns:a16="http://schemas.microsoft.com/office/drawing/2014/main" id="{A38D575A-FC55-4BC0-82C8-A8DEAA310C9E}"/>
-              </a:ext>
-            </a:extLst>
-          </p:cNvPr>
-          <p:cNvCxnSpPr>
-            <a:cxnSpLocks/>
-          </p:cNvCxnSpPr>
-          <p:nvPr/>
-        </p:nvCxnSpPr>
-        <p:spPr>
-          <a:xfrm flipV="1">
-            <a:off x="4299053" y="2673723"/>
-            <a:ext cx="30483" cy="95079"/>
-          </a:xfrm>
-          <a:prstGeom prst="line">
-            <a:avLst/>
-          </a:prstGeom>
-          <a:ln w="19050">
-            <a:solidFill>
-              <a:srgbClr val="2F528F"/>
-            </a:solidFill>
-            <a:prstDash val="solid"/>
-            <a:miter lim="800000"/>
-            <a:tailEnd type="triangle" w="lg" len="lg"/>
-          </a:ln>
-        </p:spPr>
-        <p:style>
-          <a:lnRef idx="1">
-            <a:schemeClr val="accent1"/>
-          </a:lnRef>
-          <a:fillRef idx="0">
-            <a:schemeClr val="accent1"/>
-          </a:fillRef>
-          <a:effectRef idx="0">
-            <a:schemeClr val="accent1"/>
-          </a:effectRef>
-          <a:fontRef idx="minor">
-            <a:schemeClr val="tx1"/>
-          </a:fontRef>
-        </p:style>
-      </p:cxnSp>
-      <p:sp>
-        <p:nvSpPr>
-          <p:cNvPr id="20" name="TextBox 19">
-            <a:extLst>
-              <a:ext uri="{FF2B5EF4-FFF2-40B4-BE49-F238E27FC236}">
-                <a16:creationId xmlns:a16="http://schemas.microsoft.com/office/drawing/2014/main" id="{91A6FA9A-A559-4F0D-8751-92385081FED9}"/>
-              </a:ext>
-            </a:extLst>
-          </p:cNvPr>
-          <p:cNvSpPr txBox="1"/>
-          <p:nvPr/>
-        </p:nvSpPr>
-        <p:spPr>
-          <a:xfrm>
-            <a:off x="4409225" y="2284750"/>
-            <a:ext cx="1413172" cy="646331"/>
-          </a:xfrm>
-          <a:prstGeom prst="rect">
-            <a:avLst/>
-          </a:prstGeom>
-          <a:noFill/>
-        </p:spPr>
-        <p:txBody>
-          <a:bodyPr wrap="square" rtlCol="0">
-            <a:spAutoFit/>
-          </a:bodyPr>
-          <a:lstStyle/>
-          <a:p>
-            <a:r>
-              <a:rPr lang="en-US" altLang="ko-KR" dirty="0"/>
-              <a:t>Data</a:t>
-            </a:r>
-          </a:p>
-          <a:p>
-            <a:r>
-              <a:rPr lang="en-US" altLang="ko-KR" dirty="0"/>
-              <a:t>Handling</a:t>
-            </a:r>
-            <a:endParaRPr lang="ko-KR" altLang="en-US" dirty="0"/>
-          </a:p>
-        </p:txBody>
-      </p:sp>
-      <p:sp>
-        <p:nvSpPr>
-          <p:cNvPr id="21" name="TextBox 20">
-            <a:extLst>
-              <a:ext uri="{FF2B5EF4-FFF2-40B4-BE49-F238E27FC236}">
-                <a16:creationId xmlns:a16="http://schemas.microsoft.com/office/drawing/2014/main" id="{93087281-0837-47D9-818D-F32941FC88A2}"/>
-              </a:ext>
-            </a:extLst>
-          </p:cNvPr>
-          <p:cNvSpPr txBox="1"/>
-          <p:nvPr/>
-        </p:nvSpPr>
-        <p:spPr>
-          <a:xfrm>
-            <a:off x="6484018" y="2385834"/>
-            <a:ext cx="1310054" cy="369332"/>
-          </a:xfrm>
-          <a:prstGeom prst="rect">
-            <a:avLst/>
-          </a:prstGeom>
-          <a:noFill/>
-        </p:spPr>
-        <p:txBody>
-          <a:bodyPr wrap="square" rtlCol="0">
-            <a:spAutoFit/>
-          </a:bodyPr>
-          <a:lstStyle/>
-          <a:p>
-            <a:r>
-              <a:rPr lang="en-US" altLang="ko-KR" dirty="0"/>
-              <a:t>File In/Out</a:t>
-            </a:r>
-            <a:endParaRPr lang="ko-KR" altLang="en-US" dirty="0"/>
-          </a:p>
-        </p:txBody>
-      </p:sp>
-      <p:sp>
-        <p:nvSpPr>
-          <p:cNvPr id="29" name="사각형: 잘린 한쪽 모서리 28">
-            <a:extLst>
-              <a:ext uri="{FF2B5EF4-FFF2-40B4-BE49-F238E27FC236}">
-                <a16:creationId xmlns:a16="http://schemas.microsoft.com/office/drawing/2014/main" id="{D58D0A4E-26D8-46E1-819D-69453E90C223}"/>
+      <p:sp>
+        <p:nvSpPr>
+          <p:cNvPr id="21" name="사각형: 잘린 한쪽 모서리 20">
+            <a:extLst>
+              <a:ext uri="{FF2B5EF4-FFF2-40B4-BE49-F238E27FC236}">
+                <a16:creationId xmlns:a16="http://schemas.microsoft.com/office/drawing/2014/main" id="{016620BE-0843-411F-A01B-9D02F712DD02}"/>
               </a:ext>
             </a:extLst>
           </p:cNvPr>
@@ -4155,12 +4561,12 @@
         </p:nvSpPr>
         <p:spPr>
           <a:xfrm>
-            <a:off x="8231037" y="2175450"/>
-            <a:ext cx="1064660" cy="498273"/>
+            <a:off x="3667554" y="1408094"/>
+            <a:ext cx="1292469" cy="599440"/>
           </a:xfrm>
           <a:prstGeom prst="snip1Rect">
             <a:avLst>
-              <a:gd name="adj" fmla="val 31929"/>
+              <a:gd name="adj" fmla="val 19021"/>
             </a:avLst>
           </a:prstGeom>
           <a:noFill/>
@@ -4193,10 +4599,10 @@
       </p:sp>
       <p:sp>
         <p:nvSpPr>
-          <p:cNvPr id="31" name="TextBox 30">
-            <a:extLst>
-              <a:ext uri="{FF2B5EF4-FFF2-40B4-BE49-F238E27FC236}">
-                <a16:creationId xmlns:a16="http://schemas.microsoft.com/office/drawing/2014/main" id="{711A09FB-6D1E-4930-B14D-41B8C50B2C17}"/>
+          <p:cNvPr id="28" name="TextBox 27">
+            <a:extLst>
+              <a:ext uri="{FF2B5EF4-FFF2-40B4-BE49-F238E27FC236}">
+                <a16:creationId xmlns:a16="http://schemas.microsoft.com/office/drawing/2014/main" id="{CAC6128B-3FA8-4F3B-8D42-D90959636F41}"/>
               </a:ext>
             </a:extLst>
           </p:cNvPr>
@@ -4205,7 +4611,7 @@
         </p:nvSpPr>
         <p:spPr>
           <a:xfrm>
-            <a:off x="8262922" y="2207582"/>
+            <a:off x="6006430" y="1523147"/>
             <a:ext cx="1310054" cy="369332"/>
           </a:xfrm>
           <a:prstGeom prst="rect">
@@ -4220,8 +4626,12 @@
           <a:lstStyle/>
           <a:p>
             <a:r>
+              <a:rPr lang="en-US" altLang="ko-KR" dirty="0" err="1"/>
+              <a:t>DBdriver</a:t>
+            </a:r>
+            <a:r>
               <a:rPr lang="en-US" altLang="ko-KR" dirty="0"/>
-              <a:t>csv</a:t>
+              <a:t>()</a:t>
             </a:r>
             <a:endParaRPr lang="ko-KR" altLang="en-US" dirty="0"/>
           </a:p>
@@ -4229,10 +4639,46 @@
       </p:sp>
       <p:sp>
         <p:nvSpPr>
-          <p:cNvPr id="32" name="사각형: 잘린 한쪽 모서리 31">
-            <a:extLst>
-              <a:ext uri="{FF2B5EF4-FFF2-40B4-BE49-F238E27FC236}">
-                <a16:creationId xmlns:a16="http://schemas.microsoft.com/office/drawing/2014/main" id="{9215F82E-FEC4-467C-903F-F6A63CE18998}"/>
+          <p:cNvPr id="29" name="TextBox 28">
+            <a:extLst>
+              <a:ext uri="{FF2B5EF4-FFF2-40B4-BE49-F238E27FC236}">
+                <a16:creationId xmlns:a16="http://schemas.microsoft.com/office/drawing/2014/main" id="{A4893E00-6527-45CD-B6C6-F5C64589D12E}"/>
+              </a:ext>
+            </a:extLst>
+          </p:cNvPr>
+          <p:cNvSpPr txBox="1"/>
+          <p:nvPr/>
+        </p:nvSpPr>
+        <p:spPr>
+          <a:xfrm>
+            <a:off x="3819954" y="1523147"/>
+            <a:ext cx="1310054" cy="369332"/>
+          </a:xfrm>
+          <a:prstGeom prst="rect">
+            <a:avLst/>
+          </a:prstGeom>
+          <a:noFill/>
+        </p:spPr>
+        <p:txBody>
+          <a:bodyPr wrap="square" rtlCol="0">
+            <a:spAutoFit/>
+          </a:bodyPr>
+          <a:lstStyle/>
+          <a:p>
+            <a:r>
+              <a:rPr lang="en-US" altLang="ko-KR" dirty="0"/>
+              <a:t>DBI</a:t>
+            </a:r>
+            <a:endParaRPr lang="ko-KR" altLang="en-US" dirty="0"/>
+          </a:p>
+        </p:txBody>
+      </p:sp>
+      <p:sp>
+        <p:nvSpPr>
+          <p:cNvPr id="32" name="직사각형 31">
+            <a:extLst>
+              <a:ext uri="{FF2B5EF4-FFF2-40B4-BE49-F238E27FC236}">
+                <a16:creationId xmlns:a16="http://schemas.microsoft.com/office/drawing/2014/main" id="{254F6935-1F2F-40CB-87C1-54DCFE1726E8}"/>
               </a:ext>
             </a:extLst>
           </p:cNvPr>
@@ -4241,13 +4687,11 @@
         </p:nvSpPr>
         <p:spPr>
           <a:xfrm>
-            <a:off x="8231037" y="2812407"/>
-            <a:ext cx="1064660" cy="498273"/>
-          </a:xfrm>
-          <a:prstGeom prst="snip1Rect">
-            <a:avLst>
-              <a:gd name="adj" fmla="val 31929"/>
-            </a:avLst>
+            <a:off x="7984391" y="1408093"/>
+            <a:ext cx="1827824" cy="528397"/>
+          </a:xfrm>
+          <a:prstGeom prst="rect">
+            <a:avLst/>
           </a:prstGeom>
           <a:noFill/>
           <a:ln w="57150"/>
@@ -4272,86 +4716,614 @@
           <a:bodyPr rtlCol="0" anchor="ctr"/>
           <a:lstStyle/>
           <a:p>
-            <a:pPr algn="ctr"/>
-            <a:endParaRPr lang="ko-KR" altLang="en-US" sz="1400"/>
-          </a:p>
-        </p:txBody>
-      </p:sp>
-      <p:sp>
-        <p:nvSpPr>
-          <p:cNvPr id="33" name="TextBox 32">
-            <a:extLst>
-              <a:ext uri="{FF2B5EF4-FFF2-40B4-BE49-F238E27FC236}">
-                <a16:creationId xmlns:a16="http://schemas.microsoft.com/office/drawing/2014/main" id="{91A2517B-6DEA-495B-8351-2F23CCD96324}"/>
-              </a:ext>
-            </a:extLst>
-          </p:cNvPr>
-          <p:cNvSpPr txBox="1"/>
-          <p:nvPr/>
-        </p:nvSpPr>
-        <p:spPr>
-          <a:xfrm>
-            <a:off x="8265472" y="2844539"/>
-            <a:ext cx="1310054" cy="369332"/>
+            <a:r>
+              <a:rPr lang="en-US" altLang="ko-KR" dirty="0">
+                <a:solidFill>
+                  <a:schemeClr val="tx1"/>
+                </a:solidFill>
+              </a:rPr>
+              <a:t> DBMS</a:t>
+            </a:r>
+            <a:endParaRPr lang="ko-KR" altLang="en-US" dirty="0">
+              <a:solidFill>
+                <a:schemeClr val="tx1"/>
+              </a:solidFill>
+            </a:endParaRPr>
+          </a:p>
+        </p:txBody>
+      </p:sp>
+      <p:grpSp>
+        <p:nvGrpSpPr>
+          <p:cNvPr id="44" name="그룹 43">
+            <a:extLst>
+              <a:ext uri="{FF2B5EF4-FFF2-40B4-BE49-F238E27FC236}">
+                <a16:creationId xmlns:a16="http://schemas.microsoft.com/office/drawing/2014/main" id="{2154F81B-744A-4AEA-B988-22524AE8D524}"/>
+              </a:ext>
+            </a:extLst>
+          </p:cNvPr>
+          <p:cNvGrpSpPr/>
+          <p:nvPr/>
+        </p:nvGrpSpPr>
+        <p:grpSpPr>
+          <a:xfrm>
+            <a:off x="8060762" y="2098699"/>
+            <a:ext cx="751406" cy="687198"/>
+            <a:chOff x="8618434" y="1792808"/>
+            <a:chExt cx="751406" cy="687198"/>
+          </a:xfrm>
+        </p:grpSpPr>
+        <p:sp>
+          <p:nvSpPr>
+            <p:cNvPr id="35" name="사각형: 잘린 한쪽 모서리 34">
+              <a:extLst>
+                <a:ext uri="{FF2B5EF4-FFF2-40B4-BE49-F238E27FC236}">
+                  <a16:creationId xmlns:a16="http://schemas.microsoft.com/office/drawing/2014/main" id="{998882CD-87B0-4A4E-B77B-2E2DD706E555}"/>
+                </a:ext>
+              </a:extLst>
+            </p:cNvPr>
+            <p:cNvSpPr/>
+            <p:nvPr/>
+          </p:nvSpPr>
+          <p:spPr>
+            <a:xfrm>
+              <a:off x="8618434" y="1792808"/>
+              <a:ext cx="751406" cy="687198"/>
+            </a:xfrm>
+            <a:prstGeom prst="snip1Rect">
+              <a:avLst>
+                <a:gd name="adj" fmla="val 31929"/>
+              </a:avLst>
+            </a:prstGeom>
+            <a:noFill/>
+            <a:ln w="57150"/>
+          </p:spPr>
+          <p:style>
+            <a:lnRef idx="2">
+              <a:schemeClr val="accent1">
+                <a:shade val="50000"/>
+              </a:schemeClr>
+            </a:lnRef>
+            <a:fillRef idx="1">
+              <a:schemeClr val="accent1"/>
+            </a:fillRef>
+            <a:effectRef idx="0">
+              <a:schemeClr val="accent1"/>
+            </a:effectRef>
+            <a:fontRef idx="minor">
+              <a:schemeClr val="lt1"/>
+            </a:fontRef>
+          </p:style>
+          <p:txBody>
+            <a:bodyPr rtlCol="0" anchor="ctr"/>
+            <a:lstStyle/>
+            <a:p>
+              <a:pPr algn="ctr"/>
+              <a:endParaRPr lang="ko-KR" altLang="en-US" sz="1400"/>
+            </a:p>
+          </p:txBody>
+        </p:sp>
+        <p:sp>
+          <p:nvSpPr>
+            <p:cNvPr id="36" name="직사각형 35">
+              <a:extLst>
+                <a:ext uri="{FF2B5EF4-FFF2-40B4-BE49-F238E27FC236}">
+                  <a16:creationId xmlns:a16="http://schemas.microsoft.com/office/drawing/2014/main" id="{F853047F-6ECB-4D65-B2F9-7CD90B849BD8}"/>
+                </a:ext>
+              </a:extLst>
+            </p:cNvPr>
+            <p:cNvSpPr/>
+            <p:nvPr/>
+          </p:nvSpPr>
+          <p:spPr>
+            <a:xfrm>
+              <a:off x="8717912" y="2091952"/>
+              <a:ext cx="276225" cy="142875"/>
+            </a:xfrm>
+            <a:prstGeom prst="rect">
+              <a:avLst/>
+            </a:prstGeom>
+            <a:noFill/>
+            <a:ln w="57150">
+              <a:solidFill>
+                <a:srgbClr val="2F528F"/>
+              </a:solidFill>
+            </a:ln>
+          </p:spPr>
+          <p:style>
+            <a:lnRef idx="2">
+              <a:schemeClr val="accent1">
+                <a:shade val="50000"/>
+              </a:schemeClr>
+            </a:lnRef>
+            <a:fillRef idx="1">
+              <a:schemeClr val="accent1"/>
+            </a:fillRef>
+            <a:effectRef idx="0">
+              <a:schemeClr val="accent1"/>
+            </a:effectRef>
+            <a:fontRef idx="minor">
+              <a:schemeClr val="lt1"/>
+            </a:fontRef>
+          </p:style>
+          <p:txBody>
+            <a:bodyPr rtlCol="0" anchor="ctr"/>
+            <a:lstStyle/>
+            <a:p>
+              <a:pPr algn="ctr"/>
+              <a:endParaRPr lang="ko-KR" altLang="en-US"/>
+            </a:p>
+          </p:txBody>
+        </p:sp>
+        <p:sp>
+          <p:nvSpPr>
+            <p:cNvPr id="37" name="직사각형 36">
+              <a:extLst>
+                <a:ext uri="{FF2B5EF4-FFF2-40B4-BE49-F238E27FC236}">
+                  <a16:creationId xmlns:a16="http://schemas.microsoft.com/office/drawing/2014/main" id="{6436D2C9-3D31-43E8-A4AA-59A821EC1903}"/>
+                </a:ext>
+              </a:extLst>
+            </p:cNvPr>
+            <p:cNvSpPr/>
+            <p:nvPr/>
+          </p:nvSpPr>
+          <p:spPr>
+            <a:xfrm>
+              <a:off x="8994137" y="2091952"/>
+              <a:ext cx="276225" cy="142875"/>
+            </a:xfrm>
+            <a:prstGeom prst="rect">
+              <a:avLst/>
+            </a:prstGeom>
+            <a:noFill/>
+            <a:ln w="57150">
+              <a:solidFill>
+                <a:srgbClr val="2F528F"/>
+              </a:solidFill>
+            </a:ln>
+          </p:spPr>
+          <p:style>
+            <a:lnRef idx="2">
+              <a:schemeClr val="accent1">
+                <a:shade val="50000"/>
+              </a:schemeClr>
+            </a:lnRef>
+            <a:fillRef idx="1">
+              <a:schemeClr val="accent1"/>
+            </a:fillRef>
+            <a:effectRef idx="0">
+              <a:schemeClr val="accent1"/>
+            </a:effectRef>
+            <a:fontRef idx="minor">
+              <a:schemeClr val="lt1"/>
+            </a:fontRef>
+          </p:style>
+          <p:txBody>
+            <a:bodyPr rtlCol="0" anchor="ctr"/>
+            <a:lstStyle/>
+            <a:p>
+              <a:pPr algn="ctr"/>
+              <a:endParaRPr lang="ko-KR" altLang="en-US"/>
+            </a:p>
+          </p:txBody>
+        </p:sp>
+        <p:sp>
+          <p:nvSpPr>
+            <p:cNvPr id="38" name="직사각형 37">
+              <a:extLst>
+                <a:ext uri="{FF2B5EF4-FFF2-40B4-BE49-F238E27FC236}">
+                  <a16:creationId xmlns:a16="http://schemas.microsoft.com/office/drawing/2014/main" id="{DC9F98E3-7D7D-4B94-B76A-02DE3242906A}"/>
+                </a:ext>
+              </a:extLst>
+            </p:cNvPr>
+            <p:cNvSpPr/>
+            <p:nvPr/>
+          </p:nvSpPr>
+          <p:spPr>
+            <a:xfrm>
+              <a:off x="8717912" y="2234827"/>
+              <a:ext cx="276225" cy="142875"/>
+            </a:xfrm>
+            <a:prstGeom prst="rect">
+              <a:avLst/>
+            </a:prstGeom>
+            <a:noFill/>
+            <a:ln w="57150">
+              <a:solidFill>
+                <a:srgbClr val="2F528F"/>
+              </a:solidFill>
+            </a:ln>
+          </p:spPr>
+          <p:style>
+            <a:lnRef idx="2">
+              <a:schemeClr val="accent1">
+                <a:shade val="50000"/>
+              </a:schemeClr>
+            </a:lnRef>
+            <a:fillRef idx="1">
+              <a:schemeClr val="accent1"/>
+            </a:fillRef>
+            <a:effectRef idx="0">
+              <a:schemeClr val="accent1"/>
+            </a:effectRef>
+            <a:fontRef idx="minor">
+              <a:schemeClr val="lt1"/>
+            </a:fontRef>
+          </p:style>
+          <p:txBody>
+            <a:bodyPr rtlCol="0" anchor="ctr"/>
+            <a:lstStyle/>
+            <a:p>
+              <a:pPr algn="ctr"/>
+              <a:endParaRPr lang="ko-KR" altLang="en-US"/>
+            </a:p>
+          </p:txBody>
+        </p:sp>
+        <p:sp>
+          <p:nvSpPr>
+            <p:cNvPr id="39" name="직사각형 38">
+              <a:extLst>
+                <a:ext uri="{FF2B5EF4-FFF2-40B4-BE49-F238E27FC236}">
+                  <a16:creationId xmlns:a16="http://schemas.microsoft.com/office/drawing/2014/main" id="{582F9B91-8B8D-4C35-8CFD-0BFD58E9DA84}"/>
+                </a:ext>
+              </a:extLst>
+            </p:cNvPr>
+            <p:cNvSpPr/>
+            <p:nvPr/>
+          </p:nvSpPr>
+          <p:spPr>
+            <a:xfrm>
+              <a:off x="8994137" y="2234827"/>
+              <a:ext cx="276225" cy="142875"/>
+            </a:xfrm>
+            <a:prstGeom prst="rect">
+              <a:avLst/>
+            </a:prstGeom>
+            <a:noFill/>
+            <a:ln w="57150">
+              <a:solidFill>
+                <a:srgbClr val="2F528F"/>
+              </a:solidFill>
+            </a:ln>
+          </p:spPr>
+          <p:style>
+            <a:lnRef idx="2">
+              <a:schemeClr val="accent1">
+                <a:shade val="50000"/>
+              </a:schemeClr>
+            </a:lnRef>
+            <a:fillRef idx="1">
+              <a:schemeClr val="accent1"/>
+            </a:fillRef>
+            <a:effectRef idx="0">
+              <a:schemeClr val="accent1"/>
+            </a:effectRef>
+            <a:fontRef idx="minor">
+              <a:schemeClr val="lt1"/>
+            </a:fontRef>
+          </p:style>
+          <p:txBody>
+            <a:bodyPr rtlCol="0" anchor="ctr"/>
+            <a:lstStyle/>
+            <a:p>
+              <a:pPr algn="ctr"/>
+              <a:endParaRPr lang="ko-KR" altLang="en-US"/>
+            </a:p>
+          </p:txBody>
+        </p:sp>
+      </p:grpSp>
+      <p:grpSp>
+        <p:nvGrpSpPr>
+          <p:cNvPr id="45" name="그룹 44">
+            <a:extLst>
+              <a:ext uri="{FF2B5EF4-FFF2-40B4-BE49-F238E27FC236}">
+                <a16:creationId xmlns:a16="http://schemas.microsoft.com/office/drawing/2014/main" id="{C331AA1C-F30D-425B-A2D8-1AFFC553247A}"/>
+              </a:ext>
+            </a:extLst>
+          </p:cNvPr>
+          <p:cNvGrpSpPr/>
+          <p:nvPr/>
+        </p:nvGrpSpPr>
+        <p:grpSpPr>
+          <a:xfrm>
+            <a:off x="8989891" y="2113868"/>
+            <a:ext cx="751406" cy="687198"/>
+            <a:chOff x="8618434" y="1792808"/>
+            <a:chExt cx="751406" cy="687198"/>
+          </a:xfrm>
+        </p:grpSpPr>
+        <p:sp>
+          <p:nvSpPr>
+            <p:cNvPr id="46" name="사각형: 잘린 한쪽 모서리 45">
+              <a:extLst>
+                <a:ext uri="{FF2B5EF4-FFF2-40B4-BE49-F238E27FC236}">
+                  <a16:creationId xmlns:a16="http://schemas.microsoft.com/office/drawing/2014/main" id="{C8248D21-6D23-4388-A44D-F36ED6A9642E}"/>
+                </a:ext>
+              </a:extLst>
+            </p:cNvPr>
+            <p:cNvSpPr/>
+            <p:nvPr/>
+          </p:nvSpPr>
+          <p:spPr>
+            <a:xfrm>
+              <a:off x="8618434" y="1792808"/>
+              <a:ext cx="751406" cy="687198"/>
+            </a:xfrm>
+            <a:prstGeom prst="snip1Rect">
+              <a:avLst>
+                <a:gd name="adj" fmla="val 31929"/>
+              </a:avLst>
+            </a:prstGeom>
+            <a:noFill/>
+            <a:ln w="57150"/>
+          </p:spPr>
+          <p:style>
+            <a:lnRef idx="2">
+              <a:schemeClr val="accent1">
+                <a:shade val="50000"/>
+              </a:schemeClr>
+            </a:lnRef>
+            <a:fillRef idx="1">
+              <a:schemeClr val="accent1"/>
+            </a:fillRef>
+            <a:effectRef idx="0">
+              <a:schemeClr val="accent1"/>
+            </a:effectRef>
+            <a:fontRef idx="minor">
+              <a:schemeClr val="lt1"/>
+            </a:fontRef>
+          </p:style>
+          <p:txBody>
+            <a:bodyPr rtlCol="0" anchor="ctr"/>
+            <a:lstStyle/>
+            <a:p>
+              <a:pPr algn="ctr"/>
+              <a:endParaRPr lang="ko-KR" altLang="en-US" sz="1400"/>
+            </a:p>
+          </p:txBody>
+        </p:sp>
+        <p:sp>
+          <p:nvSpPr>
+            <p:cNvPr id="47" name="직사각형 46">
+              <a:extLst>
+                <a:ext uri="{FF2B5EF4-FFF2-40B4-BE49-F238E27FC236}">
+                  <a16:creationId xmlns:a16="http://schemas.microsoft.com/office/drawing/2014/main" id="{A3710F3C-CCB1-41F3-96A4-E9F77130FDAC}"/>
+                </a:ext>
+              </a:extLst>
+            </p:cNvPr>
+            <p:cNvSpPr/>
+            <p:nvPr/>
+          </p:nvSpPr>
+          <p:spPr>
+            <a:xfrm>
+              <a:off x="8717912" y="2091952"/>
+              <a:ext cx="276225" cy="142875"/>
+            </a:xfrm>
+            <a:prstGeom prst="rect">
+              <a:avLst/>
+            </a:prstGeom>
+            <a:noFill/>
+            <a:ln w="57150">
+              <a:solidFill>
+                <a:srgbClr val="2F528F"/>
+              </a:solidFill>
+            </a:ln>
+          </p:spPr>
+          <p:style>
+            <a:lnRef idx="2">
+              <a:schemeClr val="accent1">
+                <a:shade val="50000"/>
+              </a:schemeClr>
+            </a:lnRef>
+            <a:fillRef idx="1">
+              <a:schemeClr val="accent1"/>
+            </a:fillRef>
+            <a:effectRef idx="0">
+              <a:schemeClr val="accent1"/>
+            </a:effectRef>
+            <a:fontRef idx="minor">
+              <a:schemeClr val="lt1"/>
+            </a:fontRef>
+          </p:style>
+          <p:txBody>
+            <a:bodyPr rtlCol="0" anchor="ctr"/>
+            <a:lstStyle/>
+            <a:p>
+              <a:pPr algn="ctr"/>
+              <a:endParaRPr lang="ko-KR" altLang="en-US"/>
+            </a:p>
+          </p:txBody>
+        </p:sp>
+        <p:sp>
+          <p:nvSpPr>
+            <p:cNvPr id="48" name="직사각형 47">
+              <a:extLst>
+                <a:ext uri="{FF2B5EF4-FFF2-40B4-BE49-F238E27FC236}">
+                  <a16:creationId xmlns:a16="http://schemas.microsoft.com/office/drawing/2014/main" id="{4C0994B9-E8F8-4205-A14B-424CECAD3BC3}"/>
+                </a:ext>
+              </a:extLst>
+            </p:cNvPr>
+            <p:cNvSpPr/>
+            <p:nvPr/>
+          </p:nvSpPr>
+          <p:spPr>
+            <a:xfrm>
+              <a:off x="8994137" y="2091952"/>
+              <a:ext cx="276225" cy="142875"/>
+            </a:xfrm>
+            <a:prstGeom prst="rect">
+              <a:avLst/>
+            </a:prstGeom>
+            <a:noFill/>
+            <a:ln w="57150">
+              <a:solidFill>
+                <a:srgbClr val="2F528F"/>
+              </a:solidFill>
+            </a:ln>
+          </p:spPr>
+          <p:style>
+            <a:lnRef idx="2">
+              <a:schemeClr val="accent1">
+                <a:shade val="50000"/>
+              </a:schemeClr>
+            </a:lnRef>
+            <a:fillRef idx="1">
+              <a:schemeClr val="accent1"/>
+            </a:fillRef>
+            <a:effectRef idx="0">
+              <a:schemeClr val="accent1"/>
+            </a:effectRef>
+            <a:fontRef idx="minor">
+              <a:schemeClr val="lt1"/>
+            </a:fontRef>
+          </p:style>
+          <p:txBody>
+            <a:bodyPr rtlCol="0" anchor="ctr"/>
+            <a:lstStyle/>
+            <a:p>
+              <a:pPr algn="ctr"/>
+              <a:endParaRPr lang="ko-KR" altLang="en-US"/>
+            </a:p>
+          </p:txBody>
+        </p:sp>
+        <p:sp>
+          <p:nvSpPr>
+            <p:cNvPr id="49" name="직사각형 48">
+              <a:extLst>
+                <a:ext uri="{FF2B5EF4-FFF2-40B4-BE49-F238E27FC236}">
+                  <a16:creationId xmlns:a16="http://schemas.microsoft.com/office/drawing/2014/main" id="{DE464742-4C73-4DE5-B390-D863DEF93A00}"/>
+                </a:ext>
+              </a:extLst>
+            </p:cNvPr>
+            <p:cNvSpPr/>
+            <p:nvPr/>
+          </p:nvSpPr>
+          <p:spPr>
+            <a:xfrm>
+              <a:off x="8717912" y="2234827"/>
+              <a:ext cx="276225" cy="142875"/>
+            </a:xfrm>
+            <a:prstGeom prst="rect">
+              <a:avLst/>
+            </a:prstGeom>
+            <a:noFill/>
+            <a:ln w="57150">
+              <a:solidFill>
+                <a:srgbClr val="2F528F"/>
+              </a:solidFill>
+            </a:ln>
+          </p:spPr>
+          <p:style>
+            <a:lnRef idx="2">
+              <a:schemeClr val="accent1">
+                <a:shade val="50000"/>
+              </a:schemeClr>
+            </a:lnRef>
+            <a:fillRef idx="1">
+              <a:schemeClr val="accent1"/>
+            </a:fillRef>
+            <a:effectRef idx="0">
+              <a:schemeClr val="accent1"/>
+            </a:effectRef>
+            <a:fontRef idx="minor">
+              <a:schemeClr val="lt1"/>
+            </a:fontRef>
+          </p:style>
+          <p:txBody>
+            <a:bodyPr rtlCol="0" anchor="ctr"/>
+            <a:lstStyle/>
+            <a:p>
+              <a:pPr algn="ctr"/>
+              <a:endParaRPr lang="ko-KR" altLang="en-US"/>
+            </a:p>
+          </p:txBody>
+        </p:sp>
+        <p:sp>
+          <p:nvSpPr>
+            <p:cNvPr id="50" name="직사각형 49">
+              <a:extLst>
+                <a:ext uri="{FF2B5EF4-FFF2-40B4-BE49-F238E27FC236}">
+                  <a16:creationId xmlns:a16="http://schemas.microsoft.com/office/drawing/2014/main" id="{FB661033-3451-48D5-BD1C-F44A5FB83DC7}"/>
+                </a:ext>
+              </a:extLst>
+            </p:cNvPr>
+            <p:cNvSpPr/>
+            <p:nvPr/>
+          </p:nvSpPr>
+          <p:spPr>
+            <a:xfrm>
+              <a:off x="8994137" y="2234827"/>
+              <a:ext cx="276225" cy="142875"/>
+            </a:xfrm>
+            <a:prstGeom prst="rect">
+              <a:avLst/>
+            </a:prstGeom>
+            <a:noFill/>
+            <a:ln w="57150">
+              <a:solidFill>
+                <a:srgbClr val="2F528F"/>
+              </a:solidFill>
+            </a:ln>
+          </p:spPr>
+          <p:style>
+            <a:lnRef idx="2">
+              <a:schemeClr val="accent1">
+                <a:shade val="50000"/>
+              </a:schemeClr>
+            </a:lnRef>
+            <a:fillRef idx="1">
+              <a:schemeClr val="accent1"/>
+            </a:fillRef>
+            <a:effectRef idx="0">
+              <a:schemeClr val="accent1"/>
+            </a:effectRef>
+            <a:fontRef idx="minor">
+              <a:schemeClr val="lt1"/>
+            </a:fontRef>
+          </p:style>
+          <p:txBody>
+            <a:bodyPr rtlCol="0" anchor="ctr"/>
+            <a:lstStyle/>
+            <a:p>
+              <a:pPr algn="ctr"/>
+              <a:endParaRPr lang="ko-KR" altLang="en-US"/>
+            </a:p>
+          </p:txBody>
+        </p:sp>
+      </p:grpSp>
+      <p:pic>
+        <p:nvPicPr>
+          <p:cNvPr id="51" name="그림 50">
+            <a:extLst>
+              <a:ext uri="{FF2B5EF4-FFF2-40B4-BE49-F238E27FC236}">
+                <a16:creationId xmlns:a16="http://schemas.microsoft.com/office/drawing/2014/main" id="{05383D31-C62A-436E-88F1-A2307FCA17CB}"/>
+              </a:ext>
+            </a:extLst>
+          </p:cNvPr>
+          <p:cNvPicPr>
+            <a:picLocks noChangeAspect="1"/>
+          </p:cNvPicPr>
+          <p:nvPr/>
+        </p:nvPicPr>
+        <p:blipFill>
+          <a:blip r:embed="rId2"/>
+          <a:stretch>
+            <a:fillRect/>
+          </a:stretch>
+        </p:blipFill>
+        <p:spPr>
+          <a:xfrm>
+            <a:off x="1668010" y="3845893"/>
+            <a:ext cx="8321761" cy="2243522"/>
           </a:xfrm>
           <a:prstGeom prst="rect">
             <a:avLst/>
           </a:prstGeom>
-          <a:noFill/>
-        </p:spPr>
-        <p:txBody>
-          <a:bodyPr wrap="square" rtlCol="0">
-            <a:spAutoFit/>
-          </a:bodyPr>
-          <a:lstStyle/>
-          <a:p>
-            <a:r>
-              <a:rPr lang="en-US" altLang="ko-KR" dirty="0" err="1"/>
-              <a:t>xlsx</a:t>
-            </a:r>
-            <a:endParaRPr lang="ko-KR" altLang="en-US" dirty="0"/>
-          </a:p>
-        </p:txBody>
-      </p:sp>
-      <p:sp>
-        <p:nvSpPr>
-          <p:cNvPr id="34" name="TextBox 33">
-            <a:extLst>
-              <a:ext uri="{FF2B5EF4-FFF2-40B4-BE49-F238E27FC236}">
-                <a16:creationId xmlns:a16="http://schemas.microsoft.com/office/drawing/2014/main" id="{1899DF4D-3FC4-478D-90DF-6C2F23CD793E}"/>
-              </a:ext>
-            </a:extLst>
-          </p:cNvPr>
-          <p:cNvSpPr txBox="1"/>
-          <p:nvPr/>
-        </p:nvSpPr>
-        <p:spPr>
-          <a:xfrm rot="5400000">
-            <a:off x="8307832" y="3363918"/>
-            <a:ext cx="403810" cy="369332"/>
-          </a:xfrm>
-          <a:prstGeom prst="rect">
-            <a:avLst/>
-          </a:prstGeom>
-          <a:noFill/>
-        </p:spPr>
-        <p:txBody>
-          <a:bodyPr wrap="square" rtlCol="0">
-            <a:spAutoFit/>
-          </a:bodyPr>
-          <a:lstStyle/>
-          <a:p>
-            <a:r>
-              <a:rPr lang="en-US" altLang="ko-KR" dirty="0"/>
-              <a:t>…</a:t>
-            </a:r>
-          </a:p>
-        </p:txBody>
-      </p:sp>
+        </p:spPr>
+      </p:pic>
     </p:spTree>
     <p:extLst>
       <p:ext uri="{BB962C8B-B14F-4D97-AF65-F5344CB8AC3E}">
-        <p14:creationId xmlns:p14="http://schemas.microsoft.com/office/powerpoint/2010/main" val="1789521446"/>
+        <p14:creationId xmlns:p14="http://schemas.microsoft.com/office/powerpoint/2010/main" val="2031848758"/>
       </p:ext>
     </p:extLst>
   </p:cSld>
@@ -4362,66 +5334,6 @@
 </file>
 
 <file path=ppt/slides/slide12.xml><?xml version="1.0" encoding="utf-8"?>
-<p:sld xmlns:a="http://schemas.openxmlformats.org/drawingml/2006/main" xmlns:r="http://schemas.openxmlformats.org/officeDocument/2006/relationships" xmlns:p="http://schemas.openxmlformats.org/presentationml/2006/main">
-  <p:cSld>
-    <p:spTree>
-      <p:nvGrpSpPr>
-        <p:cNvPr id="1" name=""/>
-        <p:cNvGrpSpPr/>
-        <p:nvPr/>
-      </p:nvGrpSpPr>
-      <p:grpSpPr>
-        <a:xfrm>
-          <a:off x="0" y="0"/>
-          <a:ext cx="0" cy="0"/>
-          <a:chOff x="0" y="0"/>
-          <a:chExt cx="0" cy="0"/>
-        </a:xfrm>
-      </p:grpSpPr>
-      <p:pic>
-        <p:nvPicPr>
-          <p:cNvPr id="2" name="그림 1">
-            <a:extLst>
-              <a:ext uri="{FF2B5EF4-FFF2-40B4-BE49-F238E27FC236}">
-                <a16:creationId xmlns:a16="http://schemas.microsoft.com/office/drawing/2014/main" id="{8B83CB2D-1CF8-49F4-A09F-CBE25B82A458}"/>
-              </a:ext>
-            </a:extLst>
-          </p:cNvPr>
-          <p:cNvPicPr>
-            <a:picLocks noChangeAspect="1"/>
-          </p:cNvPicPr>
-          <p:nvPr/>
-        </p:nvPicPr>
-        <p:blipFill>
-          <a:blip r:embed="rId2"/>
-          <a:stretch>
-            <a:fillRect/>
-          </a:stretch>
-        </p:blipFill>
-        <p:spPr>
-          <a:xfrm>
-            <a:off x="1903366" y="1486819"/>
-            <a:ext cx="8382727" cy="2243522"/>
-          </a:xfrm>
-          <a:prstGeom prst="rect">
-            <a:avLst/>
-          </a:prstGeom>
-        </p:spPr>
-      </p:pic>
-    </p:spTree>
-    <p:extLst>
-      <p:ext uri="{BB962C8B-B14F-4D97-AF65-F5344CB8AC3E}">
-        <p14:creationId xmlns:p14="http://schemas.microsoft.com/office/powerpoint/2010/main" val="253251198"/>
-      </p:ext>
-    </p:extLst>
-  </p:cSld>
-  <p:clrMapOvr>
-    <a:masterClrMapping/>
-  </p:clrMapOvr>
-</p:sld>
-</file>
-
-<file path=ppt/slides/slide13.xml><?xml version="1.0" encoding="utf-8"?>
 <p:sld xmlns:a="http://schemas.openxmlformats.org/drawingml/2006/main" xmlns:r="http://schemas.openxmlformats.org/officeDocument/2006/relationships" xmlns:p="http://schemas.openxmlformats.org/presentationml/2006/main">
   <p:cSld>
     <p:spTree>
@@ -6079,7 +6991,7 @@
 </p:sld>
 </file>
 
-<file path=ppt/slides/slide14.xml><?xml version="1.0" encoding="utf-8"?>
+<file path=ppt/slides/slide13.xml><?xml version="1.0" encoding="utf-8"?>
 <p:sld xmlns:a="http://schemas.openxmlformats.org/drawingml/2006/main" xmlns:r="http://schemas.openxmlformats.org/officeDocument/2006/relationships" xmlns:p="http://schemas.openxmlformats.org/presentationml/2006/main">
   <p:cSld>
     <p:spTree>
@@ -6160,1038 +7072,6 @@
     <p:extLst>
       <p:ext uri="{BB962C8B-B14F-4D97-AF65-F5344CB8AC3E}">
         <p14:creationId xmlns:p14="http://schemas.microsoft.com/office/powerpoint/2010/main" val="167392484"/>
-      </p:ext>
-    </p:extLst>
-  </p:cSld>
-  <p:clrMapOvr>
-    <a:masterClrMapping/>
-  </p:clrMapOvr>
-</p:sld>
-</file>
-
-<file path=ppt/slides/slide15.xml><?xml version="1.0" encoding="utf-8"?>
-<p:sld xmlns:a="http://schemas.openxmlformats.org/drawingml/2006/main" xmlns:r="http://schemas.openxmlformats.org/officeDocument/2006/relationships" xmlns:p="http://schemas.openxmlformats.org/presentationml/2006/main">
-  <p:cSld>
-    <p:spTree>
-      <p:nvGrpSpPr>
-        <p:cNvPr id="1" name=""/>
-        <p:cNvGrpSpPr/>
-        <p:nvPr/>
-      </p:nvGrpSpPr>
-      <p:grpSpPr>
-        <a:xfrm>
-          <a:off x="0" y="0"/>
-          <a:ext cx="0" cy="0"/>
-          <a:chOff x="0" y="0"/>
-          <a:chExt cx="0" cy="0"/>
-        </a:xfrm>
-      </p:grpSpPr>
-      <p:sp>
-        <p:nvSpPr>
-          <p:cNvPr id="4" name="사각형: 둥근 모서리 3">
-            <a:extLst>
-              <a:ext uri="{FF2B5EF4-FFF2-40B4-BE49-F238E27FC236}">
-                <a16:creationId xmlns:a16="http://schemas.microsoft.com/office/drawing/2014/main" id="{96AF6421-8362-4577-9C55-7C671EB37523}"/>
-              </a:ext>
-            </a:extLst>
-          </p:cNvPr>
-          <p:cNvSpPr/>
-          <p:nvPr/>
-        </p:nvSpPr>
-        <p:spPr>
-          <a:xfrm>
-            <a:off x="720891" y="930534"/>
-            <a:ext cx="4457700" cy="1712515"/>
-          </a:xfrm>
-          <a:prstGeom prst="roundRect">
-            <a:avLst/>
-          </a:prstGeom>
-          <a:noFill/>
-          <a:ln w="57150"/>
-        </p:spPr>
-        <p:style>
-          <a:lnRef idx="2">
-            <a:schemeClr val="accent1">
-              <a:shade val="50000"/>
-            </a:schemeClr>
-          </a:lnRef>
-          <a:fillRef idx="1">
-            <a:schemeClr val="accent1"/>
-          </a:fillRef>
-          <a:effectRef idx="0">
-            <a:schemeClr val="accent1"/>
-          </a:effectRef>
-          <a:fontRef idx="minor">
-            <a:schemeClr val="lt1"/>
-          </a:fontRef>
-        </p:style>
-        <p:txBody>
-          <a:bodyPr rtlCol="0" anchor="ctr"/>
-          <a:lstStyle/>
-          <a:p>
-            <a:pPr algn="ctr"/>
-            <a:endParaRPr lang="ko-KR" altLang="en-US"/>
-          </a:p>
-        </p:txBody>
-      </p:sp>
-      <p:sp>
-        <p:nvSpPr>
-          <p:cNvPr id="5" name="TextBox 4">
-            <a:extLst>
-              <a:ext uri="{FF2B5EF4-FFF2-40B4-BE49-F238E27FC236}">
-                <a16:creationId xmlns:a16="http://schemas.microsoft.com/office/drawing/2014/main" id="{1712586D-457E-4A68-AE0E-41C1534519D6}"/>
-              </a:ext>
-            </a:extLst>
-          </p:cNvPr>
-          <p:cNvSpPr txBox="1"/>
-          <p:nvPr/>
-        </p:nvSpPr>
-        <p:spPr>
-          <a:xfrm>
-            <a:off x="873291" y="1061441"/>
-            <a:ext cx="1310054" cy="710964"/>
-          </a:xfrm>
-          <a:prstGeom prst="rect">
-            <a:avLst/>
-          </a:prstGeom>
-          <a:noFill/>
-        </p:spPr>
-        <p:txBody>
-          <a:bodyPr wrap="square" rtlCol="0">
-            <a:spAutoFit/>
-          </a:bodyPr>
-          <a:lstStyle/>
-          <a:p>
-            <a:r>
-              <a:rPr lang="en-US" altLang="ko-KR" dirty="0"/>
-              <a:t>R </a:t>
-            </a:r>
-            <a:r>
-              <a:rPr lang="ko-KR" altLang="en-US" dirty="0"/>
-              <a:t>환경</a:t>
-            </a:r>
-            <a:endParaRPr lang="en-US" altLang="ko-KR" dirty="0"/>
-          </a:p>
-          <a:p>
-            <a:r>
-              <a:rPr lang="en-US" altLang="ko-KR" dirty="0"/>
-              <a:t>(Memory)</a:t>
-            </a:r>
-            <a:endParaRPr lang="ko-KR" altLang="en-US" dirty="0"/>
-          </a:p>
-        </p:txBody>
-      </p:sp>
-      <p:sp>
-        <p:nvSpPr>
-          <p:cNvPr id="6" name="TextBox 5">
-            <a:extLst>
-              <a:ext uri="{FF2B5EF4-FFF2-40B4-BE49-F238E27FC236}">
-                <a16:creationId xmlns:a16="http://schemas.microsoft.com/office/drawing/2014/main" id="{9EAB8362-FCCF-46A5-A3B7-94B81161267E}"/>
-              </a:ext>
-            </a:extLst>
-          </p:cNvPr>
-          <p:cNvSpPr txBox="1"/>
-          <p:nvPr/>
-        </p:nvSpPr>
-        <p:spPr>
-          <a:xfrm>
-            <a:off x="7146494" y="806674"/>
-            <a:ext cx="1310054" cy="369332"/>
-          </a:xfrm>
-          <a:prstGeom prst="rect">
-            <a:avLst/>
-          </a:prstGeom>
-          <a:noFill/>
-        </p:spPr>
-        <p:txBody>
-          <a:bodyPr wrap="square" rtlCol="0">
-            <a:spAutoFit/>
-          </a:bodyPr>
-          <a:lstStyle/>
-          <a:p>
-            <a:r>
-              <a:rPr lang="en-US" altLang="ko-KR" dirty="0"/>
-              <a:t>Database</a:t>
-            </a:r>
-            <a:endParaRPr lang="ko-KR" altLang="en-US" dirty="0"/>
-          </a:p>
-        </p:txBody>
-      </p:sp>
-      <p:sp>
-        <p:nvSpPr>
-          <p:cNvPr id="7" name="TextBox 6">
-            <a:extLst>
-              <a:ext uri="{FF2B5EF4-FFF2-40B4-BE49-F238E27FC236}">
-                <a16:creationId xmlns:a16="http://schemas.microsoft.com/office/drawing/2014/main" id="{1B35BCA8-48EB-4468-BD2D-1C5823A928B1}"/>
-              </a:ext>
-            </a:extLst>
-          </p:cNvPr>
-          <p:cNvSpPr txBox="1"/>
-          <p:nvPr/>
-        </p:nvSpPr>
-        <p:spPr>
-          <a:xfrm rot="5400000">
-            <a:off x="8187995" y="2294310"/>
-            <a:ext cx="403810" cy="369332"/>
-          </a:xfrm>
-          <a:prstGeom prst="rect">
-            <a:avLst/>
-          </a:prstGeom>
-          <a:noFill/>
-        </p:spPr>
-        <p:txBody>
-          <a:bodyPr wrap="square" rtlCol="0">
-            <a:spAutoFit/>
-          </a:bodyPr>
-          <a:lstStyle/>
-          <a:p>
-            <a:r>
-              <a:rPr lang="en-US" altLang="ko-KR" dirty="0"/>
-              <a:t>…</a:t>
-            </a:r>
-          </a:p>
-        </p:txBody>
-      </p:sp>
-      <p:sp>
-        <p:nvSpPr>
-          <p:cNvPr id="8" name="원통형 7">
-            <a:extLst>
-              <a:ext uri="{FF2B5EF4-FFF2-40B4-BE49-F238E27FC236}">
-                <a16:creationId xmlns:a16="http://schemas.microsoft.com/office/drawing/2014/main" id="{90741B3A-C423-43E2-BCAB-15ADC192E93C}"/>
-              </a:ext>
-            </a:extLst>
-          </p:cNvPr>
-          <p:cNvSpPr/>
-          <p:nvPr/>
-        </p:nvSpPr>
-        <p:spPr>
-          <a:xfrm>
-            <a:off x="7091924" y="442937"/>
-            <a:ext cx="2146789" cy="2200112"/>
-          </a:xfrm>
-          <a:prstGeom prst="can">
-            <a:avLst>
-              <a:gd name="adj" fmla="val 14761"/>
-            </a:avLst>
-          </a:prstGeom>
-          <a:noFill/>
-          <a:ln w="57150"/>
-        </p:spPr>
-        <p:style>
-          <a:lnRef idx="2">
-            <a:schemeClr val="accent1">
-              <a:shade val="50000"/>
-            </a:schemeClr>
-          </a:lnRef>
-          <a:fillRef idx="1">
-            <a:schemeClr val="accent1"/>
-          </a:fillRef>
-          <a:effectRef idx="0">
-            <a:schemeClr val="accent1"/>
-          </a:effectRef>
-          <a:fontRef idx="minor">
-            <a:schemeClr val="lt1"/>
-          </a:fontRef>
-        </p:style>
-        <p:txBody>
-          <a:bodyPr rtlCol="0" anchor="ctr"/>
-          <a:lstStyle/>
-          <a:p>
-            <a:endParaRPr lang="ko-KR" altLang="en-US" sz="1400" dirty="0">
-              <a:solidFill>
-                <a:schemeClr val="tx1"/>
-              </a:solidFill>
-            </a:endParaRPr>
-          </a:p>
-        </p:txBody>
-      </p:sp>
-      <p:grpSp>
-        <p:nvGrpSpPr>
-          <p:cNvPr id="9" name="그룹 8">
-            <a:extLst>
-              <a:ext uri="{FF2B5EF4-FFF2-40B4-BE49-F238E27FC236}">
-                <a16:creationId xmlns:a16="http://schemas.microsoft.com/office/drawing/2014/main" id="{7D6D0985-1209-47C5-AEF4-E8FE1D7CE1D2}"/>
-              </a:ext>
-            </a:extLst>
-          </p:cNvPr>
-          <p:cNvGrpSpPr/>
-          <p:nvPr/>
-        </p:nvGrpSpPr>
-        <p:grpSpPr>
-          <a:xfrm>
-            <a:off x="7937714" y="1284808"/>
-            <a:ext cx="751406" cy="967800"/>
-            <a:chOff x="5858944" y="4956751"/>
-            <a:chExt cx="751406" cy="967800"/>
-          </a:xfrm>
-        </p:grpSpPr>
-        <p:sp>
-          <p:nvSpPr>
-            <p:cNvPr id="10" name="사각형: 잘린 한쪽 모서리 9">
-              <a:extLst>
-                <a:ext uri="{FF2B5EF4-FFF2-40B4-BE49-F238E27FC236}">
-                  <a16:creationId xmlns:a16="http://schemas.microsoft.com/office/drawing/2014/main" id="{7C1F8289-9305-486C-ABC1-F6AC989AC47C}"/>
-                </a:ext>
-              </a:extLst>
-            </p:cNvPr>
-            <p:cNvSpPr/>
-            <p:nvPr/>
-          </p:nvSpPr>
-          <p:spPr>
-            <a:xfrm>
-              <a:off x="5858944" y="4956751"/>
-              <a:ext cx="751406" cy="967800"/>
-            </a:xfrm>
-            <a:prstGeom prst="snip1Rect">
-              <a:avLst>
-                <a:gd name="adj" fmla="val 31929"/>
-              </a:avLst>
-            </a:prstGeom>
-            <a:noFill/>
-            <a:ln w="57150"/>
-          </p:spPr>
-          <p:style>
-            <a:lnRef idx="2">
-              <a:schemeClr val="accent1">
-                <a:shade val="50000"/>
-              </a:schemeClr>
-            </a:lnRef>
-            <a:fillRef idx="1">
-              <a:schemeClr val="accent1"/>
-            </a:fillRef>
-            <a:effectRef idx="0">
-              <a:schemeClr val="accent1"/>
-            </a:effectRef>
-            <a:fontRef idx="minor">
-              <a:schemeClr val="lt1"/>
-            </a:fontRef>
-          </p:style>
-          <p:txBody>
-            <a:bodyPr rtlCol="0" anchor="ctr"/>
-            <a:lstStyle/>
-            <a:p>
-              <a:pPr algn="ctr"/>
-              <a:endParaRPr lang="ko-KR" altLang="en-US" sz="1400"/>
-            </a:p>
-          </p:txBody>
-        </p:sp>
-        <p:sp>
-          <p:nvSpPr>
-            <p:cNvPr id="11" name="직사각형 10">
-              <a:extLst>
-                <a:ext uri="{FF2B5EF4-FFF2-40B4-BE49-F238E27FC236}">
-                  <a16:creationId xmlns:a16="http://schemas.microsoft.com/office/drawing/2014/main" id="{D68593B5-6C4C-4681-994B-A93B6193B1AC}"/>
-                </a:ext>
-              </a:extLst>
-            </p:cNvPr>
-            <p:cNvSpPr/>
-            <p:nvPr/>
-          </p:nvSpPr>
-          <p:spPr>
-            <a:xfrm>
-              <a:off x="5958422" y="5255895"/>
-              <a:ext cx="276225" cy="142875"/>
-            </a:xfrm>
-            <a:prstGeom prst="rect">
-              <a:avLst/>
-            </a:prstGeom>
-            <a:noFill/>
-            <a:ln w="57150">
-              <a:solidFill>
-                <a:srgbClr val="2F528F"/>
-              </a:solidFill>
-            </a:ln>
-          </p:spPr>
-          <p:style>
-            <a:lnRef idx="2">
-              <a:schemeClr val="accent1">
-                <a:shade val="50000"/>
-              </a:schemeClr>
-            </a:lnRef>
-            <a:fillRef idx="1">
-              <a:schemeClr val="accent1"/>
-            </a:fillRef>
-            <a:effectRef idx="0">
-              <a:schemeClr val="accent1"/>
-            </a:effectRef>
-            <a:fontRef idx="minor">
-              <a:schemeClr val="lt1"/>
-            </a:fontRef>
-          </p:style>
-          <p:txBody>
-            <a:bodyPr rtlCol="0" anchor="ctr"/>
-            <a:lstStyle/>
-            <a:p>
-              <a:pPr algn="ctr"/>
-              <a:endParaRPr lang="ko-KR" altLang="en-US"/>
-            </a:p>
-          </p:txBody>
-        </p:sp>
-        <p:sp>
-          <p:nvSpPr>
-            <p:cNvPr id="12" name="직사각형 11">
-              <a:extLst>
-                <a:ext uri="{FF2B5EF4-FFF2-40B4-BE49-F238E27FC236}">
-                  <a16:creationId xmlns:a16="http://schemas.microsoft.com/office/drawing/2014/main" id="{EEBDFFEB-3790-4CFC-AD1C-FEAFA5F71E2E}"/>
-                </a:ext>
-              </a:extLst>
-            </p:cNvPr>
-            <p:cNvSpPr/>
-            <p:nvPr/>
-          </p:nvSpPr>
-          <p:spPr>
-            <a:xfrm>
-              <a:off x="6234647" y="5255895"/>
-              <a:ext cx="276225" cy="142875"/>
-            </a:xfrm>
-            <a:prstGeom prst="rect">
-              <a:avLst/>
-            </a:prstGeom>
-            <a:noFill/>
-            <a:ln w="57150">
-              <a:solidFill>
-                <a:srgbClr val="2F528F"/>
-              </a:solidFill>
-            </a:ln>
-          </p:spPr>
-          <p:style>
-            <a:lnRef idx="2">
-              <a:schemeClr val="accent1">
-                <a:shade val="50000"/>
-              </a:schemeClr>
-            </a:lnRef>
-            <a:fillRef idx="1">
-              <a:schemeClr val="accent1"/>
-            </a:fillRef>
-            <a:effectRef idx="0">
-              <a:schemeClr val="accent1"/>
-            </a:effectRef>
-            <a:fontRef idx="minor">
-              <a:schemeClr val="lt1"/>
-            </a:fontRef>
-          </p:style>
-          <p:txBody>
-            <a:bodyPr rtlCol="0" anchor="ctr"/>
-            <a:lstStyle/>
-            <a:p>
-              <a:pPr algn="ctr"/>
-              <a:endParaRPr lang="ko-KR" altLang="en-US"/>
-            </a:p>
-          </p:txBody>
-        </p:sp>
-        <p:sp>
-          <p:nvSpPr>
-            <p:cNvPr id="13" name="직사각형 12">
-              <a:extLst>
-                <a:ext uri="{FF2B5EF4-FFF2-40B4-BE49-F238E27FC236}">
-                  <a16:creationId xmlns:a16="http://schemas.microsoft.com/office/drawing/2014/main" id="{F32AE933-92EC-4630-A95E-0664C0F0C038}"/>
-                </a:ext>
-              </a:extLst>
-            </p:cNvPr>
-            <p:cNvSpPr/>
-            <p:nvPr/>
-          </p:nvSpPr>
-          <p:spPr>
-            <a:xfrm>
-              <a:off x="5958422" y="5398770"/>
-              <a:ext cx="276225" cy="142875"/>
-            </a:xfrm>
-            <a:prstGeom prst="rect">
-              <a:avLst/>
-            </a:prstGeom>
-            <a:noFill/>
-            <a:ln w="57150">
-              <a:solidFill>
-                <a:srgbClr val="2F528F"/>
-              </a:solidFill>
-            </a:ln>
-          </p:spPr>
-          <p:style>
-            <a:lnRef idx="2">
-              <a:schemeClr val="accent1">
-                <a:shade val="50000"/>
-              </a:schemeClr>
-            </a:lnRef>
-            <a:fillRef idx="1">
-              <a:schemeClr val="accent1"/>
-            </a:fillRef>
-            <a:effectRef idx="0">
-              <a:schemeClr val="accent1"/>
-            </a:effectRef>
-            <a:fontRef idx="minor">
-              <a:schemeClr val="lt1"/>
-            </a:fontRef>
-          </p:style>
-          <p:txBody>
-            <a:bodyPr rtlCol="0" anchor="ctr"/>
-            <a:lstStyle/>
-            <a:p>
-              <a:pPr algn="ctr"/>
-              <a:endParaRPr lang="ko-KR" altLang="en-US"/>
-            </a:p>
-          </p:txBody>
-        </p:sp>
-        <p:sp>
-          <p:nvSpPr>
-            <p:cNvPr id="14" name="직사각형 13">
-              <a:extLst>
-                <a:ext uri="{FF2B5EF4-FFF2-40B4-BE49-F238E27FC236}">
-                  <a16:creationId xmlns:a16="http://schemas.microsoft.com/office/drawing/2014/main" id="{F0D8780C-3629-4190-970B-E8D5A562B88F}"/>
-                </a:ext>
-              </a:extLst>
-            </p:cNvPr>
-            <p:cNvSpPr/>
-            <p:nvPr/>
-          </p:nvSpPr>
-          <p:spPr>
-            <a:xfrm>
-              <a:off x="6234647" y="5398770"/>
-              <a:ext cx="276225" cy="142875"/>
-            </a:xfrm>
-            <a:prstGeom prst="rect">
-              <a:avLst/>
-            </a:prstGeom>
-            <a:noFill/>
-            <a:ln w="57150">
-              <a:solidFill>
-                <a:srgbClr val="2F528F"/>
-              </a:solidFill>
-            </a:ln>
-          </p:spPr>
-          <p:style>
-            <a:lnRef idx="2">
-              <a:schemeClr val="accent1">
-                <a:shade val="50000"/>
-              </a:schemeClr>
-            </a:lnRef>
-            <a:fillRef idx="1">
-              <a:schemeClr val="accent1"/>
-            </a:fillRef>
-            <a:effectRef idx="0">
-              <a:schemeClr val="accent1"/>
-            </a:effectRef>
-            <a:fontRef idx="minor">
-              <a:schemeClr val="lt1"/>
-            </a:fontRef>
-          </p:style>
-          <p:txBody>
-            <a:bodyPr rtlCol="0" anchor="ctr"/>
-            <a:lstStyle/>
-            <a:p>
-              <a:pPr algn="ctr"/>
-              <a:endParaRPr lang="ko-KR" altLang="en-US"/>
-            </a:p>
-          </p:txBody>
-        </p:sp>
-        <p:sp>
-          <p:nvSpPr>
-            <p:cNvPr id="15" name="직사각형 14">
-              <a:extLst>
-                <a:ext uri="{FF2B5EF4-FFF2-40B4-BE49-F238E27FC236}">
-                  <a16:creationId xmlns:a16="http://schemas.microsoft.com/office/drawing/2014/main" id="{9198147B-AD33-438E-9E05-728140AE79ED}"/>
-                </a:ext>
-              </a:extLst>
-            </p:cNvPr>
-            <p:cNvSpPr/>
-            <p:nvPr/>
-          </p:nvSpPr>
-          <p:spPr>
-            <a:xfrm>
-              <a:off x="5958422" y="5541645"/>
-              <a:ext cx="276225" cy="142875"/>
-            </a:xfrm>
-            <a:prstGeom prst="rect">
-              <a:avLst/>
-            </a:prstGeom>
-            <a:noFill/>
-            <a:ln w="57150">
-              <a:solidFill>
-                <a:srgbClr val="2F528F"/>
-              </a:solidFill>
-            </a:ln>
-          </p:spPr>
-          <p:style>
-            <a:lnRef idx="2">
-              <a:schemeClr val="accent1">
-                <a:shade val="50000"/>
-              </a:schemeClr>
-            </a:lnRef>
-            <a:fillRef idx="1">
-              <a:schemeClr val="accent1"/>
-            </a:fillRef>
-            <a:effectRef idx="0">
-              <a:schemeClr val="accent1"/>
-            </a:effectRef>
-            <a:fontRef idx="minor">
-              <a:schemeClr val="lt1"/>
-            </a:fontRef>
-          </p:style>
-          <p:txBody>
-            <a:bodyPr rtlCol="0" anchor="ctr"/>
-            <a:lstStyle/>
-            <a:p>
-              <a:pPr algn="ctr"/>
-              <a:endParaRPr lang="ko-KR" altLang="en-US"/>
-            </a:p>
-          </p:txBody>
-        </p:sp>
-        <p:sp>
-          <p:nvSpPr>
-            <p:cNvPr id="16" name="직사각형 15">
-              <a:extLst>
-                <a:ext uri="{FF2B5EF4-FFF2-40B4-BE49-F238E27FC236}">
-                  <a16:creationId xmlns:a16="http://schemas.microsoft.com/office/drawing/2014/main" id="{A4AF6A10-D5DD-4351-A0F6-FA08BF1E9ED3}"/>
-                </a:ext>
-              </a:extLst>
-            </p:cNvPr>
-            <p:cNvSpPr/>
-            <p:nvPr/>
-          </p:nvSpPr>
-          <p:spPr>
-            <a:xfrm>
-              <a:off x="6234647" y="5541645"/>
-              <a:ext cx="276225" cy="142875"/>
-            </a:xfrm>
-            <a:prstGeom prst="rect">
-              <a:avLst/>
-            </a:prstGeom>
-            <a:noFill/>
-            <a:ln w="57150">
-              <a:solidFill>
-                <a:srgbClr val="2F528F"/>
-              </a:solidFill>
-            </a:ln>
-          </p:spPr>
-          <p:style>
-            <a:lnRef idx="2">
-              <a:schemeClr val="accent1">
-                <a:shade val="50000"/>
-              </a:schemeClr>
-            </a:lnRef>
-            <a:fillRef idx="1">
-              <a:schemeClr val="accent1"/>
-            </a:fillRef>
-            <a:effectRef idx="0">
-              <a:schemeClr val="accent1"/>
-            </a:effectRef>
-            <a:fontRef idx="minor">
-              <a:schemeClr val="lt1"/>
-            </a:fontRef>
-          </p:style>
-          <p:txBody>
-            <a:bodyPr rtlCol="0" anchor="ctr"/>
-            <a:lstStyle/>
-            <a:p>
-              <a:pPr algn="ctr"/>
-              <a:endParaRPr lang="ko-KR" altLang="en-US"/>
-            </a:p>
-          </p:txBody>
-        </p:sp>
-        <p:sp>
-          <p:nvSpPr>
-            <p:cNvPr id="17" name="직사각형 16">
-              <a:extLst>
-                <a:ext uri="{FF2B5EF4-FFF2-40B4-BE49-F238E27FC236}">
-                  <a16:creationId xmlns:a16="http://schemas.microsoft.com/office/drawing/2014/main" id="{A6456BBA-0553-4533-9426-65E1844A8025}"/>
-                </a:ext>
-              </a:extLst>
-            </p:cNvPr>
-            <p:cNvSpPr/>
-            <p:nvPr/>
-          </p:nvSpPr>
-          <p:spPr>
-            <a:xfrm>
-              <a:off x="5958422" y="5684520"/>
-              <a:ext cx="276225" cy="142875"/>
-            </a:xfrm>
-            <a:prstGeom prst="rect">
-              <a:avLst/>
-            </a:prstGeom>
-            <a:noFill/>
-            <a:ln w="57150">
-              <a:solidFill>
-                <a:srgbClr val="2F528F"/>
-              </a:solidFill>
-            </a:ln>
-          </p:spPr>
-          <p:style>
-            <a:lnRef idx="2">
-              <a:schemeClr val="accent1">
-                <a:shade val="50000"/>
-              </a:schemeClr>
-            </a:lnRef>
-            <a:fillRef idx="1">
-              <a:schemeClr val="accent1"/>
-            </a:fillRef>
-            <a:effectRef idx="0">
-              <a:schemeClr val="accent1"/>
-            </a:effectRef>
-            <a:fontRef idx="minor">
-              <a:schemeClr val="lt1"/>
-            </a:fontRef>
-          </p:style>
-          <p:txBody>
-            <a:bodyPr rtlCol="0" anchor="ctr"/>
-            <a:lstStyle/>
-            <a:p>
-              <a:pPr algn="ctr"/>
-              <a:endParaRPr lang="ko-KR" altLang="en-US"/>
-            </a:p>
-          </p:txBody>
-        </p:sp>
-        <p:sp>
-          <p:nvSpPr>
-            <p:cNvPr id="18" name="직사각형 17">
-              <a:extLst>
-                <a:ext uri="{FF2B5EF4-FFF2-40B4-BE49-F238E27FC236}">
-                  <a16:creationId xmlns:a16="http://schemas.microsoft.com/office/drawing/2014/main" id="{49B21F20-332D-4847-8E03-73360A5D7751}"/>
-                </a:ext>
-              </a:extLst>
-            </p:cNvPr>
-            <p:cNvSpPr/>
-            <p:nvPr/>
-          </p:nvSpPr>
-          <p:spPr>
-            <a:xfrm>
-              <a:off x="6234647" y="5684520"/>
-              <a:ext cx="276225" cy="142875"/>
-            </a:xfrm>
-            <a:prstGeom prst="rect">
-              <a:avLst/>
-            </a:prstGeom>
-            <a:noFill/>
-            <a:ln w="57150">
-              <a:solidFill>
-                <a:srgbClr val="2F528F"/>
-              </a:solidFill>
-            </a:ln>
-          </p:spPr>
-          <p:style>
-            <a:lnRef idx="2">
-              <a:schemeClr val="accent1">
-                <a:shade val="50000"/>
-              </a:schemeClr>
-            </a:lnRef>
-            <a:fillRef idx="1">
-              <a:schemeClr val="accent1"/>
-            </a:fillRef>
-            <a:effectRef idx="0">
-              <a:schemeClr val="accent1"/>
-            </a:effectRef>
-            <a:fontRef idx="minor">
-              <a:schemeClr val="lt1"/>
-            </a:fontRef>
-          </p:style>
-          <p:txBody>
-            <a:bodyPr rtlCol="0" anchor="ctr"/>
-            <a:lstStyle/>
-            <a:p>
-              <a:pPr algn="ctr"/>
-              <a:endParaRPr lang="ko-KR" altLang="en-US"/>
-            </a:p>
-          </p:txBody>
-        </p:sp>
-      </p:grpSp>
-      <p:sp>
-        <p:nvSpPr>
-          <p:cNvPr id="19" name="TextBox 18">
-            <a:extLst>
-              <a:ext uri="{FF2B5EF4-FFF2-40B4-BE49-F238E27FC236}">
-                <a16:creationId xmlns:a16="http://schemas.microsoft.com/office/drawing/2014/main" id="{9EDCC8FF-8B17-496A-A982-270B9CAA59D5}"/>
-              </a:ext>
-            </a:extLst>
-          </p:cNvPr>
-          <p:cNvSpPr txBox="1"/>
-          <p:nvPr/>
-        </p:nvSpPr>
-        <p:spPr>
-          <a:xfrm>
-            <a:off x="7146494" y="1195313"/>
-            <a:ext cx="1310054" cy="369332"/>
-          </a:xfrm>
-          <a:prstGeom prst="rect">
-            <a:avLst/>
-          </a:prstGeom>
-          <a:noFill/>
-        </p:spPr>
-        <p:txBody>
-          <a:bodyPr wrap="square" rtlCol="0">
-            <a:spAutoFit/>
-          </a:bodyPr>
-          <a:lstStyle/>
-          <a:p>
-            <a:r>
-              <a:rPr lang="en-US" altLang="ko-KR" dirty="0"/>
-              <a:t>Table</a:t>
-            </a:r>
-            <a:endParaRPr lang="ko-KR" altLang="en-US" dirty="0"/>
-          </a:p>
-        </p:txBody>
-      </p:sp>
-      <p:sp>
-        <p:nvSpPr>
-          <p:cNvPr id="20" name="TextBox 19">
-            <a:extLst>
-              <a:ext uri="{FF2B5EF4-FFF2-40B4-BE49-F238E27FC236}">
-                <a16:creationId xmlns:a16="http://schemas.microsoft.com/office/drawing/2014/main" id="{B955D372-200C-443B-97E6-58E02AD4BE70}"/>
-              </a:ext>
-            </a:extLst>
-          </p:cNvPr>
-          <p:cNvSpPr txBox="1"/>
-          <p:nvPr/>
-        </p:nvSpPr>
-        <p:spPr>
-          <a:xfrm>
-            <a:off x="746520" y="445489"/>
-            <a:ext cx="3292705" cy="369332"/>
-          </a:xfrm>
-          <a:prstGeom prst="rect">
-            <a:avLst/>
-          </a:prstGeom>
-          <a:noFill/>
-        </p:spPr>
-        <p:txBody>
-          <a:bodyPr wrap="square" rtlCol="0">
-            <a:spAutoFit/>
-          </a:bodyPr>
-          <a:lstStyle/>
-          <a:p>
-            <a:r>
-              <a:rPr lang="en-US" altLang="ko-KR" dirty="0"/>
-              <a:t>conn &lt;- </a:t>
-            </a:r>
-            <a:r>
-              <a:rPr lang="en-US" altLang="ko-KR" dirty="0" err="1"/>
-              <a:t>dbConnect</a:t>
-            </a:r>
-            <a:r>
-              <a:rPr lang="en-US" altLang="ko-KR" dirty="0"/>
-              <a:t>( </a:t>
-            </a:r>
-            <a:r>
-              <a:rPr lang="en-US" altLang="ko-KR" dirty="0" err="1"/>
-              <a:t>drv</a:t>
-            </a:r>
-            <a:r>
-              <a:rPr lang="en-US" altLang="ko-KR" dirty="0"/>
-              <a:t>, … )</a:t>
-            </a:r>
-          </a:p>
-        </p:txBody>
-      </p:sp>
-      <p:sp>
-        <p:nvSpPr>
-          <p:cNvPr id="21" name="TextBox 20">
-            <a:extLst>
-              <a:ext uri="{FF2B5EF4-FFF2-40B4-BE49-F238E27FC236}">
-                <a16:creationId xmlns:a16="http://schemas.microsoft.com/office/drawing/2014/main" id="{850DE024-6DD9-4C59-9212-C10A4D129802}"/>
-              </a:ext>
-            </a:extLst>
-          </p:cNvPr>
-          <p:cNvSpPr txBox="1"/>
-          <p:nvPr/>
-        </p:nvSpPr>
-        <p:spPr>
-          <a:xfrm>
-            <a:off x="3091639" y="1647449"/>
-            <a:ext cx="900479" cy="369332"/>
-          </a:xfrm>
-          <a:prstGeom prst="rect">
-            <a:avLst/>
-          </a:prstGeom>
-          <a:noFill/>
-        </p:spPr>
-        <p:txBody>
-          <a:bodyPr wrap="square" rtlCol="0">
-            <a:spAutoFit/>
-          </a:bodyPr>
-          <a:lstStyle/>
-          <a:p>
-            <a:r>
-              <a:rPr lang="en-US" altLang="ko-KR" dirty="0"/>
-              <a:t>conn</a:t>
-            </a:r>
-          </a:p>
-        </p:txBody>
-      </p:sp>
-      <p:sp>
-        <p:nvSpPr>
-          <p:cNvPr id="22" name="사각형: 잘린 한쪽 모서리 21">
-            <a:extLst>
-              <a:ext uri="{FF2B5EF4-FFF2-40B4-BE49-F238E27FC236}">
-                <a16:creationId xmlns:a16="http://schemas.microsoft.com/office/drawing/2014/main" id="{C9543A7B-BE8D-4A94-B45F-537E03511D92}"/>
-              </a:ext>
-            </a:extLst>
-          </p:cNvPr>
-          <p:cNvSpPr/>
-          <p:nvPr/>
-        </p:nvSpPr>
-        <p:spPr>
-          <a:xfrm>
-            <a:off x="3047739" y="1627046"/>
-            <a:ext cx="1064660" cy="498273"/>
-          </a:xfrm>
-          <a:prstGeom prst="snip1Rect">
-            <a:avLst>
-              <a:gd name="adj" fmla="val 31929"/>
-            </a:avLst>
-          </a:prstGeom>
-          <a:noFill/>
-          <a:ln w="57150"/>
-        </p:spPr>
-        <p:style>
-          <a:lnRef idx="2">
-            <a:schemeClr val="accent1">
-              <a:shade val="50000"/>
-            </a:schemeClr>
-          </a:lnRef>
-          <a:fillRef idx="1">
-            <a:schemeClr val="accent1"/>
-          </a:fillRef>
-          <a:effectRef idx="0">
-            <a:schemeClr val="accent1"/>
-          </a:effectRef>
-          <a:fontRef idx="minor">
-            <a:schemeClr val="lt1"/>
-          </a:fontRef>
-        </p:style>
-        <p:txBody>
-          <a:bodyPr rtlCol="0" anchor="ctr"/>
-          <a:lstStyle/>
-          <a:p>
-            <a:pPr algn="ctr"/>
-            <a:endParaRPr lang="ko-KR" altLang="en-US" sz="1400"/>
-          </a:p>
-        </p:txBody>
-      </p:sp>
-      <p:cxnSp>
-        <p:nvCxnSpPr>
-          <p:cNvPr id="23" name="직선 화살표 연결선 22">
-            <a:extLst>
-              <a:ext uri="{FF2B5EF4-FFF2-40B4-BE49-F238E27FC236}">
-                <a16:creationId xmlns:a16="http://schemas.microsoft.com/office/drawing/2014/main" id="{12F9376C-9455-4039-8FF4-0197A92C5ECA}"/>
-              </a:ext>
-            </a:extLst>
-          </p:cNvPr>
-          <p:cNvCxnSpPr>
-            <a:cxnSpLocks/>
-          </p:cNvCxnSpPr>
-          <p:nvPr/>
-        </p:nvCxnSpPr>
-        <p:spPr>
-          <a:xfrm>
-            <a:off x="5384800" y="2031627"/>
-            <a:ext cx="1453515" cy="0"/>
-          </a:xfrm>
-          <a:prstGeom prst="straightConnector1">
-            <a:avLst/>
-          </a:prstGeom>
-          <a:ln w="57150">
-            <a:solidFill>
-              <a:srgbClr val="2F528F"/>
-            </a:solidFill>
-            <a:headEnd type="triangle"/>
-            <a:tailEnd type="triangle"/>
-          </a:ln>
-        </p:spPr>
-        <p:style>
-          <a:lnRef idx="1">
-            <a:schemeClr val="accent1"/>
-          </a:lnRef>
-          <a:fillRef idx="0">
-            <a:schemeClr val="accent1"/>
-          </a:fillRef>
-          <a:effectRef idx="0">
-            <a:schemeClr val="accent1"/>
-          </a:effectRef>
-          <a:fontRef idx="minor">
-            <a:schemeClr val="tx1"/>
-          </a:fontRef>
-        </p:style>
-      </p:cxnSp>
-      <p:sp>
-        <p:nvSpPr>
-          <p:cNvPr id="24" name="TextBox 23">
-            <a:extLst>
-              <a:ext uri="{FF2B5EF4-FFF2-40B4-BE49-F238E27FC236}">
-                <a16:creationId xmlns:a16="http://schemas.microsoft.com/office/drawing/2014/main" id="{2E13D79A-0DC7-4A9E-91AC-C81B55E3277D}"/>
-              </a:ext>
-            </a:extLst>
-          </p:cNvPr>
-          <p:cNvSpPr txBox="1"/>
-          <p:nvPr/>
-        </p:nvSpPr>
-        <p:spPr>
-          <a:xfrm>
-            <a:off x="2967738" y="1196905"/>
-            <a:ext cx="1397230" cy="369332"/>
-          </a:xfrm>
-          <a:prstGeom prst="rect">
-            <a:avLst/>
-          </a:prstGeom>
-          <a:noFill/>
-        </p:spPr>
-        <p:txBody>
-          <a:bodyPr wrap="square" rtlCol="0">
-            <a:spAutoFit/>
-          </a:bodyPr>
-          <a:lstStyle/>
-          <a:p>
-            <a:r>
-              <a:rPr lang="ko-KR" altLang="en-US" dirty="0"/>
-              <a:t>연결 정보</a:t>
-            </a:r>
-            <a:endParaRPr lang="en-US" altLang="ko-KR" dirty="0"/>
-          </a:p>
-        </p:txBody>
-      </p:sp>
-      <p:sp>
-        <p:nvSpPr>
-          <p:cNvPr id="25" name="TextBox 24">
-            <a:extLst>
-              <a:ext uri="{FF2B5EF4-FFF2-40B4-BE49-F238E27FC236}">
-                <a16:creationId xmlns:a16="http://schemas.microsoft.com/office/drawing/2014/main" id="{F9F317E7-73AF-4439-B49C-732037B2EE5A}"/>
-              </a:ext>
-            </a:extLst>
-          </p:cNvPr>
-          <p:cNvSpPr txBox="1"/>
-          <p:nvPr/>
-        </p:nvSpPr>
-        <p:spPr>
-          <a:xfrm>
-            <a:off x="5450969" y="1313858"/>
-            <a:ext cx="1578689" cy="646331"/>
-          </a:xfrm>
-          <a:prstGeom prst="rect">
-            <a:avLst/>
-          </a:prstGeom>
-          <a:noFill/>
-        </p:spPr>
-        <p:txBody>
-          <a:bodyPr wrap="square" rtlCol="0">
-            <a:spAutoFit/>
-          </a:bodyPr>
-          <a:lstStyle/>
-          <a:p>
-            <a:r>
-              <a:rPr lang="ko-KR" altLang="en-US" dirty="0"/>
-              <a:t>연결 정보와</a:t>
-            </a:r>
-            <a:endParaRPr lang="en-US" altLang="ko-KR" dirty="0"/>
-          </a:p>
-          <a:p>
-            <a:r>
-              <a:rPr lang="ko-KR" altLang="en-US" dirty="0"/>
-              <a:t>함께 요청</a:t>
-            </a:r>
-            <a:endParaRPr lang="en-US" altLang="ko-KR" dirty="0"/>
-          </a:p>
-        </p:txBody>
-      </p:sp>
-    </p:spTree>
-    <p:extLst>
-      <p:ext uri="{BB962C8B-B14F-4D97-AF65-F5344CB8AC3E}">
-        <p14:creationId xmlns:p14="http://schemas.microsoft.com/office/powerpoint/2010/main" val="2031848758"/>
       </p:ext>
     </p:extLst>
   </p:cSld>
@@ -11206,7 +11086,7 @@
         </p:nvSpPr>
         <p:spPr>
           <a:xfrm>
-            <a:off x="1239716" y="2127739"/>
+            <a:off x="1723293" y="1661746"/>
             <a:ext cx="237392" cy="237392"/>
           </a:xfrm>
           <a:prstGeom prst="ellipse">
@@ -11254,7 +11134,7 @@
         </p:nvSpPr>
         <p:spPr>
           <a:xfrm>
-            <a:off x="3831981" y="2127739"/>
+            <a:off x="4315558" y="1661746"/>
             <a:ext cx="237392" cy="237392"/>
           </a:xfrm>
           <a:prstGeom prst="ellipse">
@@ -11302,7 +11182,7 @@
         </p:nvSpPr>
         <p:spPr>
           <a:xfrm>
-            <a:off x="6573716" y="2127739"/>
+            <a:off x="7057293" y="1661746"/>
             <a:ext cx="237392" cy="237392"/>
           </a:xfrm>
           <a:prstGeom prst="ellipse">
@@ -11350,7 +11230,7 @@
         </p:nvSpPr>
         <p:spPr>
           <a:xfrm>
-            <a:off x="703385" y="1428707"/>
+            <a:off x="1186962" y="962714"/>
             <a:ext cx="1310054" cy="646331"/>
           </a:xfrm>
           <a:prstGeom prst="rect">
@@ -11391,7 +11271,7 @@
         </p:nvSpPr>
         <p:spPr>
           <a:xfrm>
-            <a:off x="3295650" y="1428707"/>
+            <a:off x="3779227" y="962714"/>
             <a:ext cx="1310054" cy="646331"/>
           </a:xfrm>
           <a:prstGeom prst="rect">
@@ -11432,7 +11312,7 @@
         </p:nvSpPr>
         <p:spPr>
           <a:xfrm>
-            <a:off x="5895243" y="1454982"/>
+            <a:off x="6378820" y="988989"/>
             <a:ext cx="1594338" cy="646331"/>
           </a:xfrm>
           <a:prstGeom prst="rect">
@@ -11476,7 +11356,7 @@
         </p:nvCxnSpPr>
         <p:spPr>
           <a:xfrm>
-            <a:off x="1477108" y="2246435"/>
+            <a:off x="1960685" y="1780442"/>
             <a:ext cx="2354873" cy="0"/>
           </a:xfrm>
           <a:prstGeom prst="straightConnector1">
@@ -11522,7 +11402,7 @@
         </p:nvCxnSpPr>
         <p:spPr>
           <a:xfrm>
-            <a:off x="4069373" y="2246435"/>
+            <a:off x="4552950" y="1780442"/>
             <a:ext cx="2504343" cy="0"/>
           </a:xfrm>
           <a:prstGeom prst="straightConnector1">
@@ -11564,7 +11444,7 @@
         </p:nvSpPr>
         <p:spPr>
           <a:xfrm>
-            <a:off x="9196755" y="2127739"/>
+            <a:off x="9680332" y="1661746"/>
             <a:ext cx="237392" cy="237392"/>
           </a:xfrm>
           <a:prstGeom prst="ellipse">
@@ -11616,7 +11496,7 @@
         </p:nvSpPr>
         <p:spPr>
           <a:xfrm>
-            <a:off x="8518282" y="1454982"/>
+            <a:off x="9001859" y="988989"/>
             <a:ext cx="1594338" cy="646331"/>
           </a:xfrm>
           <a:prstGeom prst="rect">
@@ -11665,7 +11545,7 @@
         </p:nvCxnSpPr>
         <p:spPr>
           <a:xfrm>
-            <a:off x="6811108" y="2246435"/>
+            <a:off x="7294685" y="1780442"/>
             <a:ext cx="2385647" cy="0"/>
           </a:xfrm>
           <a:prstGeom prst="straightConnector1">
@@ -11707,7 +11587,7 @@
         </p:nvSpPr>
         <p:spPr>
           <a:xfrm>
-            <a:off x="7252189" y="3030415"/>
+            <a:off x="7735766" y="2564422"/>
             <a:ext cx="237392" cy="237392"/>
           </a:xfrm>
           <a:prstGeom prst="ellipse">
@@ -11759,7 +11639,7 @@
         </p:nvSpPr>
         <p:spPr>
           <a:xfrm>
-            <a:off x="5083420" y="3030415"/>
+            <a:off x="5566997" y="2564422"/>
             <a:ext cx="237392" cy="237392"/>
           </a:xfrm>
           <a:prstGeom prst="ellipse">
@@ -11815,7 +11695,7 @@
         </p:nvCxnSpPr>
         <p:spPr>
           <a:xfrm>
-            <a:off x="5320812" y="3149111"/>
+            <a:off x="5804389" y="2683118"/>
             <a:ext cx="1931377" cy="0"/>
           </a:xfrm>
           <a:prstGeom prst="straightConnector1">
@@ -11861,7 +11741,7 @@
         </p:nvCxnSpPr>
         <p:spPr>
           <a:xfrm>
-            <a:off x="4034608" y="2330366"/>
+            <a:off x="4518185" y="1864373"/>
             <a:ext cx="1083577" cy="734814"/>
           </a:xfrm>
           <a:prstGeom prst="straightConnector1">
@@ -11907,7 +11787,7 @@
         </p:nvCxnSpPr>
         <p:spPr>
           <a:xfrm flipV="1">
-            <a:off x="7454816" y="2330366"/>
+            <a:off x="7938393" y="1864373"/>
             <a:ext cx="1776704" cy="734814"/>
           </a:xfrm>
           <a:prstGeom prst="straightConnector1">
@@ -11949,7 +11829,7 @@
         </p:nvSpPr>
         <p:spPr>
           <a:xfrm>
-            <a:off x="849988" y="2621476"/>
+            <a:off x="1333565" y="2155483"/>
             <a:ext cx="1695977" cy="646331"/>
           </a:xfrm>
           <a:prstGeom prst="rect">
@@ -11991,7 +11871,7 @@
         </p:nvSpPr>
         <p:spPr>
           <a:xfrm>
-            <a:off x="4547089" y="3386503"/>
+            <a:off x="5030666" y="2920510"/>
             <a:ext cx="1310054" cy="646331"/>
           </a:xfrm>
           <a:prstGeom prst="rect">
@@ -12032,7 +11912,7 @@
         </p:nvSpPr>
         <p:spPr>
           <a:xfrm>
-            <a:off x="6641856" y="3386502"/>
+            <a:off x="7125433" y="2920509"/>
             <a:ext cx="1458057" cy="646331"/>
           </a:xfrm>
           <a:prstGeom prst="rect">
@@ -12076,7 +11956,7 @@
         </p:nvCxnSpPr>
         <p:spPr>
           <a:xfrm>
-            <a:off x="2625970" y="2829658"/>
+            <a:off x="3109547" y="2363665"/>
             <a:ext cx="522550" cy="0"/>
           </a:xfrm>
           <a:prstGeom prst="straightConnector1">
@@ -12118,7 +11998,7 @@
         </p:nvSpPr>
         <p:spPr>
           <a:xfrm>
-            <a:off x="3148520" y="2710962"/>
+            <a:off x="3632097" y="2244969"/>
             <a:ext cx="237392" cy="237392"/>
           </a:xfrm>
           <a:prstGeom prst="ellipse">
@@ -12169,7 +12049,7 @@
         </p:nvCxnSpPr>
         <p:spPr>
           <a:xfrm>
-            <a:off x="2633015" y="3149111"/>
+            <a:off x="3116592" y="2683118"/>
             <a:ext cx="522550" cy="0"/>
           </a:xfrm>
           <a:prstGeom prst="straightConnector1">
@@ -12211,7 +12091,7 @@
         </p:nvSpPr>
         <p:spPr>
           <a:xfrm>
-            <a:off x="3155565" y="3030415"/>
+            <a:off x="3639142" y="2564422"/>
             <a:ext cx="237392" cy="237392"/>
           </a:xfrm>
           <a:prstGeom prst="ellipse">
@@ -12249,6 +12129,36 @@
           </a:p>
         </p:txBody>
       </p:sp>
+      <p:pic>
+        <p:nvPicPr>
+          <p:cNvPr id="27" name="그림 26">
+            <a:extLst>
+              <a:ext uri="{FF2B5EF4-FFF2-40B4-BE49-F238E27FC236}">
+                <a16:creationId xmlns:a16="http://schemas.microsoft.com/office/drawing/2014/main" id="{89567AC7-D602-498A-A6D2-C86E5970DD4A}"/>
+              </a:ext>
+            </a:extLst>
+          </p:cNvPr>
+          <p:cNvPicPr>
+            <a:picLocks noChangeAspect="1"/>
+          </p:cNvPicPr>
+          <p:nvPr/>
+        </p:nvPicPr>
+        <p:blipFill>
+          <a:blip r:embed="rId2"/>
+          <a:stretch>
+            <a:fillRect/>
+          </a:stretch>
+        </p:blipFill>
+        <p:spPr>
+          <a:xfrm>
+            <a:off x="1055373" y="3967855"/>
+            <a:ext cx="9413040" cy="2731245"/>
+          </a:xfrm>
+          <a:prstGeom prst="rect">
+            <a:avLst/>
+          </a:prstGeom>
+        </p:spPr>
+      </p:pic>
     </p:spTree>
     <p:extLst>
       <p:ext uri="{BB962C8B-B14F-4D97-AF65-F5344CB8AC3E}">

--- a/img/images.pptx
+++ b/img/images.pptx
@@ -18,6 +18,8 @@
     <p:sldId id="272" r:id="rId12"/>
     <p:sldId id="270" r:id="rId13"/>
     <p:sldId id="271" r:id="rId14"/>
+    <p:sldId id="274" r:id="rId15"/>
+    <p:sldId id="275" r:id="rId16"/>
   </p:sldIdLst>
   <p:sldSz cx="12192000" cy="6858000"/>
   <p:notesSz cx="6858000" cy="9144000"/>
@@ -275,7 +277,7 @@
           <a:p>
             <a:fld id="{493EDA12-7240-45BA-A998-BB8F39C4C82F}" type="datetimeFigureOut">
               <a:rPr lang="ko-KR" altLang="en-US" smtClean="0"/>
-              <a:t>2017-09-20</a:t>
+              <a:t>2017-09-28</a:t>
             </a:fld>
             <a:endParaRPr lang="ko-KR" altLang="en-US"/>
           </a:p>
@@ -473,7 +475,7 @@
           <a:p>
             <a:fld id="{493EDA12-7240-45BA-A998-BB8F39C4C82F}" type="datetimeFigureOut">
               <a:rPr lang="ko-KR" altLang="en-US" smtClean="0"/>
-              <a:t>2017-09-20</a:t>
+              <a:t>2017-09-28</a:t>
             </a:fld>
             <a:endParaRPr lang="ko-KR" altLang="en-US"/>
           </a:p>
@@ -681,7 +683,7 @@
           <a:p>
             <a:fld id="{493EDA12-7240-45BA-A998-BB8F39C4C82F}" type="datetimeFigureOut">
               <a:rPr lang="ko-KR" altLang="en-US" smtClean="0"/>
-              <a:t>2017-09-20</a:t>
+              <a:t>2017-09-28</a:t>
             </a:fld>
             <a:endParaRPr lang="ko-KR" altLang="en-US"/>
           </a:p>
@@ -879,7 +881,7 @@
           <a:p>
             <a:fld id="{493EDA12-7240-45BA-A998-BB8F39C4C82F}" type="datetimeFigureOut">
               <a:rPr lang="ko-KR" altLang="en-US" smtClean="0"/>
-              <a:t>2017-09-20</a:t>
+              <a:t>2017-09-28</a:t>
             </a:fld>
             <a:endParaRPr lang="ko-KR" altLang="en-US"/>
           </a:p>
@@ -1154,7 +1156,7 @@
           <a:p>
             <a:fld id="{493EDA12-7240-45BA-A998-BB8F39C4C82F}" type="datetimeFigureOut">
               <a:rPr lang="ko-KR" altLang="en-US" smtClean="0"/>
-              <a:t>2017-09-20</a:t>
+              <a:t>2017-09-28</a:t>
             </a:fld>
             <a:endParaRPr lang="ko-KR" altLang="en-US"/>
           </a:p>
@@ -1419,7 +1421,7 @@
           <a:p>
             <a:fld id="{493EDA12-7240-45BA-A998-BB8F39C4C82F}" type="datetimeFigureOut">
               <a:rPr lang="ko-KR" altLang="en-US" smtClean="0"/>
-              <a:t>2017-09-20</a:t>
+              <a:t>2017-09-28</a:t>
             </a:fld>
             <a:endParaRPr lang="ko-KR" altLang="en-US"/>
           </a:p>
@@ -1831,7 +1833,7 @@
           <a:p>
             <a:fld id="{493EDA12-7240-45BA-A998-BB8F39C4C82F}" type="datetimeFigureOut">
               <a:rPr lang="ko-KR" altLang="en-US" smtClean="0"/>
-              <a:t>2017-09-20</a:t>
+              <a:t>2017-09-28</a:t>
             </a:fld>
             <a:endParaRPr lang="ko-KR" altLang="en-US"/>
           </a:p>
@@ -1972,7 +1974,7 @@
           <a:p>
             <a:fld id="{493EDA12-7240-45BA-A998-BB8F39C4C82F}" type="datetimeFigureOut">
               <a:rPr lang="ko-KR" altLang="en-US" smtClean="0"/>
-              <a:t>2017-09-20</a:t>
+              <a:t>2017-09-28</a:t>
             </a:fld>
             <a:endParaRPr lang="ko-KR" altLang="en-US"/>
           </a:p>
@@ -2085,7 +2087,7 @@
           <a:p>
             <a:fld id="{493EDA12-7240-45BA-A998-BB8F39C4C82F}" type="datetimeFigureOut">
               <a:rPr lang="ko-KR" altLang="en-US" smtClean="0"/>
-              <a:t>2017-09-20</a:t>
+              <a:t>2017-09-28</a:t>
             </a:fld>
             <a:endParaRPr lang="ko-KR" altLang="en-US"/>
           </a:p>
@@ -2396,7 +2398,7 @@
           <a:p>
             <a:fld id="{493EDA12-7240-45BA-A998-BB8F39C4C82F}" type="datetimeFigureOut">
               <a:rPr lang="ko-KR" altLang="en-US" smtClean="0"/>
-              <a:t>2017-09-20</a:t>
+              <a:t>2017-09-28</a:t>
             </a:fld>
             <a:endParaRPr lang="ko-KR" altLang="en-US"/>
           </a:p>
@@ -2684,7 +2686,7 @@
           <a:p>
             <a:fld id="{493EDA12-7240-45BA-A998-BB8F39C4C82F}" type="datetimeFigureOut">
               <a:rPr lang="ko-KR" altLang="en-US" smtClean="0"/>
-              <a:t>2017-09-20</a:t>
+              <a:t>2017-09-28</a:t>
             </a:fld>
             <a:endParaRPr lang="ko-KR" altLang="en-US"/>
           </a:p>
@@ -2925,7 +2927,7 @@
           <a:p>
             <a:fld id="{493EDA12-7240-45BA-A998-BB8F39C4C82F}" type="datetimeFigureOut">
               <a:rPr lang="ko-KR" altLang="en-US" smtClean="0"/>
-              <a:t>2017-09-20</a:t>
+              <a:t>2017-09-28</a:t>
             </a:fld>
             <a:endParaRPr lang="ko-KR" altLang="en-US"/>
           </a:p>
@@ -7081,6 +7083,806 @@
 </p:sld>
 </file>
 
+<file path=ppt/slides/slide14.xml><?xml version="1.0" encoding="utf-8"?>
+<p:sld xmlns:a="http://schemas.openxmlformats.org/drawingml/2006/main" xmlns:r="http://schemas.openxmlformats.org/officeDocument/2006/relationships" xmlns:p="http://schemas.openxmlformats.org/presentationml/2006/main">
+  <p:cSld>
+    <p:spTree>
+      <p:nvGrpSpPr>
+        <p:cNvPr id="1" name=""/>
+        <p:cNvGrpSpPr/>
+        <p:nvPr/>
+      </p:nvGrpSpPr>
+      <p:grpSpPr>
+        <a:xfrm>
+          <a:off x="0" y="0"/>
+          <a:ext cx="0" cy="0"/>
+          <a:chOff x="0" y="0"/>
+          <a:chExt cx="0" cy="0"/>
+        </a:xfrm>
+      </p:grpSpPr>
+      <p:pic>
+        <p:nvPicPr>
+          <p:cNvPr id="4" name="그림 3" descr="화면 캡처">
+            <a:extLst>
+              <a:ext uri="{FF2B5EF4-FFF2-40B4-BE49-F238E27FC236}">
+                <a16:creationId xmlns:a16="http://schemas.microsoft.com/office/drawing/2014/main" id="{379431BD-030C-4AF4-AF29-60F3CD64070F}"/>
+              </a:ext>
+            </a:extLst>
+          </p:cNvPr>
+          <p:cNvPicPr>
+            <a:picLocks noChangeAspect="1"/>
+          </p:cNvPicPr>
+          <p:nvPr/>
+        </p:nvPicPr>
+        <p:blipFill>
+          <a:blip r:embed="rId2">
+            <a:extLst>
+              <a:ext uri="{28A0092B-C50C-407E-A947-70E740481C1C}">
+                <a14:useLocalDpi xmlns:a14="http://schemas.microsoft.com/office/drawing/2010/main" val="0"/>
+              </a:ext>
+            </a:extLst>
+          </a:blip>
+          <a:stretch>
+            <a:fillRect/>
+          </a:stretch>
+        </p:blipFill>
+        <p:spPr>
+          <a:xfrm>
+            <a:off x="1297284" y="2954139"/>
+            <a:ext cx="1105045" cy="1414871"/>
+          </a:xfrm>
+          <a:prstGeom prst="rect">
+            <a:avLst/>
+          </a:prstGeom>
+        </p:spPr>
+      </p:pic>
+      <p:sp>
+        <p:nvSpPr>
+          <p:cNvPr id="5" name="TextBox 4">
+            <a:extLst>
+              <a:ext uri="{FF2B5EF4-FFF2-40B4-BE49-F238E27FC236}">
+                <a16:creationId xmlns:a16="http://schemas.microsoft.com/office/drawing/2014/main" id="{419C7D60-AB25-4380-B515-BC627F889592}"/>
+              </a:ext>
+            </a:extLst>
+          </p:cNvPr>
+          <p:cNvSpPr txBox="1"/>
+          <p:nvPr/>
+        </p:nvSpPr>
+        <p:spPr>
+          <a:xfrm>
+            <a:off x="1088812" y="2400143"/>
+            <a:ext cx="1651414" cy="369332"/>
+          </a:xfrm>
+          <a:prstGeom prst="rect">
+            <a:avLst/>
+          </a:prstGeom>
+          <a:noFill/>
+        </p:spPr>
+        <p:txBody>
+          <a:bodyPr wrap="none" rtlCol="0">
+            <a:spAutoFit/>
+          </a:bodyPr>
+          <a:lstStyle/>
+          <a:p>
+            <a:r>
+              <a:rPr lang="ko-KR" altLang="en-US" dirty="0"/>
+              <a:t>데이터 다루기</a:t>
+            </a:r>
+          </a:p>
+        </p:txBody>
+      </p:sp>
+      <p:sp>
+        <p:nvSpPr>
+          <p:cNvPr id="6" name="TextBox 5">
+            <a:extLst>
+              <a:ext uri="{FF2B5EF4-FFF2-40B4-BE49-F238E27FC236}">
+                <a16:creationId xmlns:a16="http://schemas.microsoft.com/office/drawing/2014/main" id="{924FD3CD-FB2C-4480-A135-A5D9F8D8D084}"/>
+              </a:ext>
+            </a:extLst>
+          </p:cNvPr>
+          <p:cNvSpPr txBox="1"/>
+          <p:nvPr/>
+        </p:nvSpPr>
+        <p:spPr>
+          <a:xfrm>
+            <a:off x="3276544" y="2919990"/>
+            <a:ext cx="958917" cy="369332"/>
+          </a:xfrm>
+          <a:prstGeom prst="rect">
+            <a:avLst/>
+          </a:prstGeom>
+          <a:noFill/>
+        </p:spPr>
+        <p:txBody>
+          <a:bodyPr wrap="none" rtlCol="0">
+            <a:spAutoFit/>
+          </a:bodyPr>
+          <a:lstStyle/>
+          <a:p>
+            <a:r>
+              <a:rPr lang="ko-KR" altLang="en-US" dirty="0"/>
+              <a:t>행 방향</a:t>
+            </a:r>
+          </a:p>
+        </p:txBody>
+      </p:sp>
+      <p:sp>
+        <p:nvSpPr>
+          <p:cNvPr id="7" name="TextBox 6">
+            <a:extLst>
+              <a:ext uri="{FF2B5EF4-FFF2-40B4-BE49-F238E27FC236}">
+                <a16:creationId xmlns:a16="http://schemas.microsoft.com/office/drawing/2014/main" id="{7509EB18-FD4A-4E3C-8014-978AAFA81387}"/>
+              </a:ext>
+            </a:extLst>
+          </p:cNvPr>
+          <p:cNvSpPr txBox="1"/>
+          <p:nvPr/>
+        </p:nvSpPr>
+        <p:spPr>
+          <a:xfrm>
+            <a:off x="3276543" y="883138"/>
+            <a:ext cx="958917" cy="369332"/>
+          </a:xfrm>
+          <a:prstGeom prst="rect">
+            <a:avLst/>
+          </a:prstGeom>
+          <a:noFill/>
+        </p:spPr>
+        <p:txBody>
+          <a:bodyPr wrap="none" rtlCol="0">
+            <a:spAutoFit/>
+          </a:bodyPr>
+          <a:lstStyle/>
+          <a:p>
+            <a:r>
+              <a:rPr lang="ko-KR" altLang="en-US" dirty="0"/>
+              <a:t>열 방향</a:t>
+            </a:r>
+          </a:p>
+        </p:txBody>
+      </p:sp>
+      <p:sp>
+        <p:nvSpPr>
+          <p:cNvPr id="8" name="TextBox 7">
+            <a:extLst>
+              <a:ext uri="{FF2B5EF4-FFF2-40B4-BE49-F238E27FC236}">
+                <a16:creationId xmlns:a16="http://schemas.microsoft.com/office/drawing/2014/main" id="{39FA260E-F51A-482C-BC80-1B8280DDAAA4}"/>
+              </a:ext>
+            </a:extLst>
+          </p:cNvPr>
+          <p:cNvSpPr txBox="1"/>
+          <p:nvPr/>
+        </p:nvSpPr>
+        <p:spPr>
+          <a:xfrm>
+            <a:off x="3276544" y="4976158"/>
+            <a:ext cx="1189749" cy="369332"/>
+          </a:xfrm>
+          <a:prstGeom prst="rect">
+            <a:avLst/>
+          </a:prstGeom>
+          <a:noFill/>
+        </p:spPr>
+        <p:txBody>
+          <a:bodyPr wrap="none" rtlCol="0">
+            <a:spAutoFit/>
+          </a:bodyPr>
+          <a:lstStyle/>
+          <a:p>
+            <a:r>
+              <a:rPr lang="ko-KR" altLang="en-US" dirty="0"/>
+              <a:t>그룹 계산</a:t>
+            </a:r>
+          </a:p>
+        </p:txBody>
+      </p:sp>
+      <p:pic>
+        <p:nvPicPr>
+          <p:cNvPr id="9" name="그림 8" descr="화면 캡처">
+            <a:extLst>
+              <a:ext uri="{FF2B5EF4-FFF2-40B4-BE49-F238E27FC236}">
+                <a16:creationId xmlns:a16="http://schemas.microsoft.com/office/drawing/2014/main" id="{50F90FBB-C3AA-4356-B9B7-0D268FA86DE7}"/>
+              </a:ext>
+            </a:extLst>
+          </p:cNvPr>
+          <p:cNvPicPr>
+            <a:picLocks noChangeAspect="1"/>
+          </p:cNvPicPr>
+          <p:nvPr/>
+        </p:nvPicPr>
+        <p:blipFill>
+          <a:blip r:embed="rId3">
+            <a:extLst>
+              <a:ext uri="{28A0092B-C50C-407E-A947-70E740481C1C}">
+                <a14:useLocalDpi xmlns:a14="http://schemas.microsoft.com/office/drawing/2010/main" val="0"/>
+              </a:ext>
+            </a:extLst>
+          </a:blip>
+          <a:stretch>
+            <a:fillRect/>
+          </a:stretch>
+        </p:blipFill>
+        <p:spPr>
+          <a:xfrm>
+            <a:off x="4543600" y="5035972"/>
+            <a:ext cx="1801198" cy="1181220"/>
+          </a:xfrm>
+          <a:prstGeom prst="rect">
+            <a:avLst/>
+          </a:prstGeom>
+        </p:spPr>
+      </p:pic>
+      <p:pic>
+        <p:nvPicPr>
+          <p:cNvPr id="10" name="그림 9" descr="화면 캡처">
+            <a:extLst>
+              <a:ext uri="{FF2B5EF4-FFF2-40B4-BE49-F238E27FC236}">
+                <a16:creationId xmlns:a16="http://schemas.microsoft.com/office/drawing/2014/main" id="{F5071288-6169-4B23-8080-0DBAF3304076}"/>
+              </a:ext>
+            </a:extLst>
+          </p:cNvPr>
+          <p:cNvPicPr>
+            <a:picLocks noChangeAspect="1"/>
+          </p:cNvPicPr>
+          <p:nvPr/>
+        </p:nvPicPr>
+        <p:blipFill>
+          <a:blip r:embed="rId4">
+            <a:extLst>
+              <a:ext uri="{28A0092B-C50C-407E-A947-70E740481C1C}">
+                <a14:useLocalDpi xmlns:a14="http://schemas.microsoft.com/office/drawing/2010/main" val="0"/>
+              </a:ext>
+            </a:extLst>
+          </a:blip>
+          <a:stretch>
+            <a:fillRect/>
+          </a:stretch>
+        </p:blipFill>
+        <p:spPr>
+          <a:xfrm>
+            <a:off x="4543600" y="2951268"/>
+            <a:ext cx="1828958" cy="1394581"/>
+          </a:xfrm>
+          <a:prstGeom prst="rect">
+            <a:avLst/>
+          </a:prstGeom>
+        </p:spPr>
+      </p:pic>
+      <p:sp>
+        <p:nvSpPr>
+          <p:cNvPr id="11" name="TextBox 10">
+            <a:extLst>
+              <a:ext uri="{FF2B5EF4-FFF2-40B4-BE49-F238E27FC236}">
+                <a16:creationId xmlns:a16="http://schemas.microsoft.com/office/drawing/2014/main" id="{29723753-406A-4498-83CE-8C1B06B74FFA}"/>
+              </a:ext>
+            </a:extLst>
+          </p:cNvPr>
+          <p:cNvSpPr txBox="1"/>
+          <p:nvPr/>
+        </p:nvSpPr>
+        <p:spPr>
+          <a:xfrm>
+            <a:off x="4543600" y="2615077"/>
+            <a:ext cx="646331" cy="369332"/>
+          </a:xfrm>
+          <a:prstGeom prst="rect">
+            <a:avLst/>
+          </a:prstGeom>
+          <a:noFill/>
+        </p:spPr>
+        <p:txBody>
+          <a:bodyPr wrap="none" rtlCol="0">
+            <a:spAutoFit/>
+          </a:bodyPr>
+          <a:lstStyle/>
+          <a:p>
+            <a:r>
+              <a:rPr lang="ko-KR" altLang="en-US" dirty="0"/>
+              <a:t>조건</a:t>
+            </a:r>
+          </a:p>
+        </p:txBody>
+      </p:sp>
+      <p:sp>
+        <p:nvSpPr>
+          <p:cNvPr id="12" name="TextBox 11">
+            <a:extLst>
+              <a:ext uri="{FF2B5EF4-FFF2-40B4-BE49-F238E27FC236}">
+                <a16:creationId xmlns:a16="http://schemas.microsoft.com/office/drawing/2014/main" id="{F1D67E49-3297-4BE9-BC11-7EC358C17CC3}"/>
+              </a:ext>
+            </a:extLst>
+          </p:cNvPr>
+          <p:cNvSpPr txBox="1"/>
+          <p:nvPr/>
+        </p:nvSpPr>
+        <p:spPr>
+          <a:xfrm>
+            <a:off x="6850897" y="2615077"/>
+            <a:ext cx="646331" cy="369332"/>
+          </a:xfrm>
+          <a:prstGeom prst="rect">
+            <a:avLst/>
+          </a:prstGeom>
+          <a:noFill/>
+        </p:spPr>
+        <p:txBody>
+          <a:bodyPr wrap="square" rtlCol="0">
+            <a:spAutoFit/>
+          </a:bodyPr>
+          <a:lstStyle/>
+          <a:p>
+            <a:r>
+              <a:rPr lang="ko-KR" altLang="en-US" dirty="0"/>
+              <a:t>추가</a:t>
+            </a:r>
+          </a:p>
+        </p:txBody>
+      </p:sp>
+      <p:pic>
+        <p:nvPicPr>
+          <p:cNvPr id="14" name="그림 13" descr="화면 캡처">
+            <a:extLst>
+              <a:ext uri="{FF2B5EF4-FFF2-40B4-BE49-F238E27FC236}">
+                <a16:creationId xmlns:a16="http://schemas.microsoft.com/office/drawing/2014/main" id="{21DC5C42-5ACC-43DF-AC0F-ADA720F6FE62}"/>
+              </a:ext>
+            </a:extLst>
+          </p:cNvPr>
+          <p:cNvPicPr>
+            <a:picLocks noChangeAspect="1"/>
+          </p:cNvPicPr>
+          <p:nvPr/>
+        </p:nvPicPr>
+        <p:blipFill>
+          <a:blip r:embed="rId5">
+            <a:extLst>
+              <a:ext uri="{28A0092B-C50C-407E-A947-70E740481C1C}">
+                <a14:useLocalDpi xmlns:a14="http://schemas.microsoft.com/office/drawing/2010/main" val="0"/>
+              </a:ext>
+            </a:extLst>
+          </a:blip>
+          <a:stretch>
+            <a:fillRect/>
+          </a:stretch>
+        </p:blipFill>
+        <p:spPr>
+          <a:xfrm>
+            <a:off x="6849901" y="3135262"/>
+            <a:ext cx="1731975" cy="1243698"/>
+          </a:xfrm>
+          <a:prstGeom prst="rect">
+            <a:avLst/>
+          </a:prstGeom>
+        </p:spPr>
+      </p:pic>
+      <p:pic>
+        <p:nvPicPr>
+          <p:cNvPr id="15" name="그림 14" descr="화면 캡처">
+            <a:extLst>
+              <a:ext uri="{FF2B5EF4-FFF2-40B4-BE49-F238E27FC236}">
+                <a16:creationId xmlns:a16="http://schemas.microsoft.com/office/drawing/2014/main" id="{AD74E8F0-257C-476A-8F1E-A4E254255A45}"/>
+              </a:ext>
+            </a:extLst>
+          </p:cNvPr>
+          <p:cNvPicPr>
+            <a:picLocks noChangeAspect="1"/>
+          </p:cNvPicPr>
+          <p:nvPr/>
+        </p:nvPicPr>
+        <p:blipFill>
+          <a:blip r:embed="rId6">
+            <a:extLst>
+              <a:ext uri="{28A0092B-C50C-407E-A947-70E740481C1C}">
+                <a14:useLocalDpi xmlns:a14="http://schemas.microsoft.com/office/drawing/2010/main" val="0"/>
+              </a:ext>
+            </a:extLst>
+          </a:blip>
+          <a:stretch>
+            <a:fillRect/>
+          </a:stretch>
+        </p:blipFill>
+        <p:spPr>
+          <a:xfrm>
+            <a:off x="9059219" y="3104656"/>
+            <a:ext cx="1813717" cy="1371719"/>
+          </a:xfrm>
+          <a:prstGeom prst="rect">
+            <a:avLst/>
+          </a:prstGeom>
+        </p:spPr>
+      </p:pic>
+      <p:sp>
+        <p:nvSpPr>
+          <p:cNvPr id="16" name="TextBox 15">
+            <a:extLst>
+              <a:ext uri="{FF2B5EF4-FFF2-40B4-BE49-F238E27FC236}">
+                <a16:creationId xmlns:a16="http://schemas.microsoft.com/office/drawing/2014/main" id="{B536F4F4-9896-4017-8834-F56B69D8B24F}"/>
+              </a:ext>
+            </a:extLst>
+          </p:cNvPr>
+          <p:cNvSpPr txBox="1"/>
+          <p:nvPr/>
+        </p:nvSpPr>
+        <p:spPr>
+          <a:xfrm>
+            <a:off x="9158194" y="2581936"/>
+            <a:ext cx="646331" cy="369332"/>
+          </a:xfrm>
+          <a:prstGeom prst="rect">
+            <a:avLst/>
+          </a:prstGeom>
+          <a:noFill/>
+        </p:spPr>
+        <p:txBody>
+          <a:bodyPr wrap="square" rtlCol="0">
+            <a:spAutoFit/>
+          </a:bodyPr>
+          <a:lstStyle/>
+          <a:p>
+            <a:r>
+              <a:rPr lang="ko-KR" altLang="en-US" dirty="0"/>
+              <a:t>정렬</a:t>
+            </a:r>
+          </a:p>
+        </p:txBody>
+      </p:sp>
+      <p:pic>
+        <p:nvPicPr>
+          <p:cNvPr id="17" name="그림 16" descr="화면 캡처">
+            <a:extLst>
+              <a:ext uri="{FF2B5EF4-FFF2-40B4-BE49-F238E27FC236}">
+                <a16:creationId xmlns:a16="http://schemas.microsoft.com/office/drawing/2014/main" id="{537F3747-4A1E-459B-B8F7-6FFF959E1697}"/>
+              </a:ext>
+            </a:extLst>
+          </p:cNvPr>
+          <p:cNvPicPr>
+            <a:picLocks noChangeAspect="1"/>
+          </p:cNvPicPr>
+          <p:nvPr/>
+        </p:nvPicPr>
+        <p:blipFill>
+          <a:blip r:embed="rId7">
+            <a:extLst>
+              <a:ext uri="{28A0092B-C50C-407E-A947-70E740481C1C}">
+                <a14:useLocalDpi xmlns:a14="http://schemas.microsoft.com/office/drawing/2010/main" val="0"/>
+              </a:ext>
+            </a:extLst>
+          </a:blip>
+          <a:stretch>
+            <a:fillRect/>
+          </a:stretch>
+        </p:blipFill>
+        <p:spPr>
+          <a:xfrm>
+            <a:off x="4401192" y="1348492"/>
+            <a:ext cx="1577477" cy="1097375"/>
+          </a:xfrm>
+          <a:prstGeom prst="rect">
+            <a:avLst/>
+          </a:prstGeom>
+        </p:spPr>
+      </p:pic>
+      <p:sp>
+        <p:nvSpPr>
+          <p:cNvPr id="18" name="TextBox 17">
+            <a:extLst>
+              <a:ext uri="{FF2B5EF4-FFF2-40B4-BE49-F238E27FC236}">
+                <a16:creationId xmlns:a16="http://schemas.microsoft.com/office/drawing/2014/main" id="{334BA132-0BAA-4C3E-9E72-9C80F172D0B0}"/>
+              </a:ext>
+            </a:extLst>
+          </p:cNvPr>
+          <p:cNvSpPr txBox="1"/>
+          <p:nvPr/>
+        </p:nvSpPr>
+        <p:spPr>
+          <a:xfrm>
+            <a:off x="4572250" y="883138"/>
+            <a:ext cx="646331" cy="369332"/>
+          </a:xfrm>
+          <a:prstGeom prst="rect">
+            <a:avLst/>
+          </a:prstGeom>
+          <a:noFill/>
+        </p:spPr>
+        <p:txBody>
+          <a:bodyPr wrap="none" rtlCol="0">
+            <a:spAutoFit/>
+          </a:bodyPr>
+          <a:lstStyle/>
+          <a:p>
+            <a:r>
+              <a:rPr lang="ko-KR" altLang="en-US" dirty="0"/>
+              <a:t>선택</a:t>
+            </a:r>
+          </a:p>
+        </p:txBody>
+      </p:sp>
+      <p:pic>
+        <p:nvPicPr>
+          <p:cNvPr id="19" name="그림 18" descr="화면 캡처">
+            <a:extLst>
+              <a:ext uri="{FF2B5EF4-FFF2-40B4-BE49-F238E27FC236}">
+                <a16:creationId xmlns:a16="http://schemas.microsoft.com/office/drawing/2014/main" id="{6355E7DC-0ED2-4DB5-B405-FBC97F101E2D}"/>
+              </a:ext>
+            </a:extLst>
+          </p:cNvPr>
+          <p:cNvPicPr>
+            <a:picLocks noChangeAspect="1"/>
+          </p:cNvPicPr>
+          <p:nvPr/>
+        </p:nvPicPr>
+        <p:blipFill>
+          <a:blip r:embed="rId8">
+            <a:extLst>
+              <a:ext uri="{28A0092B-C50C-407E-A947-70E740481C1C}">
+                <a14:useLocalDpi xmlns:a14="http://schemas.microsoft.com/office/drawing/2010/main" val="0"/>
+              </a:ext>
+            </a:extLst>
+          </a:blip>
+          <a:stretch>
+            <a:fillRect/>
+          </a:stretch>
+        </p:blipFill>
+        <p:spPr>
+          <a:xfrm>
+            <a:off x="6821250" y="1348492"/>
+            <a:ext cx="1981372" cy="1051651"/>
+          </a:xfrm>
+          <a:prstGeom prst="rect">
+            <a:avLst/>
+          </a:prstGeom>
+        </p:spPr>
+      </p:pic>
+      <p:sp>
+        <p:nvSpPr>
+          <p:cNvPr id="20" name="TextBox 19">
+            <a:extLst>
+              <a:ext uri="{FF2B5EF4-FFF2-40B4-BE49-F238E27FC236}">
+                <a16:creationId xmlns:a16="http://schemas.microsoft.com/office/drawing/2014/main" id="{925CBBC0-0325-4752-B403-202BECB69FE6}"/>
+              </a:ext>
+            </a:extLst>
+          </p:cNvPr>
+          <p:cNvSpPr txBox="1"/>
+          <p:nvPr/>
+        </p:nvSpPr>
+        <p:spPr>
+          <a:xfrm>
+            <a:off x="6820167" y="883138"/>
+            <a:ext cx="677061" cy="369332"/>
+          </a:xfrm>
+          <a:prstGeom prst="rect">
+            <a:avLst/>
+          </a:prstGeom>
+          <a:noFill/>
+        </p:spPr>
+        <p:txBody>
+          <a:bodyPr wrap="square" rtlCol="0">
+            <a:spAutoFit/>
+          </a:bodyPr>
+          <a:lstStyle/>
+          <a:p>
+            <a:r>
+              <a:rPr lang="ko-KR" altLang="en-US" dirty="0"/>
+              <a:t>계산</a:t>
+            </a:r>
+          </a:p>
+        </p:txBody>
+      </p:sp>
+      <p:sp>
+        <p:nvSpPr>
+          <p:cNvPr id="21" name="TextBox 20">
+            <a:extLst>
+              <a:ext uri="{FF2B5EF4-FFF2-40B4-BE49-F238E27FC236}">
+                <a16:creationId xmlns:a16="http://schemas.microsoft.com/office/drawing/2014/main" id="{66682591-D5EB-4315-A782-A3ED018F770E}"/>
+              </a:ext>
+            </a:extLst>
+          </p:cNvPr>
+          <p:cNvSpPr txBox="1"/>
+          <p:nvPr/>
+        </p:nvSpPr>
+        <p:spPr>
+          <a:xfrm>
+            <a:off x="6902353" y="4976158"/>
+            <a:ext cx="958917" cy="369332"/>
+          </a:xfrm>
+          <a:prstGeom prst="rect">
+            <a:avLst/>
+          </a:prstGeom>
+          <a:noFill/>
+        </p:spPr>
+        <p:txBody>
+          <a:bodyPr wrap="none" rtlCol="0">
+            <a:spAutoFit/>
+          </a:bodyPr>
+          <a:lstStyle/>
+          <a:p>
+            <a:r>
+              <a:rPr lang="ko-KR" altLang="en-US" dirty="0"/>
+              <a:t>열 결합</a:t>
+            </a:r>
+          </a:p>
+        </p:txBody>
+      </p:sp>
+      <p:pic>
+        <p:nvPicPr>
+          <p:cNvPr id="23" name="그림 22" descr="화면 캡처">
+            <a:extLst>
+              <a:ext uri="{FF2B5EF4-FFF2-40B4-BE49-F238E27FC236}">
+                <a16:creationId xmlns:a16="http://schemas.microsoft.com/office/drawing/2014/main" id="{5BA6A5FA-7602-45D2-92F0-B5386FAD229B}"/>
+              </a:ext>
+            </a:extLst>
+          </p:cNvPr>
+          <p:cNvPicPr>
+            <a:picLocks noChangeAspect="1"/>
+          </p:cNvPicPr>
+          <p:nvPr/>
+        </p:nvPicPr>
+        <p:blipFill>
+          <a:blip r:embed="rId9">
+            <a:extLst>
+              <a:ext uri="{28A0092B-C50C-407E-A947-70E740481C1C}">
+                <a14:useLocalDpi xmlns:a14="http://schemas.microsoft.com/office/drawing/2010/main" val="0"/>
+              </a:ext>
+            </a:extLst>
+          </a:blip>
+          <a:stretch>
+            <a:fillRect/>
+          </a:stretch>
+        </p:blipFill>
+        <p:spPr>
+          <a:xfrm>
+            <a:off x="8163791" y="4976158"/>
+            <a:ext cx="1790855" cy="1120237"/>
+          </a:xfrm>
+          <a:prstGeom prst="rect">
+            <a:avLst/>
+          </a:prstGeom>
+        </p:spPr>
+      </p:pic>
+      <p:pic>
+        <p:nvPicPr>
+          <p:cNvPr id="25" name="그림 24" descr="화면 캡처">
+            <a:extLst>
+              <a:ext uri="{FF2B5EF4-FFF2-40B4-BE49-F238E27FC236}">
+                <a16:creationId xmlns:a16="http://schemas.microsoft.com/office/drawing/2014/main" id="{9D3ACC19-D746-4F3A-B85B-9E152B0582B5}"/>
+              </a:ext>
+            </a:extLst>
+          </p:cNvPr>
+          <p:cNvPicPr>
+            <a:picLocks noChangeAspect="1"/>
+          </p:cNvPicPr>
+          <p:nvPr/>
+        </p:nvPicPr>
+        <p:blipFill>
+          <a:blip r:embed="rId10">
+            <a:extLst>
+              <a:ext uri="{28A0092B-C50C-407E-A947-70E740481C1C}">
+                <a14:useLocalDpi xmlns:a14="http://schemas.microsoft.com/office/drawing/2010/main" val="0"/>
+              </a:ext>
+            </a:extLst>
+          </a:blip>
+          <a:stretch>
+            <a:fillRect/>
+          </a:stretch>
+        </p:blipFill>
+        <p:spPr>
+          <a:xfrm>
+            <a:off x="10337970" y="5211256"/>
+            <a:ext cx="853514" cy="830652"/>
+          </a:xfrm>
+          <a:prstGeom prst="rect">
+            <a:avLst/>
+          </a:prstGeom>
+        </p:spPr>
+      </p:pic>
+      <p:pic>
+        <p:nvPicPr>
+          <p:cNvPr id="27" name="그림 26" descr="화면 캡처">
+            <a:extLst>
+              <a:ext uri="{FF2B5EF4-FFF2-40B4-BE49-F238E27FC236}">
+                <a16:creationId xmlns:a16="http://schemas.microsoft.com/office/drawing/2014/main" id="{4252C81C-D8FB-4192-BD57-3FBA45B6BF49}"/>
+              </a:ext>
+            </a:extLst>
+          </p:cNvPr>
+          <p:cNvPicPr>
+            <a:picLocks noChangeAspect="1"/>
+          </p:cNvPicPr>
+          <p:nvPr/>
+        </p:nvPicPr>
+        <p:blipFill>
+          <a:blip r:embed="rId11">
+            <a:extLst>
+              <a:ext uri="{28A0092B-C50C-407E-A947-70E740481C1C}">
+                <a14:useLocalDpi xmlns:a14="http://schemas.microsoft.com/office/drawing/2010/main" val="0"/>
+              </a:ext>
+            </a:extLst>
+          </a:blip>
+          <a:stretch>
+            <a:fillRect/>
+          </a:stretch>
+        </p:blipFill>
+        <p:spPr>
+          <a:xfrm>
+            <a:off x="9978375" y="5469873"/>
+            <a:ext cx="342930" cy="388654"/>
+          </a:xfrm>
+          <a:prstGeom prst="rect">
+            <a:avLst/>
+          </a:prstGeom>
+        </p:spPr>
+      </p:pic>
+    </p:spTree>
+    <p:extLst>
+      <p:ext uri="{BB962C8B-B14F-4D97-AF65-F5344CB8AC3E}">
+        <p14:creationId xmlns:p14="http://schemas.microsoft.com/office/powerpoint/2010/main" val="1948654231"/>
+      </p:ext>
+    </p:extLst>
+  </p:cSld>
+  <p:clrMapOvr>
+    <a:masterClrMapping/>
+  </p:clrMapOvr>
+</p:sld>
+</file>
+
+<file path=ppt/slides/slide15.xml><?xml version="1.0" encoding="utf-8"?>
+<p:sld xmlns:a="http://schemas.openxmlformats.org/drawingml/2006/main" xmlns:r="http://schemas.openxmlformats.org/officeDocument/2006/relationships" xmlns:p="http://schemas.openxmlformats.org/presentationml/2006/main">
+  <p:cSld>
+    <p:spTree>
+      <p:nvGrpSpPr>
+        <p:cNvPr id="1" name=""/>
+        <p:cNvGrpSpPr/>
+        <p:nvPr/>
+      </p:nvGrpSpPr>
+      <p:grpSpPr>
+        <a:xfrm>
+          <a:off x="0" y="0"/>
+          <a:ext cx="0" cy="0"/>
+          <a:chOff x="0" y="0"/>
+          <a:chExt cx="0" cy="0"/>
+        </a:xfrm>
+      </p:grpSpPr>
+      <p:pic>
+        <p:nvPicPr>
+          <p:cNvPr id="3" name="그림 2">
+            <a:extLst>
+              <a:ext uri="{FF2B5EF4-FFF2-40B4-BE49-F238E27FC236}">
+                <a16:creationId xmlns:a16="http://schemas.microsoft.com/office/drawing/2014/main" id="{AC897105-B6BA-48A6-97E1-F27159A6FCBC}"/>
+              </a:ext>
+            </a:extLst>
+          </p:cNvPr>
+          <p:cNvPicPr>
+            <a:picLocks noChangeAspect="1"/>
+          </p:cNvPicPr>
+          <p:nvPr/>
+        </p:nvPicPr>
+        <p:blipFill>
+          <a:blip r:embed="rId2"/>
+          <a:stretch>
+            <a:fillRect/>
+          </a:stretch>
+        </p:blipFill>
+        <p:spPr>
+          <a:xfrm>
+            <a:off x="1017592" y="743479"/>
+            <a:ext cx="10156816" cy="5371042"/>
+          </a:xfrm>
+          <a:prstGeom prst="rect">
+            <a:avLst/>
+          </a:prstGeom>
+        </p:spPr>
+      </p:pic>
+    </p:spTree>
+    <p:extLst>
+      <p:ext uri="{BB962C8B-B14F-4D97-AF65-F5344CB8AC3E}">
+        <p14:creationId xmlns:p14="http://schemas.microsoft.com/office/powerpoint/2010/main" val="249875579"/>
+      </p:ext>
+    </p:extLst>
+  </p:cSld>
+  <p:clrMapOvr>
+    <a:masterClrMapping/>
+  </p:clrMapOvr>
+</p:sld>
+</file>
+
 <file path=ppt/slides/slide2.xml><?xml version="1.0" encoding="utf-8"?>
 <p:sld xmlns:a="http://schemas.openxmlformats.org/drawingml/2006/main" xmlns:r="http://schemas.openxmlformats.org/officeDocument/2006/relationships" xmlns:p="http://schemas.openxmlformats.org/presentationml/2006/main">
   <p:cSld>

--- a/img/images.pptx
+++ b/img/images.pptx
@@ -7100,6 +7100,58 @@
           <a:chExt cx="0" cy="0"/>
         </a:xfrm>
       </p:grpSpPr>
+      <p:sp>
+        <p:nvSpPr>
+          <p:cNvPr id="2" name="직사각형 1">
+            <a:extLst>
+              <a:ext uri="{FF2B5EF4-FFF2-40B4-BE49-F238E27FC236}">
+                <a16:creationId xmlns:a16="http://schemas.microsoft.com/office/drawing/2014/main" id="{80FAA3BC-9BF1-4A90-A9C4-0D8729F0E01D}"/>
+              </a:ext>
+            </a:extLst>
+          </p:cNvPr>
+          <p:cNvSpPr/>
+          <p:nvPr/>
+        </p:nvSpPr>
+        <p:spPr>
+          <a:xfrm>
+            <a:off x="562708" y="413238"/>
+            <a:ext cx="11254154" cy="6189785"/>
+          </a:xfrm>
+          <a:prstGeom prst="rect">
+            <a:avLst/>
+          </a:prstGeom>
+          <a:solidFill>
+            <a:schemeClr val="bg1"/>
+          </a:solidFill>
+          <a:ln>
+            <a:noFill/>
+          </a:ln>
+        </p:spPr>
+        <p:style>
+          <a:lnRef idx="2">
+            <a:schemeClr val="accent1">
+              <a:shade val="50000"/>
+            </a:schemeClr>
+          </a:lnRef>
+          <a:fillRef idx="1">
+            <a:schemeClr val="accent1"/>
+          </a:fillRef>
+          <a:effectRef idx="0">
+            <a:schemeClr val="accent1"/>
+          </a:effectRef>
+          <a:fontRef idx="minor">
+            <a:schemeClr val="lt1"/>
+          </a:fontRef>
+        </p:style>
+        <p:txBody>
+          <a:bodyPr rtlCol="0" anchor="ctr"/>
+          <a:lstStyle/>
+          <a:p>
+            <a:pPr algn="ctr"/>
+            <a:endParaRPr lang="ko-KR" altLang="en-US"/>
+          </a:p>
+        </p:txBody>
+      </p:sp>
       <p:pic>
         <p:nvPicPr>
           <p:cNvPr id="4" name="그림 3" descr="화면 캡처">
@@ -7842,10 +7894,10 @@
       </p:grpSpPr>
       <p:pic>
         <p:nvPicPr>
-          <p:cNvPr id="3" name="그림 2">
-            <a:extLst>
-              <a:ext uri="{FF2B5EF4-FFF2-40B4-BE49-F238E27FC236}">
-                <a16:creationId xmlns:a16="http://schemas.microsoft.com/office/drawing/2014/main" id="{AC897105-B6BA-48A6-97E1-F27159A6FCBC}"/>
+          <p:cNvPr id="2" name="그림 1">
+            <a:extLst>
+              <a:ext uri="{FF2B5EF4-FFF2-40B4-BE49-F238E27FC236}">
+                <a16:creationId xmlns:a16="http://schemas.microsoft.com/office/drawing/2014/main" id="{B352FFFD-3F77-4AE4-940F-7DC30AD5B028}"/>
               </a:ext>
             </a:extLst>
           </p:cNvPr>
@@ -7862,8 +7914,8 @@
         </p:blipFill>
         <p:spPr>
           <a:xfrm>
-            <a:off x="1017592" y="743479"/>
-            <a:ext cx="10156816" cy="5371042"/>
+            <a:off x="468904" y="335012"/>
+            <a:ext cx="11254191" cy="6187976"/>
           </a:xfrm>
           <a:prstGeom prst="rect">
             <a:avLst/>

--- a/img/images.pptx
+++ b/img/images.pptx
@@ -20,6 +20,7 @@
     <p:sldId id="271" r:id="rId14"/>
     <p:sldId id="274" r:id="rId15"/>
     <p:sldId id="275" r:id="rId16"/>
+    <p:sldId id="276" r:id="rId17"/>
   </p:sldIdLst>
   <p:sldSz cx="12192000" cy="6858000"/>
   <p:notesSz cx="6858000" cy="9144000"/>
@@ -7148,7 +7149,7 @@
           <a:lstStyle/>
           <a:p>
             <a:pPr algn="ctr"/>
-            <a:endParaRPr lang="ko-KR" altLang="en-US"/>
+            <a:endParaRPr lang="ko-KR" altLang="en-US" dirty="0"/>
           </a:p>
         </p:txBody>
       </p:sp>
@@ -7307,7 +7308,7 @@
         </p:nvSpPr>
         <p:spPr>
           <a:xfrm>
-            <a:off x="3276544" y="4976158"/>
+            <a:off x="3075073" y="4972407"/>
             <a:ext cx="1189749" cy="369332"/>
           </a:xfrm>
           <a:prstGeom prst="rect">
@@ -7356,7 +7357,7 @@
         </p:blipFill>
         <p:spPr>
           <a:xfrm>
-            <a:off x="4543600" y="5035972"/>
+            <a:off x="4648146" y="4931829"/>
             <a:ext cx="1801198" cy="1181220"/>
           </a:xfrm>
           <a:prstGeom prst="rect">
@@ -7862,6 +7863,244 @@
           </a:prstGeom>
         </p:spPr>
       </p:pic>
+      <p:sp>
+        <p:nvSpPr>
+          <p:cNvPr id="22" name="직사각형 21">
+            <a:extLst>
+              <a:ext uri="{FF2B5EF4-FFF2-40B4-BE49-F238E27FC236}">
+                <a16:creationId xmlns:a16="http://schemas.microsoft.com/office/drawing/2014/main" id="{C4DC4E16-26FC-479C-9098-74956F18F685}"/>
+              </a:ext>
+            </a:extLst>
+          </p:cNvPr>
+          <p:cNvSpPr/>
+          <p:nvPr/>
+        </p:nvSpPr>
+        <p:spPr>
+          <a:xfrm>
+            <a:off x="4156752" y="1421680"/>
+            <a:ext cx="415498" cy="369332"/>
+          </a:xfrm>
+          <a:prstGeom prst="rect">
+            <a:avLst/>
+          </a:prstGeom>
+        </p:spPr>
+        <p:txBody>
+          <a:bodyPr wrap="none">
+            <a:spAutoFit/>
+          </a:bodyPr>
+          <a:lstStyle/>
+          <a:p>
+            <a:r>
+              <a:rPr lang="ko-KR" altLang="en-US" dirty="0"/>
+              <a:t>①</a:t>
+            </a:r>
+          </a:p>
+        </p:txBody>
+      </p:sp>
+      <p:sp>
+        <p:nvSpPr>
+          <p:cNvPr id="24" name="직사각형 23">
+            <a:extLst>
+              <a:ext uri="{FF2B5EF4-FFF2-40B4-BE49-F238E27FC236}">
+                <a16:creationId xmlns:a16="http://schemas.microsoft.com/office/drawing/2014/main" id="{0881ADF0-B07B-4E48-B5DC-4CAD37FAB163}"/>
+              </a:ext>
+            </a:extLst>
+          </p:cNvPr>
+          <p:cNvSpPr/>
+          <p:nvPr/>
+        </p:nvSpPr>
+        <p:spPr>
+          <a:xfrm>
+            <a:off x="6559062" y="1393452"/>
+            <a:ext cx="415498" cy="369332"/>
+          </a:xfrm>
+          <a:prstGeom prst="rect">
+            <a:avLst/>
+          </a:prstGeom>
+        </p:spPr>
+        <p:txBody>
+          <a:bodyPr wrap="none">
+            <a:spAutoFit/>
+          </a:bodyPr>
+          <a:lstStyle/>
+          <a:p>
+            <a:r>
+              <a:rPr lang="ko-KR" altLang="en-US" dirty="0"/>
+              <a:t>②</a:t>
+            </a:r>
+          </a:p>
+        </p:txBody>
+      </p:sp>
+      <p:sp>
+        <p:nvSpPr>
+          <p:cNvPr id="26" name="직사각형 25">
+            <a:extLst>
+              <a:ext uri="{FF2B5EF4-FFF2-40B4-BE49-F238E27FC236}">
+                <a16:creationId xmlns:a16="http://schemas.microsoft.com/office/drawing/2014/main" id="{13FFF40C-4F6A-4C64-9331-3F63A7C7F101}"/>
+              </a:ext>
+            </a:extLst>
+          </p:cNvPr>
+          <p:cNvSpPr/>
+          <p:nvPr/>
+        </p:nvSpPr>
+        <p:spPr>
+          <a:xfrm>
+            <a:off x="4258544" y="3144804"/>
+            <a:ext cx="415498" cy="369332"/>
+          </a:xfrm>
+          <a:prstGeom prst="rect">
+            <a:avLst/>
+          </a:prstGeom>
+        </p:spPr>
+        <p:txBody>
+          <a:bodyPr wrap="none">
+            <a:spAutoFit/>
+          </a:bodyPr>
+          <a:lstStyle/>
+          <a:p>
+            <a:r>
+              <a:rPr lang="ko-KR" altLang="en-US" dirty="0"/>
+              <a:t>③</a:t>
+            </a:r>
+          </a:p>
+        </p:txBody>
+      </p:sp>
+      <p:sp>
+        <p:nvSpPr>
+          <p:cNvPr id="28" name="직사각형 27">
+            <a:extLst>
+              <a:ext uri="{FF2B5EF4-FFF2-40B4-BE49-F238E27FC236}">
+                <a16:creationId xmlns:a16="http://schemas.microsoft.com/office/drawing/2014/main" id="{717E1DB7-201E-4D6D-A9F7-6C8F74C7301B}"/>
+              </a:ext>
+            </a:extLst>
+          </p:cNvPr>
+          <p:cNvSpPr/>
+          <p:nvPr/>
+        </p:nvSpPr>
+        <p:spPr>
+          <a:xfrm>
+            <a:off x="6541477" y="3150731"/>
+            <a:ext cx="415498" cy="369332"/>
+          </a:xfrm>
+          <a:prstGeom prst="rect">
+            <a:avLst/>
+          </a:prstGeom>
+        </p:spPr>
+        <p:txBody>
+          <a:bodyPr wrap="none">
+            <a:spAutoFit/>
+          </a:bodyPr>
+          <a:lstStyle/>
+          <a:p>
+            <a:r>
+              <a:rPr lang="ko-KR" altLang="en-US" dirty="0"/>
+              <a:t>④</a:t>
+            </a:r>
+          </a:p>
+        </p:txBody>
+      </p:sp>
+      <p:sp>
+        <p:nvSpPr>
+          <p:cNvPr id="29" name="직사각형 28">
+            <a:extLst>
+              <a:ext uri="{FF2B5EF4-FFF2-40B4-BE49-F238E27FC236}">
+                <a16:creationId xmlns:a16="http://schemas.microsoft.com/office/drawing/2014/main" id="{EE5C3AB8-87B3-48BF-82D5-53AAAA1631E6}"/>
+              </a:ext>
+            </a:extLst>
+          </p:cNvPr>
+          <p:cNvSpPr/>
+          <p:nvPr/>
+        </p:nvSpPr>
+        <p:spPr>
+          <a:xfrm>
+            <a:off x="8772214" y="3179134"/>
+            <a:ext cx="415498" cy="369332"/>
+          </a:xfrm>
+          <a:prstGeom prst="rect">
+            <a:avLst/>
+          </a:prstGeom>
+        </p:spPr>
+        <p:txBody>
+          <a:bodyPr wrap="none">
+            <a:spAutoFit/>
+          </a:bodyPr>
+          <a:lstStyle/>
+          <a:p>
+            <a:r>
+              <a:rPr lang="ko-KR" altLang="en-US" dirty="0"/>
+              <a:t>⑤</a:t>
+            </a:r>
+          </a:p>
+        </p:txBody>
+      </p:sp>
+      <p:sp>
+        <p:nvSpPr>
+          <p:cNvPr id="30" name="직사각형 29">
+            <a:extLst>
+              <a:ext uri="{FF2B5EF4-FFF2-40B4-BE49-F238E27FC236}">
+                <a16:creationId xmlns:a16="http://schemas.microsoft.com/office/drawing/2014/main" id="{0FB806AC-6593-4DCF-A01A-A82B46BE9FF8}"/>
+              </a:ext>
+            </a:extLst>
+          </p:cNvPr>
+          <p:cNvSpPr/>
+          <p:nvPr/>
+        </p:nvSpPr>
+        <p:spPr>
+          <a:xfrm>
+            <a:off x="4242776" y="5044786"/>
+            <a:ext cx="415498" cy="369332"/>
+          </a:xfrm>
+          <a:prstGeom prst="rect">
+            <a:avLst/>
+          </a:prstGeom>
+        </p:spPr>
+        <p:txBody>
+          <a:bodyPr wrap="none">
+            <a:spAutoFit/>
+          </a:bodyPr>
+          <a:lstStyle/>
+          <a:p>
+            <a:r>
+              <a:rPr lang="ko-KR" altLang="en-US" dirty="0"/>
+              <a:t>⑥</a:t>
+            </a:r>
+          </a:p>
+        </p:txBody>
+      </p:sp>
+      <p:sp>
+        <p:nvSpPr>
+          <p:cNvPr id="31" name="직사각형 30">
+            <a:extLst>
+              <a:ext uri="{FF2B5EF4-FFF2-40B4-BE49-F238E27FC236}">
+                <a16:creationId xmlns:a16="http://schemas.microsoft.com/office/drawing/2014/main" id="{FA8D411B-05A0-4D05-A2EF-304842CF0165}"/>
+              </a:ext>
+            </a:extLst>
+          </p:cNvPr>
+          <p:cNvSpPr/>
+          <p:nvPr/>
+        </p:nvSpPr>
+        <p:spPr>
+          <a:xfrm>
+            <a:off x="7898781" y="5229452"/>
+            <a:ext cx="415498" cy="369332"/>
+          </a:xfrm>
+          <a:prstGeom prst="rect">
+            <a:avLst/>
+          </a:prstGeom>
+        </p:spPr>
+        <p:txBody>
+          <a:bodyPr wrap="none">
+            <a:spAutoFit/>
+          </a:bodyPr>
+          <a:lstStyle/>
+          <a:p>
+            <a:r>
+              <a:rPr lang="ko-KR" altLang="en-US" dirty="0"/>
+              <a:t>⑦</a:t>
+            </a:r>
+          </a:p>
+        </p:txBody>
+      </p:sp>
     </p:spTree>
     <p:extLst>
       <p:ext uri="{BB962C8B-B14F-4D97-AF65-F5344CB8AC3E}">
@@ -7894,10 +8133,10 @@
       </p:grpSpPr>
       <p:pic>
         <p:nvPicPr>
-          <p:cNvPr id="2" name="그림 1">
-            <a:extLst>
-              <a:ext uri="{FF2B5EF4-FFF2-40B4-BE49-F238E27FC236}">
-                <a16:creationId xmlns:a16="http://schemas.microsoft.com/office/drawing/2014/main" id="{B352FFFD-3F77-4AE4-940F-7DC30AD5B028}"/>
+          <p:cNvPr id="31" name="그림 30">
+            <a:extLst>
+              <a:ext uri="{FF2B5EF4-FFF2-40B4-BE49-F238E27FC236}">
+                <a16:creationId xmlns:a16="http://schemas.microsoft.com/office/drawing/2014/main" id="{208D5F93-DAD4-420C-A2E2-CAE36CDA5D1F}"/>
               </a:ext>
             </a:extLst>
           </p:cNvPr>
@@ -7926,6 +8165,72 @@
     <p:extLst>
       <p:ext uri="{BB962C8B-B14F-4D97-AF65-F5344CB8AC3E}">
         <p14:creationId xmlns:p14="http://schemas.microsoft.com/office/powerpoint/2010/main" val="249875579"/>
+      </p:ext>
+    </p:extLst>
+  </p:cSld>
+  <p:clrMapOvr>
+    <a:masterClrMapping/>
+  </p:clrMapOvr>
+</p:sld>
+</file>
+
+<file path=ppt/slides/slide16.xml><?xml version="1.0" encoding="utf-8"?>
+<p:sld xmlns:a="http://schemas.openxmlformats.org/drawingml/2006/main" xmlns:r="http://schemas.openxmlformats.org/officeDocument/2006/relationships" xmlns:p="http://schemas.openxmlformats.org/presentationml/2006/main">
+  <p:cSld>
+    <p:spTree>
+      <p:nvGrpSpPr>
+        <p:cNvPr id="1" name=""/>
+        <p:cNvGrpSpPr/>
+        <p:nvPr/>
+      </p:nvGrpSpPr>
+      <p:grpSpPr>
+        <a:xfrm>
+          <a:off x="0" y="0"/>
+          <a:ext cx="0" cy="0"/>
+          <a:chOff x="0" y="0"/>
+          <a:chExt cx="0" cy="0"/>
+        </a:xfrm>
+      </p:grpSpPr>
+      <p:pic>
+        <p:nvPicPr>
+          <p:cNvPr id="5" name="그림 4" descr="화면 캡처">
+            <a:extLst>
+              <a:ext uri="{FF2B5EF4-FFF2-40B4-BE49-F238E27FC236}">
+                <a16:creationId xmlns:a16="http://schemas.microsoft.com/office/drawing/2014/main" id="{2CE96BB9-5E94-431C-A7B9-500447DA475E}"/>
+              </a:ext>
+            </a:extLst>
+          </p:cNvPr>
+          <p:cNvPicPr>
+            <a:picLocks noChangeAspect="1"/>
+          </p:cNvPicPr>
+          <p:nvPr/>
+        </p:nvPicPr>
+        <p:blipFill>
+          <a:blip r:embed="rId2">
+            <a:extLst>
+              <a:ext uri="{28A0092B-C50C-407E-A947-70E740481C1C}">
+                <a14:useLocalDpi xmlns:a14="http://schemas.microsoft.com/office/drawing/2010/main" val="0"/>
+              </a:ext>
+            </a:extLst>
+          </a:blip>
+          <a:stretch>
+            <a:fillRect/>
+          </a:stretch>
+        </p:blipFill>
+        <p:spPr>
+          <a:xfrm>
+            <a:off x="4068904" y="1885816"/>
+            <a:ext cx="4054191" cy="3086367"/>
+          </a:xfrm>
+          <a:prstGeom prst="rect">
+            <a:avLst/>
+          </a:prstGeom>
+        </p:spPr>
+      </p:pic>
+    </p:spTree>
+    <p:extLst>
+      <p:ext uri="{BB962C8B-B14F-4D97-AF65-F5344CB8AC3E}">
+        <p14:creationId xmlns:p14="http://schemas.microsoft.com/office/powerpoint/2010/main" val="4060766758"/>
       </p:ext>
     </p:extLst>
   </p:cSld>
